--- a/sample/sastLinux.pptx
+++ b/sample/sastLinux.pptx
@@ -5,35 +5,45 @@
     <p:sldMasterId id="2147483648" r:id="rId1"/>
   </p:sldMasterIdLst>
   <p:notesMasterIdLst>
-    <p:notesMasterId r:id="rId6"/>
+    <p:notesMasterId r:id="rId38"/>
   </p:notesMasterIdLst>
   <p:sldIdLst>
-    <p:sldId id="257" r:id="rId3"/>
-    <p:sldId id="258" r:id="rId4"/>
-    <p:sldId id="268" r:id="rId5"/>
-    <p:sldId id="269" r:id="rId7"/>
-    <p:sldId id="262" r:id="rId8"/>
-    <p:sldId id="259" r:id="rId9"/>
-    <p:sldId id="284" r:id="rId10"/>
-    <p:sldId id="261" r:id="rId11"/>
-    <p:sldId id="273" r:id="rId12"/>
-    <p:sldId id="270" r:id="rId13"/>
-    <p:sldId id="271" r:id="rId14"/>
-    <p:sldId id="297" r:id="rId15"/>
-    <p:sldId id="272" r:id="rId16"/>
-    <p:sldId id="260" r:id="rId17"/>
-    <p:sldId id="274" r:id="rId18"/>
-    <p:sldId id="263" r:id="rId19"/>
-    <p:sldId id="299" r:id="rId20"/>
-    <p:sldId id="300" r:id="rId21"/>
-    <p:sldId id="301" r:id="rId22"/>
-    <p:sldId id="302" r:id="rId23"/>
-    <p:sldId id="303" r:id="rId24"/>
-    <p:sldId id="304" r:id="rId25"/>
-    <p:sldId id="264" r:id="rId26"/>
-    <p:sldId id="265" r:id="rId27"/>
-    <p:sldId id="266" r:id="rId28"/>
-    <p:sldId id="267" r:id="rId29"/>
+    <p:sldId id="257" r:id="rId2"/>
+    <p:sldId id="258" r:id="rId3"/>
+    <p:sldId id="268" r:id="rId4"/>
+    <p:sldId id="269" r:id="rId5"/>
+    <p:sldId id="262" r:id="rId6"/>
+    <p:sldId id="259" r:id="rId7"/>
+    <p:sldId id="284" r:id="rId8"/>
+    <p:sldId id="261" r:id="rId9"/>
+    <p:sldId id="273" r:id="rId10"/>
+    <p:sldId id="270" r:id="rId11"/>
+    <p:sldId id="271" r:id="rId12"/>
+    <p:sldId id="297" r:id="rId13"/>
+    <p:sldId id="272" r:id="rId14"/>
+    <p:sldId id="260" r:id="rId15"/>
+    <p:sldId id="274" r:id="rId16"/>
+    <p:sldId id="263" r:id="rId17"/>
+    <p:sldId id="299" r:id="rId18"/>
+    <p:sldId id="300" r:id="rId19"/>
+    <p:sldId id="301" r:id="rId20"/>
+    <p:sldId id="302" r:id="rId21"/>
+    <p:sldId id="303" r:id="rId22"/>
+    <p:sldId id="312" r:id="rId23"/>
+    <p:sldId id="304" r:id="rId24"/>
+    <p:sldId id="313" r:id="rId25"/>
+    <p:sldId id="314" r:id="rId26"/>
+    <p:sldId id="315" r:id="rId27"/>
+    <p:sldId id="316" r:id="rId28"/>
+    <p:sldId id="264" r:id="rId29"/>
+    <p:sldId id="318" r:id="rId30"/>
+    <p:sldId id="319" r:id="rId31"/>
+    <p:sldId id="320" r:id="rId32"/>
+    <p:sldId id="321" r:id="rId33"/>
+    <p:sldId id="323" r:id="rId34"/>
+    <p:sldId id="265" r:id="rId35"/>
+    <p:sldId id="266" r:id="rId36"/>
+    <p:sldId id="267" r:id="rId37"/>
   </p:sldIdLst>
   <p:sldSz cx="9144000" cy="6858000" type="screen4x3"/>
   <p:notesSz cx="6858000" cy="9144000"/>
@@ -217,6 +227,7 @@
           <a:p>
             <a:fld id="{C04ADEBB-41CD-457F-A748-A2776E017DB0}" type="datetimeFigureOut">
               <a:rPr lang="en-US" smtClean="0"/>
+              <a:t>3/17/2017</a:t>
             </a:fld>
             <a:endParaRPr lang="en-US"/>
           </a:p>
@@ -283,7 +294,6 @@
               <a:rPr lang="zh-CN" altLang="en-US" smtClean="0"/>
               <a:t>单击此处编辑母版文本样式</a:t>
             </a:r>
-            <a:endParaRPr lang="zh-CN" altLang="en-US" smtClean="0"/>
           </a:p>
           <a:p>
             <a:pPr lvl="1"/>
@@ -291,7 +301,6 @@
               <a:rPr lang="zh-CN" altLang="en-US" smtClean="0"/>
               <a:t>第二级</a:t>
             </a:r>
-            <a:endParaRPr lang="zh-CN" altLang="en-US" smtClean="0"/>
           </a:p>
           <a:p>
             <a:pPr lvl="2"/>
@@ -299,7 +308,6 @@
               <a:rPr lang="zh-CN" altLang="en-US" smtClean="0"/>
               <a:t>第三级</a:t>
             </a:r>
-            <a:endParaRPr lang="zh-CN" altLang="en-US" smtClean="0"/>
           </a:p>
           <a:p>
             <a:pPr lvl="3"/>
@@ -307,7 +315,6 @@
               <a:rPr lang="zh-CN" altLang="en-US" smtClean="0"/>
               <a:t>第四级</a:t>
             </a:r>
-            <a:endParaRPr lang="zh-CN" altLang="en-US" smtClean="0"/>
           </a:p>
           <a:p>
             <a:pPr lvl="4"/>
@@ -379,12 +386,18 @@
           <a:p>
             <a:fld id="{8C6A281F-6453-473A-A186-3F8878878F39}" type="slidenum">
               <a:rPr lang="en-US" smtClean="0"/>
+              <a:t>‹#›</a:t>
             </a:fld>
             <a:endParaRPr lang="en-US"/>
           </a:p>
         </p:txBody>
       </p:sp>
     </p:spTree>
+    <p:extLst>
+      <p:ext uri="{BB962C8B-B14F-4D97-AF65-F5344CB8AC3E}">
+        <p14:creationId xmlns:p14="http://schemas.microsoft.com/office/powerpoint/2010/main" val="2806447757"/>
+      </p:ext>
+    </p:extLst>
   </p:cSld>
   <p:clrMap bg1="lt1" tx1="dk1" bg2="lt2" tx2="dk2" accent1="accent1" accent2="accent2" accent3="accent3" accent4="accent4" accent5="accent5" accent6="accent6" hlink="hlink" folHlink="folHlink"/>
   <p:notesStyle>
@@ -593,6 +606,7 @@
           <a:p>
             <a:fld id="{8C6A281F-6453-473A-A186-3F8878878F39}" type="slidenum">
               <a:rPr lang="en-US" smtClean="0"/>
+              <a:t>3</a:t>
             </a:fld>
             <a:endParaRPr lang="en-US"/>
           </a:p>
@@ -682,7 +696,6 @@
               <a:rPr lang="en-US" altLang="zh-CN" dirty="0" smtClean="0"/>
               <a:t>。</a:t>
             </a:r>
-            <a:endParaRPr lang="en-US" altLang="zh-CN" dirty="0" smtClean="0"/>
           </a:p>
           <a:p>
             <a:r>
@@ -701,7 +714,6 @@
               <a:rPr lang="en-US" altLang="zh-CN" dirty="0" smtClean="0"/>
               <a:t>1。</a:t>
             </a:r>
-            <a:endParaRPr lang="en-US" altLang="zh-CN" dirty="0" smtClean="0"/>
           </a:p>
           <a:p>
             <a:r>
@@ -752,7 +764,6 @@
               <a:rPr lang="en-US" altLang="zh-CN" dirty="0" smtClean="0"/>
               <a:t>)</a:t>
             </a:r>
-            <a:endParaRPr lang="en-US" altLang="zh-CN" dirty="0" smtClean="0"/>
           </a:p>
           <a:p>
             <a:r>
@@ -780,6 +791,7 @@
           <a:p>
             <a:fld id="{8C6A281F-6453-473A-A186-3F8878878F39}" type="slidenum">
               <a:rPr lang="en-US" smtClean="0"/>
+              <a:t>5</a:t>
             </a:fld>
             <a:endParaRPr lang="en-US"/>
           </a:p>
@@ -858,6 +870,7 @@
           <a:p>
             <a:fld id="{8C6A281F-6453-473A-A186-3F8878878F39}" type="slidenum">
               <a:rPr lang="en-US" smtClean="0"/>
+              <a:t>6</a:t>
             </a:fld>
             <a:endParaRPr lang="en-US"/>
           </a:p>
@@ -957,6 +970,7 @@
           <a:p>
             <a:fld id="{8C6A281F-6453-473A-A186-3F8878878F39}" type="slidenum">
               <a:rPr lang="en-US" smtClean="0"/>
+              <a:t>7</a:t>
             </a:fld>
             <a:endParaRPr lang="en-US"/>
           </a:p>
@@ -1014,10 +1028,6 @@
           <a:bodyPr/>
           <a:lstStyle/>
           <a:p>
-            <a:r>
-              <a:rPr lang="en-US" dirty="0" err="1" smtClean="0"/>
-              <a:t>Open第二个第三个参数</a:t>
-            </a:r>
             <a:endParaRPr lang="en-US" dirty="0"/>
           </a:p>
         </p:txBody>
@@ -1039,6 +1049,7 @@
           <a:p>
             <a:fld id="{8C6A281F-6453-473A-A186-3F8878878F39}" type="slidenum">
               <a:rPr lang="en-US" smtClean="0"/>
+              <a:t>8</a:t>
             </a:fld>
             <a:endParaRPr lang="en-US"/>
           </a:p>
@@ -1061,11 +1072,103 @@
         <p:cNvGrpSpPr/>
         <p:nvPr/>
       </p:nvGrpSpPr>
-      <p:grpSpPr/>
+      <p:grpSpPr>
+        <a:xfrm>
+          <a:off x="0" y="0"/>
+          <a:ext cx="0" cy="0"/>
+          <a:chOff x="0" y="0"/>
+          <a:chExt cx="0" cy="0"/>
+        </a:xfrm>
+      </p:grpSpPr>
+      <p:sp>
+        <p:nvSpPr>
+          <p:cNvPr id="2" name="幻灯片图像占位符 1"/>
+          <p:cNvSpPr>
+            <a:spLocks noGrp="1" noRot="1" noChangeAspect="1"/>
+          </p:cNvSpPr>
+          <p:nvPr>
+            <p:ph type="sldImg"/>
+          </p:nvPr>
+        </p:nvSpPr>
+        <p:spPr/>
+      </p:sp>
+      <p:sp>
+        <p:nvSpPr>
+          <p:cNvPr id="3" name="备注占位符 2"/>
+          <p:cNvSpPr>
+            <a:spLocks noGrp="1"/>
+          </p:cNvSpPr>
+          <p:nvPr>
+            <p:ph type="body" idx="1"/>
+          </p:nvPr>
+        </p:nvSpPr>
+        <p:spPr/>
+        <p:txBody>
+          <a:bodyPr/>
+          <a:lstStyle/>
+          <a:p>
+            <a:r>
+              <a:rPr lang="en-US" dirty="0" err="1" smtClean="0"/>
+              <a:t>Open第二个第三个参数</a:t>
+            </a:r>
+            <a:endParaRPr lang="en-US" dirty="0"/>
+          </a:p>
+        </p:txBody>
+      </p:sp>
+      <p:sp>
+        <p:nvSpPr>
+          <p:cNvPr id="4" name="灯片编号占位符 3"/>
+          <p:cNvSpPr>
+            <a:spLocks noGrp="1"/>
+          </p:cNvSpPr>
+          <p:nvPr>
+            <p:ph type="sldNum" sz="quarter" idx="10"/>
+          </p:nvPr>
+        </p:nvSpPr>
+        <p:spPr/>
+        <p:txBody>
+          <a:bodyPr/>
+          <a:lstStyle/>
+          <a:p>
+            <a:fld id="{8C6A281F-6453-473A-A186-3F8878878F39}" type="slidenum">
+              <a:rPr lang="en-US" smtClean="0"/>
+              <a:t>9</a:t>
+            </a:fld>
+            <a:endParaRPr lang="en-US"/>
+          </a:p>
+        </p:txBody>
+      </p:sp>
+    </p:spTree>
+  </p:cSld>
+  <p:clrMapOvr>
+    <a:masterClrMapping/>
+  </p:clrMapOvr>
+</p:notes>
+</file>
+
+<file path=ppt/notesSlides/notesSlide7.xml><?xml version="1.0" encoding="utf-8"?>
+<p:notes xmlns:a="http://schemas.openxmlformats.org/drawingml/2006/main" xmlns:r="http://schemas.openxmlformats.org/officeDocument/2006/relationships" xmlns:p="http://schemas.openxmlformats.org/presentationml/2006/main">
+  <p:cSld>
+    <p:spTree>
+      <p:nvGrpSpPr>
+        <p:cNvPr id="1" name=""/>
+        <p:cNvGrpSpPr/>
+        <p:nvPr/>
+      </p:nvGrpSpPr>
+      <p:grpSpPr>
+        <a:xfrm>
+          <a:off x="0" y="0"/>
+          <a:ext cx="0" cy="0"/>
+          <a:chOff x="0" y="0"/>
+          <a:chExt cx="0" cy="0"/>
+        </a:xfrm>
+      </p:grpSpPr>
       <p:sp>
         <p:nvSpPr>
           <p:cNvPr id="2" name="Slide Image Placeholder 1"/>
-          <p:cNvSpPr/>
+          <p:cNvSpPr>
+            <a:spLocks noGrp="1" noRot="1" noChangeAspect="1"/>
+          </p:cNvSpPr>
           <p:nvPr>
             <p:ph type="sldImg" idx="2"/>
           </p:nvPr>
@@ -1075,7 +1178,9 @@
       <p:sp>
         <p:nvSpPr>
           <p:cNvPr id="3" name="Text Placeholder 2"/>
-          <p:cNvSpPr/>
+          <p:cNvSpPr>
+            <a:spLocks noGrp="1"/>
+          </p:cNvSpPr>
           <p:nvPr>
             <p:ph type="body" idx="3"/>
           </p:nvPr>
@@ -1083,26 +1188,24 @@
         <p:spPr/>
         <p:txBody>
           <a:bodyPr/>
+          <a:lstStyle/>
           <a:p>
             <a:r>
               <a:rPr lang="x-none" altLang="en-US"/>
               <a:t>lstat和stat的区别</a:t>
             </a:r>
-            <a:endParaRPr lang="x-none" altLang="en-US"/>
           </a:p>
           <a:p>
             <a:r>
               <a:rPr lang="x-none" altLang="en-US"/>
               <a:t>如果是链接文件，stat打开链接文件指向的实际文件</a:t>
             </a:r>
-            <a:endParaRPr lang="x-none" altLang="en-US"/>
           </a:p>
           <a:p>
             <a:r>
               <a:rPr lang="x-none" altLang="en-US"/>
               <a:t>lstat打开链接文件</a:t>
             </a:r>
-            <a:endParaRPr lang="x-none" altLang="en-US"/>
           </a:p>
         </p:txBody>
       </p:sp>
@@ -1119,9 +1222,11 @@
         <p:spPr/>
         <p:txBody>
           <a:bodyPr/>
+          <a:lstStyle/>
           <a:p>
             <a:fld id="{8C6A281F-6453-473A-A186-3F8878878F39}" type="slidenum">
               <a:rPr lang="en-US" smtClean="0"/>
+              <a:t>16</a:t>
             </a:fld>
             <a:endParaRPr lang="en-US"/>
           </a:p>
@@ -1316,6 +1421,7 @@
           <a:p>
             <a:fld id="{2125A947-5D5A-4402-9616-E6582D0026E2}" type="datetimeFigureOut">
               <a:rPr lang="en-US" smtClean="0"/>
+              <a:t>3/17/2017</a:t>
             </a:fld>
             <a:endParaRPr lang="en-US"/>
           </a:p>
@@ -1357,6 +1463,7 @@
           <a:p>
             <a:fld id="{F8A64121-58FC-42A6-8A88-01769DFAE5EB}" type="slidenum">
               <a:rPr lang="en-US" smtClean="0"/>
+              <a:t>‹#›</a:t>
             </a:fld>
             <a:endParaRPr lang="en-US"/>
           </a:p>
@@ -1430,7 +1537,6 @@
               <a:rPr lang="zh-CN" altLang="en-US" smtClean="0"/>
               <a:t>单击此处编辑母版文本样式</a:t>
             </a:r>
-            <a:endParaRPr lang="zh-CN" altLang="en-US" smtClean="0"/>
           </a:p>
           <a:p>
             <a:pPr lvl="1"/>
@@ -1438,7 +1544,6 @@
               <a:rPr lang="zh-CN" altLang="en-US" smtClean="0"/>
               <a:t>第二级</a:t>
             </a:r>
-            <a:endParaRPr lang="zh-CN" altLang="en-US" smtClean="0"/>
           </a:p>
           <a:p>
             <a:pPr lvl="2"/>
@@ -1446,7 +1551,6 @@
               <a:rPr lang="zh-CN" altLang="en-US" smtClean="0"/>
               <a:t>第三级</a:t>
             </a:r>
-            <a:endParaRPr lang="zh-CN" altLang="en-US" smtClean="0"/>
           </a:p>
           <a:p>
             <a:pPr lvl="3"/>
@@ -1454,7 +1558,6 @@
               <a:rPr lang="zh-CN" altLang="en-US" smtClean="0"/>
               <a:t>第四级</a:t>
             </a:r>
-            <a:endParaRPr lang="zh-CN" altLang="en-US" smtClean="0"/>
           </a:p>
           <a:p>
             <a:pPr lvl="4"/>
@@ -1483,6 +1586,7 @@
           <a:p>
             <a:fld id="{2125A947-5D5A-4402-9616-E6582D0026E2}" type="datetimeFigureOut">
               <a:rPr lang="en-US" smtClean="0"/>
+              <a:t>3/17/2017</a:t>
             </a:fld>
             <a:endParaRPr lang="en-US"/>
           </a:p>
@@ -1524,6 +1628,7 @@
           <a:p>
             <a:fld id="{F8A64121-58FC-42A6-8A88-01769DFAE5EB}" type="slidenum">
               <a:rPr lang="en-US" smtClean="0"/>
+              <a:t>‹#›</a:t>
             </a:fld>
             <a:endParaRPr lang="en-US"/>
           </a:p>
@@ -1607,7 +1712,6 @@
               <a:rPr lang="zh-CN" altLang="en-US" smtClean="0"/>
               <a:t>单击此处编辑母版文本样式</a:t>
             </a:r>
-            <a:endParaRPr lang="zh-CN" altLang="en-US" smtClean="0"/>
           </a:p>
           <a:p>
             <a:pPr lvl="1"/>
@@ -1615,7 +1719,6 @@
               <a:rPr lang="zh-CN" altLang="en-US" smtClean="0"/>
               <a:t>第二级</a:t>
             </a:r>
-            <a:endParaRPr lang="zh-CN" altLang="en-US" smtClean="0"/>
           </a:p>
           <a:p>
             <a:pPr lvl="2"/>
@@ -1623,7 +1726,6 @@
               <a:rPr lang="zh-CN" altLang="en-US" smtClean="0"/>
               <a:t>第三级</a:t>
             </a:r>
-            <a:endParaRPr lang="zh-CN" altLang="en-US" smtClean="0"/>
           </a:p>
           <a:p>
             <a:pPr lvl="3"/>
@@ -1631,7 +1733,6 @@
               <a:rPr lang="zh-CN" altLang="en-US" smtClean="0"/>
               <a:t>第四级</a:t>
             </a:r>
-            <a:endParaRPr lang="zh-CN" altLang="en-US" smtClean="0"/>
           </a:p>
           <a:p>
             <a:pPr lvl="4"/>
@@ -1660,6 +1761,7 @@
           <a:p>
             <a:fld id="{2125A947-5D5A-4402-9616-E6582D0026E2}" type="datetimeFigureOut">
               <a:rPr lang="en-US" smtClean="0"/>
+              <a:t>3/17/2017</a:t>
             </a:fld>
             <a:endParaRPr lang="en-US"/>
           </a:p>
@@ -1701,6 +1803,7 @@
           <a:p>
             <a:fld id="{F8A64121-58FC-42A6-8A88-01769DFAE5EB}" type="slidenum">
               <a:rPr lang="en-US" smtClean="0"/>
+              <a:t>‹#›</a:t>
             </a:fld>
             <a:endParaRPr lang="en-US"/>
           </a:p>
@@ -1774,7 +1877,6 @@
               <a:rPr lang="zh-CN" altLang="en-US" smtClean="0"/>
               <a:t>单击此处编辑母版文本样式</a:t>
             </a:r>
-            <a:endParaRPr lang="zh-CN" altLang="en-US" smtClean="0"/>
           </a:p>
           <a:p>
             <a:pPr lvl="1"/>
@@ -1782,7 +1884,6 @@
               <a:rPr lang="zh-CN" altLang="en-US" smtClean="0"/>
               <a:t>第二级</a:t>
             </a:r>
-            <a:endParaRPr lang="zh-CN" altLang="en-US" smtClean="0"/>
           </a:p>
           <a:p>
             <a:pPr lvl="2"/>
@@ -1790,7 +1891,6 @@
               <a:rPr lang="zh-CN" altLang="en-US" smtClean="0"/>
               <a:t>第三级</a:t>
             </a:r>
-            <a:endParaRPr lang="zh-CN" altLang="en-US" smtClean="0"/>
           </a:p>
           <a:p>
             <a:pPr lvl="3"/>
@@ -1798,7 +1898,6 @@
               <a:rPr lang="zh-CN" altLang="en-US" smtClean="0"/>
               <a:t>第四级</a:t>
             </a:r>
-            <a:endParaRPr lang="zh-CN" altLang="en-US" smtClean="0"/>
           </a:p>
           <a:p>
             <a:pPr lvl="4"/>
@@ -1827,6 +1926,7 @@
           <a:p>
             <a:fld id="{2125A947-5D5A-4402-9616-E6582D0026E2}" type="datetimeFigureOut">
               <a:rPr lang="en-US" smtClean="0"/>
+              <a:t>3/17/2017</a:t>
             </a:fld>
             <a:endParaRPr lang="en-US"/>
           </a:p>
@@ -1868,6 +1968,7 @@
           <a:p>
             <a:fld id="{F8A64121-58FC-42A6-8A88-01769DFAE5EB}" type="slidenum">
               <a:rPr lang="en-US" smtClean="0"/>
+              <a:t>‹#›</a:t>
             </a:fld>
             <a:endParaRPr lang="en-US"/>
           </a:p>
@@ -2066,6 +2167,7 @@
           <a:p>
             <a:fld id="{2125A947-5D5A-4402-9616-E6582D0026E2}" type="datetimeFigureOut">
               <a:rPr lang="en-US" smtClean="0"/>
+              <a:t>3/17/2017</a:t>
             </a:fld>
             <a:endParaRPr lang="en-US"/>
           </a:p>
@@ -2107,6 +2209,7 @@
           <a:p>
             <a:fld id="{F8A64121-58FC-42A6-8A88-01769DFAE5EB}" type="slidenum">
               <a:rPr lang="en-US" smtClean="0"/>
+              <a:t>‹#›</a:t>
             </a:fld>
             <a:endParaRPr lang="en-US"/>
           </a:p>
@@ -2213,7 +2316,6 @@
               <a:rPr lang="zh-CN" altLang="en-US" smtClean="0"/>
               <a:t>单击此处编辑母版文本样式</a:t>
             </a:r>
-            <a:endParaRPr lang="zh-CN" altLang="en-US" smtClean="0"/>
           </a:p>
           <a:p>
             <a:pPr lvl="1"/>
@@ -2221,7 +2323,6 @@
               <a:rPr lang="zh-CN" altLang="en-US" smtClean="0"/>
               <a:t>第二级</a:t>
             </a:r>
-            <a:endParaRPr lang="zh-CN" altLang="en-US" smtClean="0"/>
           </a:p>
           <a:p>
             <a:pPr lvl="2"/>
@@ -2229,7 +2330,6 @@
               <a:rPr lang="zh-CN" altLang="en-US" smtClean="0"/>
               <a:t>第三级</a:t>
             </a:r>
-            <a:endParaRPr lang="zh-CN" altLang="en-US" smtClean="0"/>
           </a:p>
           <a:p>
             <a:pPr lvl="3"/>
@@ -2237,7 +2337,6 @@
               <a:rPr lang="zh-CN" altLang="en-US" smtClean="0"/>
               <a:t>第四级</a:t>
             </a:r>
-            <a:endParaRPr lang="zh-CN" altLang="en-US" smtClean="0"/>
           </a:p>
           <a:p>
             <a:pPr lvl="4"/>
@@ -2302,7 +2401,6 @@
               <a:rPr lang="zh-CN" altLang="en-US" smtClean="0"/>
               <a:t>单击此处编辑母版文本样式</a:t>
             </a:r>
-            <a:endParaRPr lang="zh-CN" altLang="en-US" smtClean="0"/>
           </a:p>
           <a:p>
             <a:pPr lvl="1"/>
@@ -2310,7 +2408,6 @@
               <a:rPr lang="zh-CN" altLang="en-US" smtClean="0"/>
               <a:t>第二级</a:t>
             </a:r>
-            <a:endParaRPr lang="zh-CN" altLang="en-US" smtClean="0"/>
           </a:p>
           <a:p>
             <a:pPr lvl="2"/>
@@ -2318,7 +2415,6 @@
               <a:rPr lang="zh-CN" altLang="en-US" smtClean="0"/>
               <a:t>第三级</a:t>
             </a:r>
-            <a:endParaRPr lang="zh-CN" altLang="en-US" smtClean="0"/>
           </a:p>
           <a:p>
             <a:pPr lvl="3"/>
@@ -2326,7 +2422,6 @@
               <a:rPr lang="zh-CN" altLang="en-US" smtClean="0"/>
               <a:t>第四级</a:t>
             </a:r>
-            <a:endParaRPr lang="zh-CN" altLang="en-US" smtClean="0"/>
           </a:p>
           <a:p>
             <a:pPr lvl="4"/>
@@ -2355,6 +2450,7 @@
           <a:p>
             <a:fld id="{2125A947-5D5A-4402-9616-E6582D0026E2}" type="datetimeFigureOut">
               <a:rPr lang="en-US" smtClean="0"/>
+              <a:t>3/17/2017</a:t>
             </a:fld>
             <a:endParaRPr lang="en-US"/>
           </a:p>
@@ -2396,6 +2492,7 @@
           <a:p>
             <a:fld id="{F8A64121-58FC-42A6-8A88-01769DFAE5EB}" type="slidenum">
               <a:rPr lang="en-US" smtClean="0"/>
+              <a:t>‹#›</a:t>
             </a:fld>
             <a:endParaRPr lang="en-US"/>
           </a:p>
@@ -2571,7 +2668,6 @@
               <a:rPr lang="zh-CN" altLang="en-US" smtClean="0"/>
               <a:t>单击此处编辑母版文本样式</a:t>
             </a:r>
-            <a:endParaRPr lang="zh-CN" altLang="en-US" smtClean="0"/>
           </a:p>
           <a:p>
             <a:pPr lvl="1"/>
@@ -2579,7 +2675,6 @@
               <a:rPr lang="zh-CN" altLang="en-US" smtClean="0"/>
               <a:t>第二级</a:t>
             </a:r>
-            <a:endParaRPr lang="zh-CN" altLang="en-US" smtClean="0"/>
           </a:p>
           <a:p>
             <a:pPr lvl="2"/>
@@ -2587,7 +2682,6 @@
               <a:rPr lang="zh-CN" altLang="en-US" smtClean="0"/>
               <a:t>第三级</a:t>
             </a:r>
-            <a:endParaRPr lang="zh-CN" altLang="en-US" smtClean="0"/>
           </a:p>
           <a:p>
             <a:pPr lvl="3"/>
@@ -2595,7 +2689,6 @@
               <a:rPr lang="zh-CN" altLang="en-US" smtClean="0"/>
               <a:t>第四级</a:t>
             </a:r>
-            <a:endParaRPr lang="zh-CN" altLang="en-US" smtClean="0"/>
           </a:p>
           <a:p>
             <a:pPr lvl="4"/>
@@ -2725,7 +2818,6 @@
               <a:rPr lang="zh-CN" altLang="en-US" smtClean="0"/>
               <a:t>单击此处编辑母版文本样式</a:t>
             </a:r>
-            <a:endParaRPr lang="zh-CN" altLang="en-US" smtClean="0"/>
           </a:p>
           <a:p>
             <a:pPr lvl="1"/>
@@ -2733,7 +2825,6 @@
               <a:rPr lang="zh-CN" altLang="en-US" smtClean="0"/>
               <a:t>第二级</a:t>
             </a:r>
-            <a:endParaRPr lang="zh-CN" altLang="en-US" smtClean="0"/>
           </a:p>
           <a:p>
             <a:pPr lvl="2"/>
@@ -2741,7 +2832,6 @@
               <a:rPr lang="zh-CN" altLang="en-US" smtClean="0"/>
               <a:t>第三级</a:t>
             </a:r>
-            <a:endParaRPr lang="zh-CN" altLang="en-US" smtClean="0"/>
           </a:p>
           <a:p>
             <a:pPr lvl="3"/>
@@ -2749,7 +2839,6 @@
               <a:rPr lang="zh-CN" altLang="en-US" smtClean="0"/>
               <a:t>第四级</a:t>
             </a:r>
-            <a:endParaRPr lang="zh-CN" altLang="en-US" smtClean="0"/>
           </a:p>
           <a:p>
             <a:pPr lvl="4"/>
@@ -2778,6 +2867,7 @@
           <a:p>
             <a:fld id="{2125A947-5D5A-4402-9616-E6582D0026E2}" type="datetimeFigureOut">
               <a:rPr lang="en-US" smtClean="0"/>
+              <a:t>3/17/2017</a:t>
             </a:fld>
             <a:endParaRPr lang="en-US"/>
           </a:p>
@@ -2819,6 +2909,7 @@
           <a:p>
             <a:fld id="{F8A64121-58FC-42A6-8A88-01769DFAE5EB}" type="slidenum">
               <a:rPr lang="en-US" smtClean="0"/>
+              <a:t>‹#›</a:t>
             </a:fld>
             <a:endParaRPr lang="en-US"/>
           </a:p>
@@ -2889,6 +2980,7 @@
           <a:p>
             <a:fld id="{2125A947-5D5A-4402-9616-E6582D0026E2}" type="datetimeFigureOut">
               <a:rPr lang="en-US" smtClean="0"/>
+              <a:t>3/17/2017</a:t>
             </a:fld>
             <a:endParaRPr lang="en-US"/>
           </a:p>
@@ -2930,6 +3022,7 @@
           <a:p>
             <a:fld id="{F8A64121-58FC-42A6-8A88-01769DFAE5EB}" type="slidenum">
               <a:rPr lang="en-US" smtClean="0"/>
+              <a:t>‹#›</a:t>
             </a:fld>
             <a:endParaRPr lang="en-US"/>
           </a:p>
@@ -2977,6 +3070,7 @@
           <a:p>
             <a:fld id="{2125A947-5D5A-4402-9616-E6582D0026E2}" type="datetimeFigureOut">
               <a:rPr lang="en-US" smtClean="0"/>
+              <a:t>3/17/2017</a:t>
             </a:fld>
             <a:endParaRPr lang="en-US"/>
           </a:p>
@@ -3018,6 +3112,7 @@
           <a:p>
             <a:fld id="{F8A64121-58FC-42A6-8A88-01769DFAE5EB}" type="slidenum">
               <a:rPr lang="en-US" smtClean="0"/>
+              <a:t>‹#›</a:t>
             </a:fld>
             <a:endParaRPr lang="en-US"/>
           </a:p>
@@ -3133,7 +3228,6 @@
               <a:rPr lang="zh-CN" altLang="en-US" smtClean="0"/>
               <a:t>单击此处编辑母版文本样式</a:t>
             </a:r>
-            <a:endParaRPr lang="zh-CN" altLang="en-US" smtClean="0"/>
           </a:p>
           <a:p>
             <a:pPr lvl="1"/>
@@ -3141,7 +3235,6 @@
               <a:rPr lang="zh-CN" altLang="en-US" smtClean="0"/>
               <a:t>第二级</a:t>
             </a:r>
-            <a:endParaRPr lang="zh-CN" altLang="en-US" smtClean="0"/>
           </a:p>
           <a:p>
             <a:pPr lvl="2"/>
@@ -3149,7 +3242,6 @@
               <a:rPr lang="zh-CN" altLang="en-US" smtClean="0"/>
               <a:t>第三级</a:t>
             </a:r>
-            <a:endParaRPr lang="zh-CN" altLang="en-US" smtClean="0"/>
           </a:p>
           <a:p>
             <a:pPr lvl="3"/>
@@ -3157,7 +3249,6 @@
               <a:rPr lang="zh-CN" altLang="en-US" smtClean="0"/>
               <a:t>第四级</a:t>
             </a:r>
-            <a:endParaRPr lang="zh-CN" altLang="en-US" smtClean="0"/>
           </a:p>
           <a:p>
             <a:pPr lvl="4"/>
@@ -3251,6 +3342,7 @@
           <a:p>
             <a:fld id="{2125A947-5D5A-4402-9616-E6582D0026E2}" type="datetimeFigureOut">
               <a:rPr lang="en-US" smtClean="0"/>
+              <a:t>3/17/2017</a:t>
             </a:fld>
             <a:endParaRPr lang="en-US"/>
           </a:p>
@@ -3292,6 +3384,7 @@
           <a:p>
             <a:fld id="{F8A64121-58FC-42A6-8A88-01769DFAE5EB}" type="slidenum">
               <a:rPr lang="en-US" smtClean="0"/>
+              <a:t>‹#›</a:t>
             </a:fld>
             <a:endParaRPr lang="en-US"/>
           </a:p>
@@ -3497,6 +3590,7 @@
           <a:p>
             <a:fld id="{2125A947-5D5A-4402-9616-E6582D0026E2}" type="datetimeFigureOut">
               <a:rPr lang="en-US" smtClean="0"/>
+              <a:t>3/17/2017</a:t>
             </a:fld>
             <a:endParaRPr lang="en-US"/>
           </a:p>
@@ -3538,6 +3632,7 @@
           <a:p>
             <a:fld id="{F8A64121-58FC-42A6-8A88-01769DFAE5EB}" type="slidenum">
               <a:rPr lang="en-US" smtClean="0"/>
+              <a:t>‹#›</a:t>
             </a:fld>
             <a:endParaRPr lang="en-US"/>
           </a:p>
@@ -3636,7 +3731,6 @@
               <a:rPr lang="zh-CN" altLang="en-US" smtClean="0"/>
               <a:t>单击此处编辑母版文本样式</a:t>
             </a:r>
-            <a:endParaRPr lang="zh-CN" altLang="en-US" smtClean="0"/>
           </a:p>
           <a:p>
             <a:pPr lvl="1"/>
@@ -3644,7 +3738,6 @@
               <a:rPr lang="zh-CN" altLang="en-US" smtClean="0"/>
               <a:t>第二级</a:t>
             </a:r>
-            <a:endParaRPr lang="zh-CN" altLang="en-US" smtClean="0"/>
           </a:p>
           <a:p>
             <a:pPr lvl="2"/>
@@ -3652,7 +3745,6 @@
               <a:rPr lang="zh-CN" altLang="en-US" smtClean="0"/>
               <a:t>第三级</a:t>
             </a:r>
-            <a:endParaRPr lang="zh-CN" altLang="en-US" smtClean="0"/>
           </a:p>
           <a:p>
             <a:pPr lvl="3"/>
@@ -3660,7 +3752,6 @@
               <a:rPr lang="zh-CN" altLang="en-US" smtClean="0"/>
               <a:t>第四级</a:t>
             </a:r>
-            <a:endParaRPr lang="zh-CN" altLang="en-US" smtClean="0"/>
           </a:p>
           <a:p>
             <a:pPr lvl="4"/>
@@ -3707,6 +3798,7 @@
           <a:p>
             <a:fld id="{2125A947-5D5A-4402-9616-E6582D0026E2}" type="datetimeFigureOut">
               <a:rPr lang="en-US" smtClean="0"/>
+              <a:t>3/17/2017</a:t>
             </a:fld>
             <a:endParaRPr lang="en-US"/>
           </a:p>
@@ -3784,6 +3876,7 @@
           <a:p>
             <a:fld id="{F8A64121-58FC-42A6-8A88-01769DFAE5EB}" type="slidenum">
               <a:rPr lang="en-US" smtClean="0"/>
+              <a:t>‹#›</a:t>
             </a:fld>
             <a:endParaRPr lang="en-US"/>
           </a:p>
@@ -4138,7 +4231,6 @@
               <a:rPr lang="en-US" dirty="0" smtClean="0"/>
               <a:t> </a:t>
             </a:r>
-            <a:endParaRPr lang="en-US" dirty="0" smtClean="0"/>
           </a:p>
           <a:p>
             <a:r>
@@ -4157,7 +4249,6 @@
               <a:rPr lang="en-US" dirty="0" smtClean="0"/>
               <a:t> -o demo</a:t>
             </a:r>
-            <a:endParaRPr lang="en-US" dirty="0" smtClean="0"/>
           </a:p>
           <a:p>
             <a:pPr marL="0" indent="0">
@@ -4189,11 +4280,11 @@
   <p:clrMapOvr>
     <a:masterClrMapping/>
   </p:clrMapOvr>
-  <mc:AlternateContent xmlns:mc="http://schemas.openxmlformats.org/markup-compatibility/2006">
-    <mc:Choice xmlns:p14="http://schemas.microsoft.com/office/powerpoint/2010/main" Requires="p14">
+  <mc:AlternateContent xmlns:mc="http://schemas.openxmlformats.org/markup-compatibility/2006" xmlns:p14="http://schemas.microsoft.com/office/powerpoint/2010/main">
+    <mc:Choice Requires="p14">
       <p:transition p14:dur="10"/>
     </mc:Choice>
-    <mc:Fallback>
+    <mc:Fallback xmlns="">
       <p:transition/>
     </mc:Fallback>
   </mc:AlternateContent>
@@ -4744,7 +4835,6 @@
               <a:rPr lang="en-US" dirty="0" smtClean="0"/>
               <a:t>);</a:t>
             </a:r>
-            <a:endParaRPr lang="en-US" dirty="0" smtClean="0"/>
           </a:p>
           <a:p>
             <a:r>
@@ -4902,6 +4992,55 @@
                       </p:childTnLst>
                     </p:cTn>
                   </p:par>
+                  <p:par>
+                    <p:cTn id="11" fill="hold">
+                      <p:stCondLst>
+                        <p:cond delay="indefinite"/>
+                      </p:stCondLst>
+                      <p:childTnLst>
+                        <p:par>
+                          <p:cTn id="12" fill="hold">
+                            <p:stCondLst>
+                              <p:cond delay="0"/>
+                            </p:stCondLst>
+                            <p:childTnLst>
+                              <p:par>
+                                <p:cTn id="13" presetID="1" presetClass="entr" presetSubtype="0" fill="hold" nodeType="clickEffect">
+                                  <p:stCondLst>
+                                    <p:cond delay="0"/>
+                                  </p:stCondLst>
+                                  <p:childTnLst>
+                                    <p:set>
+                                      <p:cBhvr>
+                                        <p:cTn id="14" dur="1" fill="hold">
+                                          <p:stCondLst>
+                                            <p:cond delay="0"/>
+                                          </p:stCondLst>
+                                        </p:cTn>
+                                        <p:tgtEl>
+                                          <p:spTgt spid="3">
+                                            <p:txEl>
+                                              <p:pRg st="6" end="6"/>
+                                            </p:txEl>
+                                          </p:spTgt>
+                                        </p:tgtEl>
+                                        <p:attrNameLst>
+                                          <p:attrName>style.visibility</p:attrName>
+                                        </p:attrNameLst>
+                                      </p:cBhvr>
+                                      <p:to>
+                                        <p:strVal val="visible"/>
+                                      </p:to>
+                                    </p:set>
+                                  </p:childTnLst>
+                                </p:cTn>
+                              </p:par>
+                            </p:childTnLst>
+                          </p:cTn>
+                        </p:par>
+                      </p:childTnLst>
+                    </p:cTn>
+                  </p:par>
                 </p:childTnLst>
               </p:cTn>
               <p:prevCondLst>
@@ -5040,7 +5179,6 @@
               <a:rPr lang="en-US" dirty="0"/>
               <a:t>);</a:t>
             </a:r>
-            <a:endParaRPr lang="en-US" dirty="0"/>
           </a:p>
           <a:p>
             <a:r>
@@ -5202,6 +5340,55 @@
                       </p:childTnLst>
                     </p:cTn>
                   </p:par>
+                  <p:par>
+                    <p:cTn id="11" fill="hold">
+                      <p:stCondLst>
+                        <p:cond delay="indefinite"/>
+                      </p:stCondLst>
+                      <p:childTnLst>
+                        <p:par>
+                          <p:cTn id="12" fill="hold">
+                            <p:stCondLst>
+                              <p:cond delay="0"/>
+                            </p:stCondLst>
+                            <p:childTnLst>
+                              <p:par>
+                                <p:cTn id="13" presetID="1" presetClass="entr" presetSubtype="0" fill="hold" nodeType="clickEffect">
+                                  <p:stCondLst>
+                                    <p:cond delay="0"/>
+                                  </p:stCondLst>
+                                  <p:childTnLst>
+                                    <p:set>
+                                      <p:cBhvr>
+                                        <p:cTn id="14" dur="1" fill="hold">
+                                          <p:stCondLst>
+                                            <p:cond delay="0"/>
+                                          </p:stCondLst>
+                                        </p:cTn>
+                                        <p:tgtEl>
+                                          <p:spTgt spid="3">
+                                            <p:txEl>
+                                              <p:pRg st="6" end="6"/>
+                                            </p:txEl>
+                                          </p:spTgt>
+                                        </p:tgtEl>
+                                        <p:attrNameLst>
+                                          <p:attrName>style.visibility</p:attrName>
+                                        </p:attrNameLst>
+                                      </p:cBhvr>
+                                      <p:to>
+                                        <p:strVal val="visible"/>
+                                      </p:to>
+                                    </p:set>
+                                  </p:childTnLst>
+                                </p:cTn>
+                              </p:par>
+                            </p:childTnLst>
+                          </p:cTn>
+                        </p:par>
+                      </p:childTnLst>
+                    </p:cTn>
+                  </p:par>
                 </p:childTnLst>
               </p:cTn>
               <p:prevCondLst>
@@ -5236,7 +5423,14 @@
         <p:cNvGrpSpPr/>
         <p:nvPr/>
       </p:nvGrpSpPr>
-      <p:grpSpPr/>
+      <p:grpSpPr>
+        <a:xfrm>
+          <a:off x="0" y="0"/>
+          <a:ext cx="0" cy="0"/>
+          <a:chOff x="0" y="0"/>
+          <a:chExt cx="0" cy="0"/>
+        </a:xfrm>
+      </p:grpSpPr>
       <p:sp>
         <p:nvSpPr>
           <p:cNvPr id="2" name="Title 1"/>
@@ -5250,6 +5444,7 @@
         <p:spPr/>
         <p:txBody>
           <a:bodyPr/>
+          <a:lstStyle/>
           <a:p>
             <a:endParaRPr lang="en-US"/>
           </a:p>
@@ -5268,46 +5463,56 @@
         <p:spPr/>
         <p:txBody>
           <a:bodyPr/>
-          <a:p>
-            <a:r>
-              <a:rPr lang="en-US"/>
-              <a:t>int close (int </a:t>
-            </a:r>
-            <a:r>
-              <a:rPr lang="x-none" altLang="en-US"/>
+          <a:lstStyle/>
+          <a:p>
+            <a:r>
+              <a:rPr lang="en-US" dirty="0" err="1"/>
+              <a:t>int</a:t>
+            </a:r>
+            <a:r>
+              <a:rPr lang="en-US" dirty="0"/>
+              <a:t> close (</a:t>
+            </a:r>
+            <a:r>
+              <a:rPr lang="en-US" dirty="0" err="1"/>
+              <a:t>int</a:t>
+            </a:r>
+            <a:r>
+              <a:rPr lang="en-US" dirty="0"/>
+              <a:t> </a:t>
+            </a:r>
+            <a:r>
+              <a:rPr lang="x-none" altLang="en-US" dirty="0"/>
               <a:t>filede</a:t>
             </a:r>
             <a:r>
-              <a:rPr lang="en-US"/>
+              <a:rPr lang="en-US" dirty="0"/>
               <a:t>)；</a:t>
             </a:r>
-            <a:endParaRPr lang="en-US"/>
-          </a:p>
-          <a:p>
-            <a:r>
-              <a:rPr lang="x-none" altLang="en-US"/>
+          </a:p>
+          <a:p>
+            <a:r>
+              <a:rPr lang="x-none" altLang="en-US" dirty="0"/>
               <a:t>关闭文件</a:t>
             </a:r>
-            <a:endParaRPr lang="x-none" altLang="en-US"/>
-          </a:p>
-          <a:p>
-            <a:endParaRPr lang="x-none" altLang="en-US"/>
-          </a:p>
-          <a:p>
-            <a:r>
-              <a:rPr lang="x-none" altLang="en-US"/>
+          </a:p>
+          <a:p>
+            <a:endParaRPr lang="x-none" altLang="en-US" dirty="0"/>
+          </a:p>
+          <a:p>
+            <a:r>
+              <a:rPr lang="x-none" altLang="en-US" dirty="0"/>
               <a:t>当一个程序关闭时，内核会把它开启的文件全部关闭</a:t>
             </a:r>
-            <a:endParaRPr lang="x-none" altLang="en-US"/>
-          </a:p>
-          <a:p>
-            <a:endParaRPr lang="x-none" altLang="en-US"/>
-          </a:p>
-          <a:p>
-            <a:endParaRPr lang="x-none" altLang="en-US"/>
-          </a:p>
-          <a:p>
-            <a:endParaRPr lang="x-none" altLang="en-US"/>
+          </a:p>
+          <a:p>
+            <a:endParaRPr lang="x-none" altLang="en-US" dirty="0"/>
+          </a:p>
+          <a:p>
+            <a:endParaRPr lang="x-none" altLang="en-US" dirty="0"/>
+          </a:p>
+          <a:p>
+            <a:endParaRPr lang="x-none" altLang="en-US" dirty="0"/>
           </a:p>
         </p:txBody>
       </p:sp>
@@ -5319,6 +5524,165 @@
   <p:transition>
     <p:fade/>
   </p:transition>
+  <p:timing>
+    <p:tnLst>
+      <p:par>
+        <p:cTn id="1" dur="indefinite" restart="never" nodeType="tmRoot">
+          <p:childTnLst>
+            <p:seq concurrent="1" nextAc="seek">
+              <p:cTn id="2" dur="indefinite" nodeType="mainSeq">
+                <p:childTnLst>
+                  <p:par>
+                    <p:cTn id="3" fill="hold">
+                      <p:stCondLst>
+                        <p:cond delay="indefinite"/>
+                      </p:stCondLst>
+                      <p:childTnLst>
+                        <p:par>
+                          <p:cTn id="4" fill="hold">
+                            <p:stCondLst>
+                              <p:cond delay="0"/>
+                            </p:stCondLst>
+                            <p:childTnLst>
+                              <p:par>
+                                <p:cTn id="5" presetID="1" presetClass="entr" presetSubtype="0" fill="hold" nodeType="clickEffect">
+                                  <p:stCondLst>
+                                    <p:cond delay="0"/>
+                                  </p:stCondLst>
+                                  <p:childTnLst>
+                                    <p:set>
+                                      <p:cBhvr>
+                                        <p:cTn id="6" dur="1" fill="hold">
+                                          <p:stCondLst>
+                                            <p:cond delay="0"/>
+                                          </p:stCondLst>
+                                        </p:cTn>
+                                        <p:tgtEl>
+                                          <p:spTgt spid="3">
+                                            <p:txEl>
+                                              <p:pRg st="0" end="0"/>
+                                            </p:txEl>
+                                          </p:spTgt>
+                                        </p:tgtEl>
+                                        <p:attrNameLst>
+                                          <p:attrName>style.visibility</p:attrName>
+                                        </p:attrNameLst>
+                                      </p:cBhvr>
+                                      <p:to>
+                                        <p:strVal val="visible"/>
+                                      </p:to>
+                                    </p:set>
+                                  </p:childTnLst>
+                                </p:cTn>
+                              </p:par>
+                              <p:par>
+                                <p:cTn id="7" presetID="1" presetClass="entr" presetSubtype="0" fill="hold" nodeType="withEffect">
+                                  <p:stCondLst>
+                                    <p:cond delay="0"/>
+                                  </p:stCondLst>
+                                  <p:childTnLst>
+                                    <p:set>
+                                      <p:cBhvr>
+                                        <p:cTn id="8" dur="1" fill="hold">
+                                          <p:stCondLst>
+                                            <p:cond delay="0"/>
+                                          </p:stCondLst>
+                                        </p:cTn>
+                                        <p:tgtEl>
+                                          <p:spTgt spid="3">
+                                            <p:txEl>
+                                              <p:pRg st="1" end="1"/>
+                                            </p:txEl>
+                                          </p:spTgt>
+                                        </p:tgtEl>
+                                        <p:attrNameLst>
+                                          <p:attrName>style.visibility</p:attrName>
+                                        </p:attrNameLst>
+                                      </p:cBhvr>
+                                      <p:to>
+                                        <p:strVal val="visible"/>
+                                      </p:to>
+                                    </p:set>
+                                  </p:childTnLst>
+                                </p:cTn>
+                              </p:par>
+                            </p:childTnLst>
+                          </p:cTn>
+                        </p:par>
+                      </p:childTnLst>
+                    </p:cTn>
+                  </p:par>
+                  <p:par>
+                    <p:cTn id="9" fill="hold">
+                      <p:stCondLst>
+                        <p:cond delay="indefinite"/>
+                      </p:stCondLst>
+                      <p:childTnLst>
+                        <p:par>
+                          <p:cTn id="10" fill="hold">
+                            <p:stCondLst>
+                              <p:cond delay="0"/>
+                            </p:stCondLst>
+                            <p:childTnLst>
+                              <p:par>
+                                <p:cTn id="11" presetID="1" presetClass="entr" presetSubtype="0" fill="hold" nodeType="clickEffect">
+                                  <p:stCondLst>
+                                    <p:cond delay="0"/>
+                                  </p:stCondLst>
+                                  <p:childTnLst>
+                                    <p:set>
+                                      <p:cBhvr>
+                                        <p:cTn id="12" dur="1" fill="hold">
+                                          <p:stCondLst>
+                                            <p:cond delay="0"/>
+                                          </p:stCondLst>
+                                        </p:cTn>
+                                        <p:tgtEl>
+                                          <p:spTgt spid="3">
+                                            <p:txEl>
+                                              <p:pRg st="3" end="3"/>
+                                            </p:txEl>
+                                          </p:spTgt>
+                                        </p:tgtEl>
+                                        <p:attrNameLst>
+                                          <p:attrName>style.visibility</p:attrName>
+                                        </p:attrNameLst>
+                                      </p:cBhvr>
+                                      <p:to>
+                                        <p:strVal val="visible"/>
+                                      </p:to>
+                                    </p:set>
+                                  </p:childTnLst>
+                                </p:cTn>
+                              </p:par>
+                            </p:childTnLst>
+                          </p:cTn>
+                        </p:par>
+                      </p:childTnLst>
+                    </p:cTn>
+                  </p:par>
+                </p:childTnLst>
+              </p:cTn>
+              <p:prevCondLst>
+                <p:cond evt="onPrev" delay="0">
+                  <p:tgtEl>
+                    <p:sldTgt/>
+                  </p:tgtEl>
+                </p:cond>
+              </p:prevCondLst>
+              <p:nextCondLst>
+                <p:cond evt="onNext" delay="0">
+                  <p:tgtEl>
+                    <p:sldTgt/>
+                  </p:tgtEl>
+                </p:cond>
+              </p:nextCondLst>
+            </p:seq>
+          </p:childTnLst>
+        </p:cTn>
+      </p:par>
+    </p:tnLst>
+  </p:timing>
 </p:sld>
 </file>
 
@@ -5538,7 +5902,6 @@
               <a:rPr lang="en-US" dirty="0" smtClean="0"/>
               <a:t> </a:t>
             </a:r>
-            <a:endParaRPr lang="en-US" dirty="0" smtClean="0"/>
           </a:p>
           <a:p>
             <a:r>
@@ -6330,22 +6693,944 @@
           </a:p>
           <a:p>
             <a:r>
-              <a:t>int stat(const char *pathname, struct stat * buf) ;</a:t>
-            </a:r>
-          </a:p>
-          <a:p>
-            <a:r>
-              <a:t>int fstat(int filedes,struct stat * buf) ;</a:t>
-            </a:r>
-          </a:p>
-          <a:p>
-            <a:r>
-              <a:t>int lstat(const char *pathname, struct stat * buf) ;</a:t>
-            </a:r>
-          </a:p>
-          <a:p>
-            <a:r>
-              <a:t>三个函数的返回：若成功则为 0，若出错则为-1</a:t>
+              <a:rPr i="1" dirty="0" err="1"/>
+              <a:t>int</a:t>
+            </a:r>
+            <a:r>
+              <a:rPr i="1" dirty="0"/>
+              <a:t> stat(</a:t>
+            </a:r>
+            <a:r>
+              <a:rPr i="1" dirty="0" err="1"/>
+              <a:t>const</a:t>
+            </a:r>
+            <a:r>
+              <a:rPr i="1" dirty="0"/>
+              <a:t> char *pathname, </a:t>
+            </a:r>
+            <a:r>
+              <a:rPr i="1" dirty="0" err="1"/>
+              <a:t>struct</a:t>
+            </a:r>
+            <a:r>
+              <a:rPr i="1" dirty="0"/>
+              <a:t> stat * </a:t>
+            </a:r>
+            <a:r>
+              <a:rPr i="1" dirty="0" err="1"/>
+              <a:t>buf</a:t>
+            </a:r>
+            <a:r>
+              <a:rPr i="1" dirty="0"/>
+              <a:t>) ;</a:t>
+            </a:r>
+          </a:p>
+          <a:p>
+            <a:r>
+              <a:rPr i="1" dirty="0" err="1"/>
+              <a:t>int</a:t>
+            </a:r>
+            <a:r>
+              <a:rPr i="1" dirty="0"/>
+              <a:t> </a:t>
+            </a:r>
+            <a:r>
+              <a:rPr i="1" dirty="0" err="1"/>
+              <a:t>fstat</a:t>
+            </a:r>
+            <a:r>
+              <a:rPr i="1" dirty="0"/>
+              <a:t>(</a:t>
+            </a:r>
+            <a:r>
+              <a:rPr i="1" dirty="0" err="1"/>
+              <a:t>int</a:t>
+            </a:r>
+            <a:r>
+              <a:rPr i="1" dirty="0"/>
+              <a:t> </a:t>
+            </a:r>
+            <a:r>
+              <a:rPr i="1" dirty="0" err="1"/>
+              <a:t>filedes</a:t>
+            </a:r>
+            <a:r>
+              <a:rPr i="1" dirty="0" smtClean="0"/>
+              <a:t>,</a:t>
+            </a:r>
+            <a:r>
+              <a:rPr lang="en-US" i="1" dirty="0" smtClean="0"/>
+              <a:t> </a:t>
+            </a:r>
+            <a:r>
+              <a:rPr i="1" dirty="0" err="1" smtClean="0"/>
+              <a:t>struct</a:t>
+            </a:r>
+            <a:r>
+              <a:rPr i="1" dirty="0" smtClean="0"/>
+              <a:t> </a:t>
+            </a:r>
+            <a:r>
+              <a:rPr i="1" dirty="0"/>
+              <a:t>stat * </a:t>
+            </a:r>
+            <a:r>
+              <a:rPr i="1" dirty="0" err="1"/>
+              <a:t>buf</a:t>
+            </a:r>
+            <a:r>
+              <a:rPr i="1" dirty="0"/>
+              <a:t>) ;</a:t>
+            </a:r>
+          </a:p>
+          <a:p>
+            <a:r>
+              <a:rPr i="1" dirty="0" err="1"/>
+              <a:t>int</a:t>
+            </a:r>
+            <a:r>
+              <a:rPr i="1" dirty="0"/>
+              <a:t> </a:t>
+            </a:r>
+            <a:r>
+              <a:rPr i="1" dirty="0" err="1"/>
+              <a:t>lstat</a:t>
+            </a:r>
+            <a:r>
+              <a:rPr i="1" dirty="0"/>
+              <a:t>(</a:t>
+            </a:r>
+            <a:r>
+              <a:rPr i="1" dirty="0" err="1"/>
+              <a:t>const</a:t>
+            </a:r>
+            <a:r>
+              <a:rPr i="1" dirty="0"/>
+              <a:t> char *pathname, </a:t>
+            </a:r>
+            <a:r>
+              <a:rPr i="1" dirty="0" err="1"/>
+              <a:t>struct</a:t>
+            </a:r>
+            <a:r>
+              <a:rPr i="1" dirty="0"/>
+              <a:t> stat * </a:t>
+            </a:r>
+            <a:r>
+              <a:rPr i="1" dirty="0" err="1"/>
+              <a:t>buf</a:t>
+            </a:r>
+            <a:r>
+              <a:rPr i="1" dirty="0"/>
+              <a:t>) ;</a:t>
+            </a:r>
+          </a:p>
+          <a:p>
+            <a:r>
+              <a:rPr dirty="0" err="1"/>
+              <a:t>三个函数的返回：若成功则为</a:t>
+            </a:r>
+            <a:r>
+              <a:rPr dirty="0"/>
+              <a:t> 0，若出错则为-1</a:t>
+            </a:r>
+          </a:p>
+        </p:txBody>
+      </p:sp>
+    </p:spTree>
+  </p:cSld>
+  <p:clrMapOvr>
+    <a:masterClrMapping/>
+  </p:clrMapOvr>
+  <p:timing>
+    <p:tnLst>
+      <p:par>
+        <p:cTn id="1" dur="indefinite" restart="never" nodeType="tmRoot">
+          <p:childTnLst>
+            <p:seq concurrent="1" nextAc="seek">
+              <p:cTn id="2" dur="indefinite" nodeType="mainSeq">
+                <p:childTnLst>
+                  <p:par>
+                    <p:cTn id="3" fill="hold">
+                      <p:stCondLst>
+                        <p:cond delay="indefinite"/>
+                      </p:stCondLst>
+                      <p:childTnLst>
+                        <p:par>
+                          <p:cTn id="4" fill="hold">
+                            <p:stCondLst>
+                              <p:cond delay="0"/>
+                            </p:stCondLst>
+                            <p:childTnLst>
+                              <p:par>
+                                <p:cTn id="5" presetID="1" presetClass="entr" presetSubtype="0" fill="hold" nodeType="clickEffect">
+                                  <p:stCondLst>
+                                    <p:cond delay="0"/>
+                                  </p:stCondLst>
+                                  <p:childTnLst>
+                                    <p:set>
+                                      <p:cBhvr>
+                                        <p:cTn id="6" dur="1" fill="hold">
+                                          <p:stCondLst>
+                                            <p:cond delay="0"/>
+                                          </p:stCondLst>
+                                        </p:cTn>
+                                        <p:tgtEl>
+                                          <p:spTgt spid="3">
+                                            <p:txEl>
+                                              <p:pRg st="0" end="0"/>
+                                            </p:txEl>
+                                          </p:spTgt>
+                                        </p:tgtEl>
+                                        <p:attrNameLst>
+                                          <p:attrName>style.visibility</p:attrName>
+                                        </p:attrNameLst>
+                                      </p:cBhvr>
+                                      <p:to>
+                                        <p:strVal val="visible"/>
+                                      </p:to>
+                                    </p:set>
+                                  </p:childTnLst>
+                                </p:cTn>
+                              </p:par>
+                            </p:childTnLst>
+                          </p:cTn>
+                        </p:par>
+                      </p:childTnLst>
+                    </p:cTn>
+                  </p:par>
+                  <p:par>
+                    <p:cTn id="7" fill="hold">
+                      <p:stCondLst>
+                        <p:cond delay="indefinite"/>
+                      </p:stCondLst>
+                      <p:childTnLst>
+                        <p:par>
+                          <p:cTn id="8" fill="hold">
+                            <p:stCondLst>
+                              <p:cond delay="0"/>
+                            </p:stCondLst>
+                            <p:childTnLst>
+                              <p:par>
+                                <p:cTn id="9" presetID="1" presetClass="entr" presetSubtype="0" fill="hold" nodeType="clickEffect">
+                                  <p:stCondLst>
+                                    <p:cond delay="0"/>
+                                  </p:stCondLst>
+                                  <p:childTnLst>
+                                    <p:set>
+                                      <p:cBhvr>
+                                        <p:cTn id="10" dur="1" fill="hold">
+                                          <p:stCondLst>
+                                            <p:cond delay="0"/>
+                                          </p:stCondLst>
+                                        </p:cTn>
+                                        <p:tgtEl>
+                                          <p:spTgt spid="3">
+                                            <p:txEl>
+                                              <p:pRg st="1" end="1"/>
+                                            </p:txEl>
+                                          </p:spTgt>
+                                        </p:tgtEl>
+                                        <p:attrNameLst>
+                                          <p:attrName>style.visibility</p:attrName>
+                                        </p:attrNameLst>
+                                      </p:cBhvr>
+                                      <p:to>
+                                        <p:strVal val="visible"/>
+                                      </p:to>
+                                    </p:set>
+                                  </p:childTnLst>
+                                </p:cTn>
+                              </p:par>
+                              <p:par>
+                                <p:cTn id="11" presetID="1" presetClass="entr" presetSubtype="0" fill="hold" nodeType="withEffect">
+                                  <p:stCondLst>
+                                    <p:cond delay="0"/>
+                                  </p:stCondLst>
+                                  <p:childTnLst>
+                                    <p:set>
+                                      <p:cBhvr>
+                                        <p:cTn id="12" dur="1" fill="hold">
+                                          <p:stCondLst>
+                                            <p:cond delay="0"/>
+                                          </p:stCondLst>
+                                        </p:cTn>
+                                        <p:tgtEl>
+                                          <p:spTgt spid="3">
+                                            <p:txEl>
+                                              <p:pRg st="2" end="2"/>
+                                            </p:txEl>
+                                          </p:spTgt>
+                                        </p:tgtEl>
+                                        <p:attrNameLst>
+                                          <p:attrName>style.visibility</p:attrName>
+                                        </p:attrNameLst>
+                                      </p:cBhvr>
+                                      <p:to>
+                                        <p:strVal val="visible"/>
+                                      </p:to>
+                                    </p:set>
+                                  </p:childTnLst>
+                                </p:cTn>
+                              </p:par>
+                              <p:par>
+                                <p:cTn id="13" presetID="1" presetClass="entr" presetSubtype="0" fill="hold" nodeType="withEffect">
+                                  <p:stCondLst>
+                                    <p:cond delay="0"/>
+                                  </p:stCondLst>
+                                  <p:childTnLst>
+                                    <p:set>
+                                      <p:cBhvr>
+                                        <p:cTn id="14" dur="1" fill="hold">
+                                          <p:stCondLst>
+                                            <p:cond delay="0"/>
+                                          </p:stCondLst>
+                                        </p:cTn>
+                                        <p:tgtEl>
+                                          <p:spTgt spid="3">
+                                            <p:txEl>
+                                              <p:pRg st="3" end="3"/>
+                                            </p:txEl>
+                                          </p:spTgt>
+                                        </p:tgtEl>
+                                        <p:attrNameLst>
+                                          <p:attrName>style.visibility</p:attrName>
+                                        </p:attrNameLst>
+                                      </p:cBhvr>
+                                      <p:to>
+                                        <p:strVal val="visible"/>
+                                      </p:to>
+                                    </p:set>
+                                  </p:childTnLst>
+                                </p:cTn>
+                              </p:par>
+                            </p:childTnLst>
+                          </p:cTn>
+                        </p:par>
+                      </p:childTnLst>
+                    </p:cTn>
+                  </p:par>
+                  <p:par>
+                    <p:cTn id="15" fill="hold">
+                      <p:stCondLst>
+                        <p:cond delay="indefinite"/>
+                      </p:stCondLst>
+                      <p:childTnLst>
+                        <p:par>
+                          <p:cTn id="16" fill="hold">
+                            <p:stCondLst>
+                              <p:cond delay="0"/>
+                            </p:stCondLst>
+                            <p:childTnLst>
+                              <p:par>
+                                <p:cTn id="17" presetID="1" presetClass="entr" presetSubtype="0" fill="hold" nodeType="clickEffect">
+                                  <p:stCondLst>
+                                    <p:cond delay="0"/>
+                                  </p:stCondLst>
+                                  <p:childTnLst>
+                                    <p:set>
+                                      <p:cBhvr>
+                                        <p:cTn id="18" dur="1" fill="hold">
+                                          <p:stCondLst>
+                                            <p:cond delay="0"/>
+                                          </p:stCondLst>
+                                        </p:cTn>
+                                        <p:tgtEl>
+                                          <p:spTgt spid="3">
+                                            <p:txEl>
+                                              <p:pRg st="4" end="4"/>
+                                            </p:txEl>
+                                          </p:spTgt>
+                                        </p:tgtEl>
+                                        <p:attrNameLst>
+                                          <p:attrName>style.visibility</p:attrName>
+                                        </p:attrNameLst>
+                                      </p:cBhvr>
+                                      <p:to>
+                                        <p:strVal val="visible"/>
+                                      </p:to>
+                                    </p:set>
+                                  </p:childTnLst>
+                                </p:cTn>
+                              </p:par>
+                            </p:childTnLst>
+                          </p:cTn>
+                        </p:par>
+                      </p:childTnLst>
+                    </p:cTn>
+                  </p:par>
+                </p:childTnLst>
+              </p:cTn>
+              <p:prevCondLst>
+                <p:cond evt="onPrev" delay="0">
+                  <p:tgtEl>
+                    <p:sldTgt/>
+                  </p:tgtEl>
+                </p:cond>
+              </p:prevCondLst>
+              <p:nextCondLst>
+                <p:cond evt="onNext" delay="0">
+                  <p:tgtEl>
+                    <p:sldTgt/>
+                  </p:tgtEl>
+                </p:cond>
+              </p:nextCondLst>
+            </p:seq>
+          </p:childTnLst>
+        </p:cTn>
+      </p:par>
+    </p:tnLst>
+  </p:timing>
+</p:sld>
+</file>
+
+<file path=ppt/slides/slide17.xml><?xml version="1.0" encoding="utf-8"?>
+<p:sld xmlns:a="http://schemas.openxmlformats.org/drawingml/2006/main" xmlns:r="http://schemas.openxmlformats.org/officeDocument/2006/relationships" xmlns:p="http://schemas.openxmlformats.org/presentationml/2006/main">
+  <p:cSld>
+    <p:spTree>
+      <p:nvGrpSpPr>
+        <p:cNvPr id="1" name=""/>
+        <p:cNvGrpSpPr/>
+        <p:nvPr/>
+      </p:nvGrpSpPr>
+      <p:grpSpPr>
+        <a:xfrm>
+          <a:off x="0" y="0"/>
+          <a:ext cx="0" cy="0"/>
+          <a:chOff x="0" y="0"/>
+          <a:chExt cx="0" cy="0"/>
+        </a:xfrm>
+      </p:grpSpPr>
+      <p:sp>
+        <p:nvSpPr>
+          <p:cNvPr id="2" name="Title 1"/>
+          <p:cNvSpPr>
+            <a:spLocks noGrp="1"/>
+          </p:cNvSpPr>
+          <p:nvPr>
+            <p:ph type="title"/>
+          </p:nvPr>
+        </p:nvSpPr>
+        <p:spPr/>
+        <p:txBody>
+          <a:bodyPr/>
+          <a:lstStyle/>
+          <a:p>
+            <a:endParaRPr lang="en-US"/>
+          </a:p>
+        </p:txBody>
+      </p:sp>
+      <p:sp>
+        <p:nvSpPr>
+          <p:cNvPr id="3" name="Content Placeholder 2"/>
+          <p:cNvSpPr>
+            <a:spLocks noGrp="1"/>
+          </p:cNvSpPr>
+          <p:nvPr>
+            <p:ph idx="1"/>
+          </p:nvPr>
+        </p:nvSpPr>
+        <p:spPr>
+          <a:xfrm>
+            <a:off x="457200" y="381000"/>
+            <a:ext cx="8229600" cy="5745163"/>
+          </a:xfrm>
+        </p:spPr>
+        <p:txBody>
+          <a:bodyPr>
+            <a:normAutofit fontScale="92500" lnSpcReduction="10000"/>
+          </a:bodyPr>
+          <a:lstStyle/>
+          <a:p>
+            <a:pPr marL="0" indent="0">
+              <a:buNone/>
+            </a:pPr>
+            <a:r>
+              <a:rPr lang="en-US" baseline="-25000" dirty="0" err="1"/>
+              <a:t>struct</a:t>
+            </a:r>
+            <a:r>
+              <a:rPr lang="en-US" baseline="-25000" dirty="0"/>
+              <a:t> stat  </a:t>
+            </a:r>
+          </a:p>
+          <a:p>
+            <a:pPr marL="0" indent="0">
+              <a:buNone/>
+            </a:pPr>
+            <a:r>
+              <a:rPr lang="en-US" baseline="-25000" dirty="0"/>
+              <a:t>{  </a:t>
+            </a:r>
+          </a:p>
+          <a:p>
+            <a:pPr marL="0" indent="0">
+              <a:buNone/>
+            </a:pPr>
+            <a:r>
+              <a:rPr lang="en-US" baseline="-25000" dirty="0"/>
+              <a:t>    </a:t>
+            </a:r>
+            <a:r>
+              <a:rPr lang="en-US" baseline="-25000" dirty="0" err="1"/>
+              <a:t>dev_t</a:t>
+            </a:r>
+            <a:r>
+              <a:rPr lang="en-US" baseline="-25000" dirty="0"/>
+              <a:t>       </a:t>
+            </a:r>
+            <a:r>
+              <a:rPr lang="en-US" baseline="-25000" dirty="0" err="1"/>
+              <a:t>st_dev</a:t>
+            </a:r>
+            <a:r>
+              <a:rPr lang="en-US" baseline="-25000" dirty="0"/>
+              <a:t>;     /* ID of device containing file -</a:t>
+            </a:r>
+            <a:r>
+              <a:rPr lang="en-US" baseline="-25000" dirty="0" err="1"/>
+              <a:t>文件所在设备的ID</a:t>
+            </a:r>
+            <a:r>
+              <a:rPr lang="en-US" baseline="-25000" dirty="0"/>
+              <a:t>*/  </a:t>
+            </a:r>
+          </a:p>
+          <a:p>
+            <a:pPr marL="0" indent="0">
+              <a:buNone/>
+            </a:pPr>
+            <a:r>
+              <a:rPr lang="en-US" baseline="-25000" dirty="0"/>
+              <a:t>    </a:t>
+            </a:r>
+            <a:r>
+              <a:rPr lang="en-US" baseline="-25000" dirty="0" err="1"/>
+              <a:t>ino_t</a:t>
+            </a:r>
+            <a:r>
+              <a:rPr lang="en-US" baseline="-25000" dirty="0"/>
+              <a:t>       </a:t>
+            </a:r>
+            <a:r>
+              <a:rPr lang="en-US" baseline="-25000" dirty="0" err="1"/>
+              <a:t>st_ino</a:t>
+            </a:r>
+            <a:r>
+              <a:rPr lang="en-US" baseline="-25000" dirty="0"/>
+              <a:t>;     /* </a:t>
+            </a:r>
+            <a:r>
+              <a:rPr lang="en-US" baseline="-25000" dirty="0" err="1"/>
+              <a:t>inode</a:t>
+            </a:r>
+            <a:r>
+              <a:rPr lang="en-US" baseline="-25000" dirty="0"/>
+              <a:t> number -</a:t>
+            </a:r>
+            <a:r>
+              <a:rPr lang="en-US" baseline="-25000" dirty="0" err="1"/>
+              <a:t>inode节点号</a:t>
+            </a:r>
+            <a:r>
+              <a:rPr lang="en-US" baseline="-25000" dirty="0"/>
+              <a:t>*/  </a:t>
+            </a:r>
+          </a:p>
+          <a:p>
+            <a:pPr marL="0" indent="0">
+              <a:buNone/>
+            </a:pPr>
+            <a:r>
+              <a:rPr lang="en-US" baseline="-25000" dirty="0"/>
+              <a:t>    </a:t>
+            </a:r>
+            <a:r>
+              <a:rPr lang="x-none" altLang="en-US" baseline="-25000" dirty="0"/>
+              <a:t>*</a:t>
+            </a:r>
+            <a:r>
+              <a:rPr lang="en-US" baseline="-25000" dirty="0" err="1"/>
+              <a:t>mode_t</a:t>
+            </a:r>
+            <a:r>
+              <a:rPr lang="en-US" baseline="-25000" dirty="0"/>
+              <a:t>      </a:t>
+            </a:r>
+            <a:r>
+              <a:rPr lang="en-US" baseline="-25000" dirty="0" err="1"/>
+              <a:t>st_mode</a:t>
+            </a:r>
+            <a:r>
+              <a:rPr lang="en-US" baseline="-25000" dirty="0"/>
+              <a:t>;    /* </a:t>
+            </a:r>
+            <a:r>
+              <a:rPr lang="x-none" altLang="en-US" baseline="-25000" dirty="0"/>
+              <a:t>file type &amp; mode</a:t>
+            </a:r>
+            <a:r>
+              <a:rPr lang="en-US" baseline="-25000" dirty="0"/>
+              <a:t>/  </a:t>
+            </a:r>
+          </a:p>
+          <a:p>
+            <a:pPr marL="0" indent="0">
+              <a:buNone/>
+            </a:pPr>
+            <a:r>
+              <a:rPr lang="en-US" baseline="-25000" dirty="0"/>
+              <a:t>    </a:t>
+            </a:r>
+            <a:r>
+              <a:rPr lang="x-none" altLang="en-US" baseline="-25000" dirty="0"/>
+              <a:t>*</a:t>
+            </a:r>
+            <a:r>
+              <a:rPr lang="en-US" baseline="-25000" dirty="0" err="1"/>
+              <a:t>nlink_t</a:t>
+            </a:r>
+            <a:r>
+              <a:rPr lang="en-US" baseline="-25000" dirty="0"/>
+              <a:t>     </a:t>
+            </a:r>
+            <a:r>
+              <a:rPr lang="en-US" baseline="-25000" dirty="0" err="1"/>
+              <a:t>st_nlink</a:t>
+            </a:r>
+            <a:r>
+              <a:rPr lang="en-US" baseline="-25000" dirty="0"/>
+              <a:t>;   /* number of hard links -</a:t>
+            </a:r>
+            <a:r>
+              <a:rPr lang="en-US" baseline="-25000" dirty="0" err="1"/>
+              <a:t>链向此文件的连接数</a:t>
+            </a:r>
+            <a:r>
+              <a:rPr lang="en-US" baseline="-25000" dirty="0"/>
+              <a:t>(</a:t>
+            </a:r>
+            <a:r>
+              <a:rPr lang="en-US" baseline="-25000" dirty="0" err="1"/>
+              <a:t>硬连接</a:t>
+            </a:r>
+            <a:r>
+              <a:rPr lang="en-US" baseline="-25000" dirty="0"/>
+              <a:t>)*/  </a:t>
+            </a:r>
+          </a:p>
+          <a:p>
+            <a:pPr marL="0" indent="0">
+              <a:buNone/>
+            </a:pPr>
+            <a:r>
+              <a:rPr lang="en-US" baseline="-25000" dirty="0"/>
+              <a:t>    </a:t>
+            </a:r>
+            <a:r>
+              <a:rPr lang="x-none" altLang="en-US" baseline="-25000" dirty="0"/>
+              <a:t>*</a:t>
+            </a:r>
+            <a:r>
+              <a:rPr lang="en-US" baseline="-25000" dirty="0" err="1"/>
+              <a:t>uid_t</a:t>
+            </a:r>
+            <a:r>
+              <a:rPr lang="en-US" baseline="-25000" dirty="0"/>
+              <a:t>       </a:t>
+            </a:r>
+            <a:r>
+              <a:rPr lang="en-US" baseline="-25000" dirty="0" err="1"/>
+              <a:t>st_uid</a:t>
+            </a:r>
+            <a:r>
+              <a:rPr lang="en-US" baseline="-25000" dirty="0"/>
+              <a:t>;     /* user ID of owner -user id*/  </a:t>
+            </a:r>
+          </a:p>
+          <a:p>
+            <a:pPr marL="0" indent="0">
+              <a:buNone/>
+            </a:pPr>
+            <a:r>
+              <a:rPr lang="en-US" baseline="-25000" dirty="0"/>
+              <a:t>    </a:t>
+            </a:r>
+            <a:r>
+              <a:rPr lang="x-none" altLang="en-US" baseline="-25000" dirty="0"/>
+              <a:t>*</a:t>
+            </a:r>
+            <a:r>
+              <a:rPr lang="en-US" baseline="-25000" dirty="0" err="1"/>
+              <a:t>gid_t</a:t>
+            </a:r>
+            <a:r>
+              <a:rPr lang="en-US" baseline="-25000" dirty="0"/>
+              <a:t>       </a:t>
+            </a:r>
+            <a:r>
+              <a:rPr lang="en-US" baseline="-25000" dirty="0" err="1"/>
+              <a:t>st_gid</a:t>
+            </a:r>
+            <a:r>
+              <a:rPr lang="en-US" baseline="-25000" dirty="0"/>
+              <a:t>;     /* group ID of owner - group id*/  </a:t>
+            </a:r>
+          </a:p>
+          <a:p>
+            <a:pPr marL="0" indent="0">
+              <a:buNone/>
+            </a:pPr>
+            <a:r>
+              <a:rPr lang="en-US" baseline="-25000" dirty="0"/>
+              <a:t>    </a:t>
+            </a:r>
+            <a:r>
+              <a:rPr lang="en-US" baseline="-25000" dirty="0" err="1"/>
+              <a:t>dev_t</a:t>
+            </a:r>
+            <a:r>
+              <a:rPr lang="en-US" baseline="-25000" dirty="0"/>
+              <a:t>       </a:t>
+            </a:r>
+            <a:r>
+              <a:rPr lang="en-US" baseline="-25000" dirty="0" err="1"/>
+              <a:t>st_rdev</a:t>
+            </a:r>
+            <a:r>
+              <a:rPr lang="en-US" baseline="-25000" dirty="0"/>
+              <a:t>;    /* device ID (if special file) -</a:t>
+            </a:r>
+            <a:r>
+              <a:rPr lang="en-US" baseline="-25000" dirty="0" err="1"/>
+              <a:t>设备号，针对设备文件</a:t>
+            </a:r>
+            <a:r>
+              <a:rPr lang="en-US" baseline="-25000" dirty="0"/>
+              <a:t>*/  </a:t>
+            </a:r>
+          </a:p>
+          <a:p>
+            <a:pPr marL="0" indent="0">
+              <a:buNone/>
+            </a:pPr>
+            <a:r>
+              <a:rPr lang="en-US" baseline="-25000" dirty="0"/>
+              <a:t>    </a:t>
+            </a:r>
+            <a:r>
+              <a:rPr lang="x-none" altLang="en-US" baseline="-25000" dirty="0"/>
+              <a:t>*</a:t>
+            </a:r>
+            <a:r>
+              <a:rPr lang="en-US" baseline="-25000" dirty="0" err="1"/>
+              <a:t>off_t</a:t>
+            </a:r>
+            <a:r>
+              <a:rPr lang="en-US" baseline="-25000" dirty="0"/>
+              <a:t>       </a:t>
+            </a:r>
+            <a:r>
+              <a:rPr lang="en-US" baseline="-25000" dirty="0" err="1"/>
+              <a:t>st_size</a:t>
+            </a:r>
+            <a:r>
+              <a:rPr lang="en-US" baseline="-25000" dirty="0"/>
+              <a:t>;    /* total size, in bytes -</a:t>
+            </a:r>
+            <a:r>
+              <a:rPr lang="en-US" baseline="-25000" dirty="0" err="1"/>
+              <a:t>文件大小，字节为单位</a:t>
+            </a:r>
+            <a:r>
+              <a:rPr lang="en-US" baseline="-25000" dirty="0"/>
+              <a:t>*/  </a:t>
+            </a:r>
+          </a:p>
+          <a:p>
+            <a:pPr marL="0" indent="0">
+              <a:buNone/>
+            </a:pPr>
+            <a:r>
+              <a:rPr lang="en-US" baseline="-25000" dirty="0"/>
+              <a:t>    </a:t>
+            </a:r>
+            <a:r>
+              <a:rPr lang="en-US" baseline="-25000" dirty="0" err="1"/>
+              <a:t>blksize_t</a:t>
+            </a:r>
+            <a:r>
+              <a:rPr lang="en-US" baseline="-25000" dirty="0"/>
+              <a:t>   </a:t>
+            </a:r>
+            <a:r>
+              <a:rPr lang="en-US" baseline="-25000" dirty="0" err="1"/>
+              <a:t>st_blksize</a:t>
+            </a:r>
+            <a:r>
+              <a:rPr lang="en-US" baseline="-25000" dirty="0"/>
+              <a:t>; /* </a:t>
+            </a:r>
+            <a:r>
+              <a:rPr lang="en-US" baseline="-25000" dirty="0" err="1"/>
+              <a:t>blocksize</a:t>
+            </a:r>
+            <a:r>
+              <a:rPr lang="en-US" baseline="-25000" dirty="0"/>
+              <a:t> for </a:t>
+            </a:r>
+            <a:r>
+              <a:rPr lang="en-US" baseline="-25000" dirty="0" err="1"/>
+              <a:t>filesystem</a:t>
+            </a:r>
+            <a:r>
+              <a:rPr lang="en-US" baseline="-25000" dirty="0"/>
+              <a:t> I/O -</a:t>
+            </a:r>
+            <a:r>
+              <a:rPr lang="en-US" baseline="-25000" dirty="0" err="1"/>
+              <a:t>系统块的大小</a:t>
+            </a:r>
+            <a:r>
+              <a:rPr lang="en-US" baseline="-25000" dirty="0"/>
+              <a:t>*/  </a:t>
+            </a:r>
+          </a:p>
+          <a:p>
+            <a:pPr marL="0" indent="0">
+              <a:buNone/>
+            </a:pPr>
+            <a:r>
+              <a:rPr lang="en-US" baseline="-25000" dirty="0"/>
+              <a:t>    </a:t>
+            </a:r>
+            <a:r>
+              <a:rPr lang="en-US" baseline="-25000" dirty="0" err="1"/>
+              <a:t>blkcnt_t</a:t>
+            </a:r>
+            <a:r>
+              <a:rPr lang="en-US" baseline="-25000" dirty="0"/>
+              <a:t>    </a:t>
+            </a:r>
+            <a:r>
+              <a:rPr lang="en-US" baseline="-25000" dirty="0" err="1"/>
+              <a:t>st_blocks</a:t>
+            </a:r>
+            <a:r>
+              <a:rPr lang="en-US" baseline="-25000" dirty="0"/>
+              <a:t>;  /* number of blocks allocated -</a:t>
+            </a:r>
+            <a:r>
+              <a:rPr lang="en-US" baseline="-25000" dirty="0" err="1"/>
+              <a:t>文件所占块数</a:t>
+            </a:r>
+            <a:r>
+              <a:rPr lang="en-US" baseline="-25000" dirty="0"/>
+              <a:t>*/  </a:t>
+            </a:r>
+          </a:p>
+          <a:p>
+            <a:pPr marL="0" indent="0">
+              <a:buNone/>
+            </a:pPr>
+            <a:r>
+              <a:rPr lang="en-US" baseline="-25000" dirty="0"/>
+              <a:t>    </a:t>
+            </a:r>
+            <a:r>
+              <a:rPr lang="en-US" baseline="-25000" dirty="0" err="1"/>
+              <a:t>time_t</a:t>
+            </a:r>
+            <a:r>
+              <a:rPr lang="en-US" baseline="-25000" dirty="0"/>
+              <a:t>      </a:t>
+            </a:r>
+            <a:r>
+              <a:rPr lang="en-US" baseline="-25000" dirty="0" err="1"/>
+              <a:t>st_atime</a:t>
+            </a:r>
+            <a:r>
+              <a:rPr lang="en-US" baseline="-25000" dirty="0"/>
+              <a:t>;   /* time of last access -</a:t>
+            </a:r>
+            <a:r>
+              <a:rPr lang="en-US" baseline="-25000" dirty="0" err="1"/>
+              <a:t>最近存取时间</a:t>
+            </a:r>
+            <a:r>
+              <a:rPr lang="en-US" baseline="-25000" dirty="0"/>
+              <a:t>*/  </a:t>
+            </a:r>
+          </a:p>
+          <a:p>
+            <a:pPr marL="0" indent="0">
+              <a:buNone/>
+            </a:pPr>
+            <a:r>
+              <a:rPr lang="en-US" baseline="-25000" dirty="0"/>
+              <a:t>    </a:t>
+            </a:r>
+            <a:r>
+              <a:rPr lang="en-US" baseline="-25000" dirty="0" err="1"/>
+              <a:t>time_t</a:t>
+            </a:r>
+            <a:r>
+              <a:rPr lang="en-US" baseline="-25000" dirty="0"/>
+              <a:t>      </a:t>
+            </a:r>
+            <a:r>
+              <a:rPr lang="en-US" baseline="-25000" dirty="0" err="1"/>
+              <a:t>st_mtime</a:t>
+            </a:r>
+            <a:r>
+              <a:rPr lang="en-US" baseline="-25000" dirty="0"/>
+              <a:t>;   /* time of last modification -</a:t>
+            </a:r>
+            <a:r>
+              <a:rPr lang="en-US" baseline="-25000" dirty="0" err="1"/>
+              <a:t>最近修改时间</a:t>
+            </a:r>
+            <a:r>
+              <a:rPr lang="en-US" baseline="-25000" dirty="0"/>
+              <a:t>*/  </a:t>
+            </a:r>
+          </a:p>
+          <a:p>
+            <a:pPr marL="0" indent="0">
+              <a:buNone/>
+            </a:pPr>
+            <a:r>
+              <a:rPr lang="en-US" baseline="-25000" dirty="0"/>
+              <a:t>    </a:t>
+            </a:r>
+            <a:r>
+              <a:rPr lang="en-US" baseline="-25000" dirty="0" err="1"/>
+              <a:t>time_t</a:t>
+            </a:r>
+            <a:r>
+              <a:rPr lang="en-US" baseline="-25000" dirty="0"/>
+              <a:t>      </a:t>
+            </a:r>
+            <a:r>
+              <a:rPr lang="en-US" baseline="-25000" dirty="0" err="1"/>
+              <a:t>st_ctime</a:t>
+            </a:r>
+            <a:r>
+              <a:rPr lang="en-US" baseline="-25000" dirty="0"/>
+              <a:t>;   /* time of last status change - */  </a:t>
+            </a:r>
+            <a:r>
+              <a:rPr lang="x-none" altLang="en-US" baseline="-25000" dirty="0"/>
+              <a:t>owner</a:t>
+            </a:r>
+          </a:p>
+          <a:p>
+            <a:pPr marL="0" indent="0">
+              <a:buNone/>
+            </a:pPr>
+            <a:r>
+              <a:rPr lang="en-US" baseline="-25000" dirty="0"/>
+              <a:t>};  </a:t>
             </a:r>
           </a:p>
         </p:txBody>
@@ -6365,7 +7650,7 @@
 </p:sld>
 </file>
 
-<file path=ppt/slides/slide17.xml><?xml version="1.0" encoding="utf-8"?>
+<file path=ppt/slides/slide18.xml><?xml version="1.0" encoding="utf-8"?>
 <p:sld xmlns:a="http://schemas.openxmlformats.org/drawingml/2006/main" xmlns:r="http://schemas.openxmlformats.org/officeDocument/2006/relationships" xmlns:p="http://schemas.openxmlformats.org/presentationml/2006/main">
   <p:cSld>
     <p:spTree>
@@ -6374,7 +7659,14 @@
         <p:cNvGrpSpPr/>
         <p:nvPr/>
       </p:nvGrpSpPr>
-      <p:grpSpPr/>
+      <p:grpSpPr>
+        <a:xfrm>
+          <a:off x="0" y="0"/>
+          <a:ext cx="0" cy="0"/>
+          <a:chOff x="0" y="0"/>
+          <a:chExt cx="0" cy="0"/>
+        </a:xfrm>
+      </p:grpSpPr>
       <p:sp>
         <p:nvSpPr>
           <p:cNvPr id="2" name="Title 1"/>
@@ -6388,6 +7680,526 @@
         <p:spPr/>
         <p:txBody>
           <a:bodyPr/>
+          <a:lstStyle/>
+          <a:p>
+            <a:endParaRPr lang="en-US"/>
+          </a:p>
+        </p:txBody>
+      </p:sp>
+      <p:sp>
+        <p:nvSpPr>
+          <p:cNvPr id="3" name="Content Placeholder 2"/>
+          <p:cNvSpPr>
+            <a:spLocks noGrp="1"/>
+          </p:cNvSpPr>
+          <p:nvPr>
+            <p:ph idx="1"/>
+          </p:nvPr>
+        </p:nvSpPr>
+        <p:spPr/>
+        <p:txBody>
+          <a:bodyPr/>
+          <a:lstStyle/>
+          <a:p>
+            <a:r>
+              <a:rPr lang="x-none" altLang="en-US" dirty="0"/>
+              <a:t>文件类型</a:t>
+            </a:r>
+          </a:p>
+          <a:p>
+            <a:pPr lvl="1"/>
+            <a:r>
+              <a:rPr lang="x-none" altLang="en-US" dirty="0"/>
+              <a:t>普通文件(regular file)</a:t>
+            </a:r>
+          </a:p>
+          <a:p>
+            <a:pPr lvl="1"/>
+            <a:r>
+              <a:rPr lang="x-none" altLang="en-US" dirty="0"/>
+              <a:t>目录文件(directory file)</a:t>
+            </a:r>
+          </a:p>
+          <a:p>
+            <a:pPr lvl="1"/>
+            <a:r>
+              <a:rPr lang="x-none" altLang="en-US" dirty="0"/>
+              <a:t>字符特殊文件(character special file）</a:t>
+            </a:r>
+          </a:p>
+          <a:p>
+            <a:pPr lvl="1"/>
+            <a:r>
+              <a:rPr lang="x-none" altLang="en-US" dirty="0"/>
+              <a:t>块特殊文件(block special file)</a:t>
+            </a:r>
+          </a:p>
+          <a:p>
+            <a:pPr lvl="1"/>
+            <a:r>
+              <a:rPr lang="x-none" altLang="en-US" dirty="0"/>
+              <a:t>FIFO</a:t>
+            </a:r>
+          </a:p>
+          <a:p>
+            <a:pPr lvl="1"/>
+            <a:r>
+              <a:rPr lang="x-none" altLang="en-US" dirty="0"/>
+              <a:t>套接口(socket )</a:t>
+            </a:r>
+          </a:p>
+          <a:p>
+            <a:pPr lvl="1"/>
+            <a:r>
+              <a:rPr lang="x-none" altLang="en-US" dirty="0"/>
+              <a:t>符号连接(symbolic link)</a:t>
+            </a:r>
+          </a:p>
+        </p:txBody>
+      </p:sp>
+    </p:spTree>
+  </p:cSld>
+  <p:clrMapOvr>
+    <a:masterClrMapping/>
+  </p:clrMapOvr>
+  <p:timing>
+    <p:tnLst>
+      <p:par>
+        <p:cTn id="1" dur="indefinite" restart="never" nodeType="tmRoot">
+          <p:childTnLst>
+            <p:seq concurrent="1" nextAc="seek">
+              <p:cTn id="2" dur="indefinite" nodeType="mainSeq">
+                <p:childTnLst>
+                  <p:par>
+                    <p:cTn id="3" fill="hold">
+                      <p:stCondLst>
+                        <p:cond delay="indefinite"/>
+                      </p:stCondLst>
+                      <p:childTnLst>
+                        <p:par>
+                          <p:cTn id="4" fill="hold">
+                            <p:stCondLst>
+                              <p:cond delay="0"/>
+                            </p:stCondLst>
+                            <p:childTnLst>
+                              <p:par>
+                                <p:cTn id="5" presetID="1" presetClass="entr" presetSubtype="0" fill="hold" nodeType="clickEffect">
+                                  <p:stCondLst>
+                                    <p:cond delay="0"/>
+                                  </p:stCondLst>
+                                  <p:childTnLst>
+                                    <p:set>
+                                      <p:cBhvr>
+                                        <p:cTn id="6" dur="1" fill="hold">
+                                          <p:stCondLst>
+                                            <p:cond delay="0"/>
+                                          </p:stCondLst>
+                                        </p:cTn>
+                                        <p:tgtEl>
+                                          <p:spTgt spid="3">
+                                            <p:txEl>
+                                              <p:pRg st="0" end="0"/>
+                                            </p:txEl>
+                                          </p:spTgt>
+                                        </p:tgtEl>
+                                        <p:attrNameLst>
+                                          <p:attrName>style.visibility</p:attrName>
+                                        </p:attrNameLst>
+                                      </p:cBhvr>
+                                      <p:to>
+                                        <p:strVal val="visible"/>
+                                      </p:to>
+                                    </p:set>
+                                  </p:childTnLst>
+                                </p:cTn>
+                              </p:par>
+                            </p:childTnLst>
+                          </p:cTn>
+                        </p:par>
+                      </p:childTnLst>
+                    </p:cTn>
+                  </p:par>
+                  <p:par>
+                    <p:cTn id="7" fill="hold">
+                      <p:stCondLst>
+                        <p:cond delay="indefinite"/>
+                      </p:stCondLst>
+                      <p:childTnLst>
+                        <p:par>
+                          <p:cTn id="8" fill="hold">
+                            <p:stCondLst>
+                              <p:cond delay="0"/>
+                            </p:stCondLst>
+                            <p:childTnLst>
+                              <p:par>
+                                <p:cTn id="9" presetID="1" presetClass="entr" presetSubtype="0" fill="hold" nodeType="clickEffect">
+                                  <p:stCondLst>
+                                    <p:cond delay="0"/>
+                                  </p:stCondLst>
+                                  <p:childTnLst>
+                                    <p:set>
+                                      <p:cBhvr>
+                                        <p:cTn id="10" dur="1" fill="hold">
+                                          <p:stCondLst>
+                                            <p:cond delay="0"/>
+                                          </p:stCondLst>
+                                        </p:cTn>
+                                        <p:tgtEl>
+                                          <p:spTgt spid="3">
+                                            <p:txEl>
+                                              <p:pRg st="1" end="1"/>
+                                            </p:txEl>
+                                          </p:spTgt>
+                                        </p:tgtEl>
+                                        <p:attrNameLst>
+                                          <p:attrName>style.visibility</p:attrName>
+                                        </p:attrNameLst>
+                                      </p:cBhvr>
+                                      <p:to>
+                                        <p:strVal val="visible"/>
+                                      </p:to>
+                                    </p:set>
+                                  </p:childTnLst>
+                                </p:cTn>
+                              </p:par>
+                            </p:childTnLst>
+                          </p:cTn>
+                        </p:par>
+                      </p:childTnLst>
+                    </p:cTn>
+                  </p:par>
+                  <p:par>
+                    <p:cTn id="11" fill="hold">
+                      <p:stCondLst>
+                        <p:cond delay="indefinite"/>
+                      </p:stCondLst>
+                      <p:childTnLst>
+                        <p:par>
+                          <p:cTn id="12" fill="hold">
+                            <p:stCondLst>
+                              <p:cond delay="0"/>
+                            </p:stCondLst>
+                            <p:childTnLst>
+                              <p:par>
+                                <p:cTn id="13" presetID="1" presetClass="entr" presetSubtype="0" fill="hold" nodeType="clickEffect">
+                                  <p:stCondLst>
+                                    <p:cond delay="0"/>
+                                  </p:stCondLst>
+                                  <p:childTnLst>
+                                    <p:set>
+                                      <p:cBhvr>
+                                        <p:cTn id="14" dur="1" fill="hold">
+                                          <p:stCondLst>
+                                            <p:cond delay="0"/>
+                                          </p:stCondLst>
+                                        </p:cTn>
+                                        <p:tgtEl>
+                                          <p:spTgt spid="3">
+                                            <p:txEl>
+                                              <p:pRg st="2" end="2"/>
+                                            </p:txEl>
+                                          </p:spTgt>
+                                        </p:tgtEl>
+                                        <p:attrNameLst>
+                                          <p:attrName>style.visibility</p:attrName>
+                                        </p:attrNameLst>
+                                      </p:cBhvr>
+                                      <p:to>
+                                        <p:strVal val="visible"/>
+                                      </p:to>
+                                    </p:set>
+                                  </p:childTnLst>
+                                </p:cTn>
+                              </p:par>
+                            </p:childTnLst>
+                          </p:cTn>
+                        </p:par>
+                      </p:childTnLst>
+                    </p:cTn>
+                  </p:par>
+                  <p:par>
+                    <p:cTn id="15" fill="hold">
+                      <p:stCondLst>
+                        <p:cond delay="indefinite"/>
+                      </p:stCondLst>
+                      <p:childTnLst>
+                        <p:par>
+                          <p:cTn id="16" fill="hold">
+                            <p:stCondLst>
+                              <p:cond delay="0"/>
+                            </p:stCondLst>
+                            <p:childTnLst>
+                              <p:par>
+                                <p:cTn id="17" presetID="1" presetClass="entr" presetSubtype="0" fill="hold" nodeType="clickEffect">
+                                  <p:stCondLst>
+                                    <p:cond delay="0"/>
+                                  </p:stCondLst>
+                                  <p:childTnLst>
+                                    <p:set>
+                                      <p:cBhvr>
+                                        <p:cTn id="18" dur="1" fill="hold">
+                                          <p:stCondLst>
+                                            <p:cond delay="0"/>
+                                          </p:stCondLst>
+                                        </p:cTn>
+                                        <p:tgtEl>
+                                          <p:spTgt spid="3">
+                                            <p:txEl>
+                                              <p:pRg st="3" end="3"/>
+                                            </p:txEl>
+                                          </p:spTgt>
+                                        </p:tgtEl>
+                                        <p:attrNameLst>
+                                          <p:attrName>style.visibility</p:attrName>
+                                        </p:attrNameLst>
+                                      </p:cBhvr>
+                                      <p:to>
+                                        <p:strVal val="visible"/>
+                                      </p:to>
+                                    </p:set>
+                                  </p:childTnLst>
+                                </p:cTn>
+                              </p:par>
+                              <p:par>
+                                <p:cTn id="19" presetID="1" presetClass="entr" presetSubtype="0" fill="hold" nodeType="withEffect">
+                                  <p:stCondLst>
+                                    <p:cond delay="0"/>
+                                  </p:stCondLst>
+                                  <p:childTnLst>
+                                    <p:set>
+                                      <p:cBhvr>
+                                        <p:cTn id="20" dur="1" fill="hold">
+                                          <p:stCondLst>
+                                            <p:cond delay="0"/>
+                                          </p:stCondLst>
+                                        </p:cTn>
+                                        <p:tgtEl>
+                                          <p:spTgt spid="3">
+                                            <p:txEl>
+                                              <p:pRg st="4" end="4"/>
+                                            </p:txEl>
+                                          </p:spTgt>
+                                        </p:tgtEl>
+                                        <p:attrNameLst>
+                                          <p:attrName>style.visibility</p:attrName>
+                                        </p:attrNameLst>
+                                      </p:cBhvr>
+                                      <p:to>
+                                        <p:strVal val="visible"/>
+                                      </p:to>
+                                    </p:set>
+                                  </p:childTnLst>
+                                </p:cTn>
+                              </p:par>
+                            </p:childTnLst>
+                          </p:cTn>
+                        </p:par>
+                      </p:childTnLst>
+                    </p:cTn>
+                  </p:par>
+                  <p:par>
+                    <p:cTn id="21" fill="hold">
+                      <p:stCondLst>
+                        <p:cond delay="indefinite"/>
+                      </p:stCondLst>
+                      <p:childTnLst>
+                        <p:par>
+                          <p:cTn id="22" fill="hold">
+                            <p:stCondLst>
+                              <p:cond delay="0"/>
+                            </p:stCondLst>
+                            <p:childTnLst>
+                              <p:par>
+                                <p:cTn id="23" presetID="1" presetClass="entr" presetSubtype="0" fill="hold" nodeType="clickEffect">
+                                  <p:stCondLst>
+                                    <p:cond delay="0"/>
+                                  </p:stCondLst>
+                                  <p:childTnLst>
+                                    <p:set>
+                                      <p:cBhvr>
+                                        <p:cTn id="24" dur="1" fill="hold">
+                                          <p:stCondLst>
+                                            <p:cond delay="0"/>
+                                          </p:stCondLst>
+                                        </p:cTn>
+                                        <p:tgtEl>
+                                          <p:spTgt spid="3">
+                                            <p:txEl>
+                                              <p:pRg st="5" end="5"/>
+                                            </p:txEl>
+                                          </p:spTgt>
+                                        </p:tgtEl>
+                                        <p:attrNameLst>
+                                          <p:attrName>style.visibility</p:attrName>
+                                        </p:attrNameLst>
+                                      </p:cBhvr>
+                                      <p:to>
+                                        <p:strVal val="visible"/>
+                                      </p:to>
+                                    </p:set>
+                                  </p:childTnLst>
+                                </p:cTn>
+                              </p:par>
+                            </p:childTnLst>
+                          </p:cTn>
+                        </p:par>
+                      </p:childTnLst>
+                    </p:cTn>
+                  </p:par>
+                  <p:par>
+                    <p:cTn id="25" fill="hold">
+                      <p:stCondLst>
+                        <p:cond delay="indefinite"/>
+                      </p:stCondLst>
+                      <p:childTnLst>
+                        <p:par>
+                          <p:cTn id="26" fill="hold">
+                            <p:stCondLst>
+                              <p:cond delay="0"/>
+                            </p:stCondLst>
+                            <p:childTnLst>
+                              <p:par>
+                                <p:cTn id="27" presetID="1" presetClass="entr" presetSubtype="0" fill="hold" nodeType="clickEffect">
+                                  <p:stCondLst>
+                                    <p:cond delay="0"/>
+                                  </p:stCondLst>
+                                  <p:childTnLst>
+                                    <p:set>
+                                      <p:cBhvr>
+                                        <p:cTn id="28" dur="1" fill="hold">
+                                          <p:stCondLst>
+                                            <p:cond delay="0"/>
+                                          </p:stCondLst>
+                                        </p:cTn>
+                                        <p:tgtEl>
+                                          <p:spTgt spid="3">
+                                            <p:txEl>
+                                              <p:pRg st="6" end="6"/>
+                                            </p:txEl>
+                                          </p:spTgt>
+                                        </p:tgtEl>
+                                        <p:attrNameLst>
+                                          <p:attrName>style.visibility</p:attrName>
+                                        </p:attrNameLst>
+                                      </p:cBhvr>
+                                      <p:to>
+                                        <p:strVal val="visible"/>
+                                      </p:to>
+                                    </p:set>
+                                  </p:childTnLst>
+                                </p:cTn>
+                              </p:par>
+                            </p:childTnLst>
+                          </p:cTn>
+                        </p:par>
+                      </p:childTnLst>
+                    </p:cTn>
+                  </p:par>
+                  <p:par>
+                    <p:cTn id="29" fill="hold">
+                      <p:stCondLst>
+                        <p:cond delay="indefinite"/>
+                      </p:stCondLst>
+                      <p:childTnLst>
+                        <p:par>
+                          <p:cTn id="30" fill="hold">
+                            <p:stCondLst>
+                              <p:cond delay="0"/>
+                            </p:stCondLst>
+                            <p:childTnLst>
+                              <p:par>
+                                <p:cTn id="31" presetID="1" presetClass="entr" presetSubtype="0" fill="hold" nodeType="clickEffect">
+                                  <p:stCondLst>
+                                    <p:cond delay="0"/>
+                                  </p:stCondLst>
+                                  <p:childTnLst>
+                                    <p:set>
+                                      <p:cBhvr>
+                                        <p:cTn id="32" dur="1" fill="hold">
+                                          <p:stCondLst>
+                                            <p:cond delay="0"/>
+                                          </p:stCondLst>
+                                        </p:cTn>
+                                        <p:tgtEl>
+                                          <p:spTgt spid="3">
+                                            <p:txEl>
+                                              <p:pRg st="7" end="7"/>
+                                            </p:txEl>
+                                          </p:spTgt>
+                                        </p:tgtEl>
+                                        <p:attrNameLst>
+                                          <p:attrName>style.visibility</p:attrName>
+                                        </p:attrNameLst>
+                                      </p:cBhvr>
+                                      <p:to>
+                                        <p:strVal val="visible"/>
+                                      </p:to>
+                                    </p:set>
+                                  </p:childTnLst>
+                                </p:cTn>
+                              </p:par>
+                            </p:childTnLst>
+                          </p:cTn>
+                        </p:par>
+                      </p:childTnLst>
+                    </p:cTn>
+                  </p:par>
+                </p:childTnLst>
+              </p:cTn>
+              <p:prevCondLst>
+                <p:cond evt="onPrev" delay="0">
+                  <p:tgtEl>
+                    <p:sldTgt/>
+                  </p:tgtEl>
+                </p:cond>
+              </p:prevCondLst>
+              <p:nextCondLst>
+                <p:cond evt="onNext" delay="0">
+                  <p:tgtEl>
+                    <p:sldTgt/>
+                  </p:tgtEl>
+                </p:cond>
+              </p:nextCondLst>
+            </p:seq>
+          </p:childTnLst>
+        </p:cTn>
+      </p:par>
+    </p:tnLst>
+  </p:timing>
+</p:sld>
+</file>
+
+<file path=ppt/slides/slide19.xml><?xml version="1.0" encoding="utf-8"?>
+<p:sld xmlns:a="http://schemas.openxmlformats.org/drawingml/2006/main" xmlns:r="http://schemas.openxmlformats.org/officeDocument/2006/relationships" xmlns:p="http://schemas.openxmlformats.org/presentationml/2006/main">
+  <p:cSld>
+    <p:spTree>
+      <p:nvGrpSpPr>
+        <p:cNvPr id="1" name=""/>
+        <p:cNvGrpSpPr/>
+        <p:nvPr/>
+      </p:nvGrpSpPr>
+      <p:grpSpPr>
+        <a:xfrm>
+          <a:off x="0" y="0"/>
+          <a:ext cx="0" cy="0"/>
+          <a:chOff x="0" y="0"/>
+          <a:chExt cx="0" cy="0"/>
+        </a:xfrm>
+      </p:grpSpPr>
+      <p:sp>
+        <p:nvSpPr>
+          <p:cNvPr id="2" name="Title 1"/>
+          <p:cNvSpPr>
+            <a:spLocks noGrp="1"/>
+          </p:cNvSpPr>
+          <p:nvPr>
+            <p:ph type="title"/>
+          </p:nvPr>
+        </p:nvSpPr>
+        <p:spPr/>
+        <p:txBody>
+          <a:bodyPr/>
+          <a:lstStyle/>
           <a:p>
             <a:endParaRPr lang="en-US"/>
           </a:p>
@@ -6406,219 +8218,78 @@
         <p:spPr/>
         <p:txBody>
           <a:bodyPr>
-            <a:normAutofit fontScale="70000"/>
+            <a:normAutofit fontScale="92500" lnSpcReduction="10000"/>
           </a:bodyPr>
-          <a:p>
-            <a:pPr marL="0" indent="0">
+          <a:lstStyle/>
+          <a:p>
+            <a:r>
+              <a:rPr lang="x-none" altLang="en-US" dirty="0"/>
+              <a:t>&lt;sys/stat.h&gt;</a:t>
+            </a:r>
+          </a:p>
+          <a:p>
+            <a:pPr lvl="1"/>
+            <a:r>
+              <a:rPr lang="x-none" altLang="en-US" dirty="0"/>
+              <a:t>S_ ISREG() 普通文件</a:t>
+            </a:r>
+          </a:p>
+          <a:p>
+            <a:pPr lvl="1"/>
+            <a:r>
+              <a:rPr lang="x-none" altLang="en-US" dirty="0"/>
+              <a:t>S_ ISDIR() 目录文件</a:t>
+            </a:r>
+          </a:p>
+          <a:p>
+            <a:pPr lvl="1"/>
+            <a:r>
+              <a:rPr lang="x-none" altLang="en-US" dirty="0"/>
+              <a:t>S_ ISCHR() 字符特殊文件</a:t>
+            </a:r>
+          </a:p>
+          <a:p>
+            <a:pPr lvl="1"/>
+            <a:r>
+              <a:rPr lang="x-none" altLang="en-US" dirty="0"/>
+              <a:t>S_ ISBLK() 块特殊文件</a:t>
+            </a:r>
+          </a:p>
+          <a:p>
+            <a:pPr lvl="1"/>
+            <a:r>
+              <a:rPr lang="x-none" altLang="en-US" dirty="0"/>
+              <a:t>S_ ISFIFO() 管道或FIFO</a:t>
+            </a:r>
+          </a:p>
+          <a:p>
+            <a:pPr lvl="1"/>
+            <a:r>
+              <a:rPr lang="x-none" altLang="en-US" dirty="0"/>
+              <a:t>S_ ISLNK() 符号连接</a:t>
+            </a:r>
+          </a:p>
+          <a:p>
+            <a:pPr lvl="1"/>
+            <a:r>
+              <a:rPr lang="x-none" altLang="en-US" dirty="0"/>
+              <a:t>S_ ISSOCK() 套接字</a:t>
+            </a:r>
+          </a:p>
+          <a:p>
+            <a:pPr marL="457200" lvl="1" indent="0">
               <a:buNone/>
             </a:pPr>
-            <a:r>
-              <a:rPr lang="en-US" baseline="-25000"/>
-              <a:t>struct stat  </a:t>
-            </a:r>
-            <a:endParaRPr lang="en-US" baseline="-25000"/>
-          </a:p>
-          <a:p>
-            <a:pPr marL="0" indent="0">
+            <a:endParaRPr lang="x-none" altLang="en-US" dirty="0"/>
+          </a:p>
+          <a:p>
+            <a:pPr marL="457200" lvl="1" indent="0">
               <a:buNone/>
             </a:pPr>
             <a:r>
-              <a:rPr lang="en-US" baseline="-25000"/>
-              <a:t>{  </a:t>
-            </a:r>
-            <a:endParaRPr lang="en-US" baseline="-25000"/>
-          </a:p>
-          <a:p>
-            <a:pPr marL="0" indent="0">
-              <a:buNone/>
-            </a:pPr>
-            <a:r>
-              <a:rPr lang="en-US" baseline="-25000"/>
-              <a:t>    dev_t       st_dev;     /* ID of device containing file -文件所在设备的ID*/  </a:t>
-            </a:r>
-            <a:endParaRPr lang="en-US" baseline="-25000"/>
-          </a:p>
-          <a:p>
-            <a:pPr marL="0" indent="0">
-              <a:buNone/>
-            </a:pPr>
-            <a:r>
-              <a:rPr lang="en-US" baseline="-25000"/>
-              <a:t>    ino_t       st_ino;     /* inode number -inode节点号*/  </a:t>
-            </a:r>
-            <a:endParaRPr lang="en-US" baseline="-25000"/>
-          </a:p>
-          <a:p>
-            <a:pPr marL="0" indent="0">
-              <a:buNone/>
-            </a:pPr>
-            <a:r>
-              <a:rPr lang="en-US" baseline="-25000"/>
-              <a:t>    </a:t>
-            </a:r>
-            <a:r>
-              <a:rPr lang="x-none" altLang="en-US" baseline="-25000"/>
-              <a:t>*</a:t>
-            </a:r>
-            <a:r>
-              <a:rPr lang="en-US" baseline="-25000"/>
-              <a:t>mode_t      st_mode;    /* </a:t>
-            </a:r>
-            <a:r>
-              <a:rPr lang="x-none" altLang="en-US" baseline="-25000"/>
-              <a:t>file type &amp; mode</a:t>
-            </a:r>
-            <a:r>
-              <a:rPr lang="en-US" baseline="-25000"/>
-              <a:t>/  </a:t>
-            </a:r>
-            <a:endParaRPr lang="en-US" baseline="-25000"/>
-          </a:p>
-          <a:p>
-            <a:pPr marL="0" indent="0">
-              <a:buNone/>
-            </a:pPr>
-            <a:r>
-              <a:rPr lang="en-US" baseline="-25000"/>
-              <a:t>    </a:t>
-            </a:r>
-            <a:r>
-              <a:rPr lang="x-none" altLang="en-US" baseline="-25000"/>
-              <a:t>*</a:t>
-            </a:r>
-            <a:r>
-              <a:rPr lang="en-US" baseline="-25000"/>
-              <a:t>nlink_t     st_nlink;   /* number of hard links -链向此文件的连接数(硬连接)*/  </a:t>
-            </a:r>
-            <a:endParaRPr lang="en-US" baseline="-25000"/>
-          </a:p>
-          <a:p>
-            <a:pPr marL="0" indent="0">
-              <a:buNone/>
-            </a:pPr>
-            <a:r>
-              <a:rPr lang="en-US" baseline="-25000"/>
-              <a:t>    </a:t>
-            </a:r>
-            <a:r>
-              <a:rPr lang="x-none" altLang="en-US" baseline="-25000"/>
-              <a:t>*</a:t>
-            </a:r>
-            <a:r>
-              <a:rPr lang="en-US" baseline="-25000"/>
-              <a:t>uid_t       st_uid;     /* user ID of owner -user id*/  </a:t>
-            </a:r>
-            <a:endParaRPr lang="en-US" baseline="-25000"/>
-          </a:p>
-          <a:p>
-            <a:pPr marL="0" indent="0">
-              <a:buNone/>
-            </a:pPr>
-            <a:r>
-              <a:rPr lang="en-US" baseline="-25000"/>
-              <a:t>    </a:t>
-            </a:r>
-            <a:r>
-              <a:rPr lang="x-none" altLang="en-US" baseline="-25000"/>
-              <a:t>*</a:t>
-            </a:r>
-            <a:r>
-              <a:rPr lang="en-US" baseline="-25000"/>
-              <a:t>gid_t       st_gid;     /* group ID of owner - group id*/  </a:t>
-            </a:r>
-            <a:endParaRPr lang="en-US" baseline="-25000"/>
-          </a:p>
-          <a:p>
-            <a:pPr marL="0" indent="0">
-              <a:buNone/>
-            </a:pPr>
-            <a:r>
-              <a:rPr lang="en-US" baseline="-25000"/>
-              <a:t>    dev_t       st_rdev;    /* device ID (if special file) -设备号，针对设备文件*/  </a:t>
-            </a:r>
-            <a:endParaRPr lang="en-US" baseline="-25000"/>
-          </a:p>
-          <a:p>
-            <a:pPr marL="0" indent="0">
-              <a:buNone/>
-            </a:pPr>
-            <a:r>
-              <a:rPr lang="en-US" baseline="-25000"/>
-              <a:t>    </a:t>
-            </a:r>
-            <a:r>
-              <a:rPr lang="x-none" altLang="en-US" baseline="-25000"/>
-              <a:t>*</a:t>
-            </a:r>
-            <a:r>
-              <a:rPr lang="en-US" baseline="-25000"/>
-              <a:t>off_t       st_size;    /* total size, in bytes -文件大小，字节为单位*/  </a:t>
-            </a:r>
-            <a:endParaRPr lang="en-US" baseline="-25000"/>
-          </a:p>
-          <a:p>
-            <a:pPr marL="0" indent="0">
-              <a:buNone/>
-            </a:pPr>
-            <a:r>
-              <a:rPr lang="en-US" baseline="-25000"/>
-              <a:t>    blksize_t   st_blksize; /* blocksize for filesystem I/O -系统块的大小*/  </a:t>
-            </a:r>
-            <a:endParaRPr lang="en-US" baseline="-25000"/>
-          </a:p>
-          <a:p>
-            <a:pPr marL="0" indent="0">
-              <a:buNone/>
-            </a:pPr>
-            <a:r>
-              <a:rPr lang="en-US" baseline="-25000"/>
-              <a:t>    blkcnt_t    st_blocks;  /* number of blocks allocated -文件所占块数*/  </a:t>
-            </a:r>
-            <a:endParaRPr lang="en-US" baseline="-25000"/>
-          </a:p>
-          <a:p>
-            <a:pPr marL="0" indent="0">
-              <a:buNone/>
-            </a:pPr>
-            <a:r>
-              <a:rPr lang="en-US" baseline="-25000"/>
-              <a:t>    time_t      st_atime;   /* time of last access -最近存取时间*/  </a:t>
-            </a:r>
-            <a:endParaRPr lang="en-US" baseline="-25000"/>
-          </a:p>
-          <a:p>
-            <a:pPr marL="0" indent="0">
-              <a:buNone/>
-            </a:pPr>
-            <a:r>
-              <a:rPr lang="en-US" baseline="-25000"/>
-              <a:t>    time_t      st_mtime;   /* time of last modification -最近修改时间*/  </a:t>
-            </a:r>
-            <a:endParaRPr lang="en-US" baseline="-25000"/>
-          </a:p>
-          <a:p>
-            <a:pPr marL="0" indent="0">
-              <a:buNone/>
-            </a:pPr>
-            <a:r>
-              <a:rPr lang="en-US" baseline="-25000"/>
-              <a:t>    time_t      st_ctime;   /* time of last status change - */  </a:t>
-            </a:r>
-            <a:r>
-              <a:rPr lang="x-none" altLang="en-US" baseline="-25000"/>
-              <a:t>owner</a:t>
-            </a:r>
-            <a:endParaRPr lang="x-none" altLang="en-US" baseline="-25000"/>
-          </a:p>
-          <a:p>
-            <a:pPr marL="0" indent="0">
-              <a:buNone/>
-            </a:pPr>
-            <a:r>
-              <a:rPr lang="en-US" baseline="-25000"/>
-              <a:t>};  </a:t>
-            </a:r>
-            <a:endParaRPr lang="en-US" baseline="-25000"/>
+              <a:rPr lang="x-none" altLang="en-US" dirty="0"/>
+              <a:t>filetype.c</a:t>
+            </a:r>
           </a:p>
         </p:txBody>
       </p:sp>
@@ -6627,252 +8298,351 @@
   <p:clrMapOvr>
     <a:masterClrMapping/>
   </p:clrMapOvr>
-</p:sld>
-</file>
-
-<file path=ppt/slides/slide18.xml><?xml version="1.0" encoding="utf-8"?>
-<p:sld xmlns:a="http://schemas.openxmlformats.org/drawingml/2006/main" xmlns:r="http://schemas.openxmlformats.org/officeDocument/2006/relationships" xmlns:p="http://schemas.openxmlformats.org/presentationml/2006/main">
-  <p:cSld>
-    <p:spTree>
-      <p:nvGrpSpPr>
-        <p:cNvPr id="1" name=""/>
-        <p:cNvGrpSpPr/>
-        <p:nvPr/>
-      </p:nvGrpSpPr>
-      <p:grpSpPr/>
-      <p:sp>
-        <p:nvSpPr>
-          <p:cNvPr id="2" name="Title 1"/>
-          <p:cNvSpPr>
-            <a:spLocks noGrp="1"/>
-          </p:cNvSpPr>
-          <p:nvPr>
-            <p:ph type="title"/>
-          </p:nvPr>
-        </p:nvSpPr>
-        <p:spPr/>
-        <p:txBody>
-          <a:bodyPr/>
-          <a:p>
-            <a:endParaRPr lang="en-US"/>
-          </a:p>
-        </p:txBody>
-      </p:sp>
-      <p:sp>
-        <p:nvSpPr>
-          <p:cNvPr id="3" name="Content Placeholder 2"/>
-          <p:cNvSpPr>
-            <a:spLocks noGrp="1"/>
-          </p:cNvSpPr>
-          <p:nvPr>
-            <p:ph idx="1"/>
-          </p:nvPr>
-        </p:nvSpPr>
-        <p:spPr/>
-        <p:txBody>
-          <a:bodyPr/>
-          <a:p>
-            <a:r>
-              <a:rPr lang="x-none" altLang="en-US"/>
-              <a:t>文件类型</a:t>
-            </a:r>
-            <a:endParaRPr lang="x-none" altLang="en-US"/>
-          </a:p>
-          <a:p>
-            <a:pPr lvl="1"/>
-            <a:r>
-              <a:rPr lang="x-none" altLang="en-US"/>
-              <a:t>普通文件(regular file)</a:t>
-            </a:r>
-            <a:endParaRPr lang="x-none" altLang="en-US"/>
-          </a:p>
-          <a:p>
-            <a:pPr lvl="1"/>
-            <a:r>
-              <a:rPr lang="x-none" altLang="en-US"/>
-              <a:t>目录文件(directory file)</a:t>
-            </a:r>
-            <a:endParaRPr lang="x-none" altLang="en-US"/>
-          </a:p>
-          <a:p>
-            <a:pPr lvl="1"/>
-            <a:r>
-              <a:rPr lang="x-none" altLang="en-US"/>
-              <a:t>字符特殊文件(character special file）</a:t>
-            </a:r>
-            <a:endParaRPr lang="x-none" altLang="en-US"/>
-          </a:p>
-          <a:p>
-            <a:pPr lvl="1"/>
-            <a:r>
-              <a:rPr lang="x-none" altLang="en-US"/>
-              <a:t>块特殊文件(block special file)</a:t>
-            </a:r>
-            <a:endParaRPr lang="x-none" altLang="en-US"/>
-          </a:p>
-          <a:p>
-            <a:pPr lvl="1"/>
-            <a:r>
-              <a:rPr lang="x-none" altLang="en-US"/>
-              <a:t>FIFO</a:t>
-            </a:r>
-            <a:endParaRPr lang="x-none" altLang="en-US"/>
-          </a:p>
-          <a:p>
-            <a:pPr lvl="1"/>
-            <a:r>
-              <a:rPr lang="x-none" altLang="en-US"/>
-              <a:t>套接口(socket )</a:t>
-            </a:r>
-            <a:endParaRPr lang="x-none" altLang="en-US"/>
-          </a:p>
-          <a:p>
-            <a:pPr lvl="1"/>
-            <a:r>
-              <a:rPr lang="x-none" altLang="en-US"/>
-              <a:t>符号连接(symbolic link)</a:t>
-            </a:r>
-            <a:endParaRPr lang="x-none" altLang="en-US"/>
-          </a:p>
-        </p:txBody>
-      </p:sp>
-    </p:spTree>
-  </p:cSld>
-  <p:clrMapOvr>
-    <a:masterClrMapping/>
-  </p:clrMapOvr>
-</p:sld>
-</file>
-
-<file path=ppt/slides/slide19.xml><?xml version="1.0" encoding="utf-8"?>
-<p:sld xmlns:a="http://schemas.openxmlformats.org/drawingml/2006/main" xmlns:r="http://schemas.openxmlformats.org/officeDocument/2006/relationships" xmlns:p="http://schemas.openxmlformats.org/presentationml/2006/main">
-  <p:cSld>
-    <p:spTree>
-      <p:nvGrpSpPr>
-        <p:cNvPr id="1" name=""/>
-        <p:cNvGrpSpPr/>
-        <p:nvPr/>
-      </p:nvGrpSpPr>
-      <p:grpSpPr/>
-      <p:sp>
-        <p:nvSpPr>
-          <p:cNvPr id="2" name="Title 1"/>
-          <p:cNvSpPr>
-            <a:spLocks noGrp="1"/>
-          </p:cNvSpPr>
-          <p:nvPr>
-            <p:ph type="title"/>
-          </p:nvPr>
-        </p:nvSpPr>
-        <p:spPr/>
-        <p:txBody>
-          <a:bodyPr/>
-          <a:p>
-            <a:endParaRPr lang="en-US"/>
-          </a:p>
-        </p:txBody>
-      </p:sp>
-      <p:sp>
-        <p:nvSpPr>
-          <p:cNvPr id="3" name="Content Placeholder 2"/>
-          <p:cNvSpPr>
-            <a:spLocks noGrp="1"/>
-          </p:cNvSpPr>
-          <p:nvPr>
-            <p:ph idx="1"/>
-          </p:nvPr>
-        </p:nvSpPr>
-        <p:spPr/>
-        <p:txBody>
-          <a:bodyPr>
-            <a:normAutofit lnSpcReduction="20000"/>
-          </a:bodyPr>
-          <a:p>
-            <a:r>
-              <a:rPr lang="x-none" altLang="en-US"/>
-              <a:t>&lt;sys/stat.h&gt;</a:t>
-            </a:r>
-            <a:endParaRPr lang="x-none" altLang="en-US"/>
-          </a:p>
-          <a:p>
-            <a:pPr lvl="1"/>
-            <a:r>
-              <a:rPr lang="x-none" altLang="en-US"/>
-              <a:t>S_ ISREG() 普通文件</a:t>
-            </a:r>
-            <a:endParaRPr lang="x-none" altLang="en-US"/>
-          </a:p>
-          <a:p>
-            <a:pPr lvl="1"/>
-            <a:r>
-              <a:rPr lang="x-none" altLang="en-US"/>
-              <a:t>S_ ISDIR() 目录文件</a:t>
-            </a:r>
-            <a:endParaRPr lang="x-none" altLang="en-US"/>
-          </a:p>
-          <a:p>
-            <a:pPr lvl="1"/>
-            <a:r>
-              <a:rPr lang="x-none" altLang="en-US"/>
-              <a:t>S_ ISCHR() 字符特殊文件</a:t>
-            </a:r>
-            <a:endParaRPr lang="x-none" altLang="en-US"/>
-          </a:p>
-          <a:p>
-            <a:pPr lvl="1"/>
-            <a:r>
-              <a:rPr lang="x-none" altLang="en-US"/>
-              <a:t>S_ ISBLK() 块特殊文件</a:t>
-            </a:r>
-            <a:endParaRPr lang="x-none" altLang="en-US"/>
-          </a:p>
-          <a:p>
-            <a:pPr lvl="1"/>
-            <a:r>
-              <a:rPr lang="x-none" altLang="en-US"/>
-              <a:t>S_ ISFIFO() 管道或FIFO</a:t>
-            </a:r>
-            <a:endParaRPr lang="x-none" altLang="en-US"/>
-          </a:p>
-          <a:p>
-            <a:pPr lvl="1"/>
-            <a:r>
-              <a:rPr lang="x-none" altLang="en-US"/>
-              <a:t>S_ ISLNK() 符号连接</a:t>
-            </a:r>
-            <a:endParaRPr lang="x-none" altLang="en-US"/>
-          </a:p>
-          <a:p>
-            <a:pPr lvl="1"/>
-            <a:r>
-              <a:rPr lang="x-none" altLang="en-US"/>
-              <a:t>S_ ISSOCK() 套接字</a:t>
-            </a:r>
-            <a:endParaRPr lang="x-none" altLang="en-US"/>
-          </a:p>
-          <a:p>
-            <a:pPr marL="457200" lvl="1" indent="0">
-              <a:buNone/>
-            </a:pPr>
-            <a:endParaRPr lang="x-none" altLang="en-US"/>
-          </a:p>
-          <a:p>
-            <a:pPr marL="457200" lvl="1" indent="0">
-              <a:buNone/>
-            </a:pPr>
-            <a:r>
-              <a:rPr lang="x-none" altLang="en-US"/>
-              <a:t>filetype.c</a:t>
-            </a:r>
-            <a:endParaRPr lang="x-none" altLang="en-US"/>
-          </a:p>
-        </p:txBody>
-      </p:sp>
-    </p:spTree>
-  </p:cSld>
-  <p:clrMapOvr>
-    <a:masterClrMapping/>
-  </p:clrMapOvr>
+  <p:timing>
+    <p:tnLst>
+      <p:par>
+        <p:cTn id="1" dur="indefinite" restart="never" nodeType="tmRoot">
+          <p:childTnLst>
+            <p:seq concurrent="1" nextAc="seek">
+              <p:cTn id="2" dur="indefinite" nodeType="mainSeq">
+                <p:childTnLst>
+                  <p:par>
+                    <p:cTn id="3" fill="hold">
+                      <p:stCondLst>
+                        <p:cond delay="indefinite"/>
+                      </p:stCondLst>
+                      <p:childTnLst>
+                        <p:par>
+                          <p:cTn id="4" fill="hold">
+                            <p:stCondLst>
+                              <p:cond delay="0"/>
+                            </p:stCondLst>
+                            <p:childTnLst>
+                              <p:par>
+                                <p:cTn id="5" presetID="1" presetClass="entr" presetSubtype="0" fill="hold" nodeType="clickEffect">
+                                  <p:stCondLst>
+                                    <p:cond delay="0"/>
+                                  </p:stCondLst>
+                                  <p:childTnLst>
+                                    <p:set>
+                                      <p:cBhvr>
+                                        <p:cTn id="6" dur="1" fill="hold">
+                                          <p:stCondLst>
+                                            <p:cond delay="0"/>
+                                          </p:stCondLst>
+                                        </p:cTn>
+                                        <p:tgtEl>
+                                          <p:spTgt spid="3">
+                                            <p:txEl>
+                                              <p:pRg st="0" end="0"/>
+                                            </p:txEl>
+                                          </p:spTgt>
+                                        </p:tgtEl>
+                                        <p:attrNameLst>
+                                          <p:attrName>style.visibility</p:attrName>
+                                        </p:attrNameLst>
+                                      </p:cBhvr>
+                                      <p:to>
+                                        <p:strVal val="visible"/>
+                                      </p:to>
+                                    </p:set>
+                                  </p:childTnLst>
+                                </p:cTn>
+                              </p:par>
+                              <p:par>
+                                <p:cTn id="7" presetID="1" presetClass="entr" presetSubtype="0" fill="hold" nodeType="withEffect">
+                                  <p:stCondLst>
+                                    <p:cond delay="0"/>
+                                  </p:stCondLst>
+                                  <p:childTnLst>
+                                    <p:set>
+                                      <p:cBhvr>
+                                        <p:cTn id="8" dur="1" fill="hold">
+                                          <p:stCondLst>
+                                            <p:cond delay="0"/>
+                                          </p:stCondLst>
+                                        </p:cTn>
+                                        <p:tgtEl>
+                                          <p:spTgt spid="3">
+                                            <p:txEl>
+                                              <p:pRg st="1" end="1"/>
+                                            </p:txEl>
+                                          </p:spTgt>
+                                        </p:tgtEl>
+                                        <p:attrNameLst>
+                                          <p:attrName>style.visibility</p:attrName>
+                                        </p:attrNameLst>
+                                      </p:cBhvr>
+                                      <p:to>
+                                        <p:strVal val="visible"/>
+                                      </p:to>
+                                    </p:set>
+                                  </p:childTnLst>
+                                </p:cTn>
+                              </p:par>
+                              <p:par>
+                                <p:cTn id="9" presetID="1" presetClass="entr" presetSubtype="0" fill="hold" nodeType="withEffect">
+                                  <p:stCondLst>
+                                    <p:cond delay="0"/>
+                                  </p:stCondLst>
+                                  <p:childTnLst>
+                                    <p:set>
+                                      <p:cBhvr>
+                                        <p:cTn id="10" dur="1" fill="hold">
+                                          <p:stCondLst>
+                                            <p:cond delay="0"/>
+                                          </p:stCondLst>
+                                        </p:cTn>
+                                        <p:tgtEl>
+                                          <p:spTgt spid="3">
+                                            <p:txEl>
+                                              <p:pRg st="2" end="2"/>
+                                            </p:txEl>
+                                          </p:spTgt>
+                                        </p:tgtEl>
+                                        <p:attrNameLst>
+                                          <p:attrName>style.visibility</p:attrName>
+                                        </p:attrNameLst>
+                                      </p:cBhvr>
+                                      <p:to>
+                                        <p:strVal val="visible"/>
+                                      </p:to>
+                                    </p:set>
+                                  </p:childTnLst>
+                                </p:cTn>
+                              </p:par>
+                              <p:par>
+                                <p:cTn id="11" presetID="1" presetClass="entr" presetSubtype="0" fill="hold" nodeType="withEffect">
+                                  <p:stCondLst>
+                                    <p:cond delay="0"/>
+                                  </p:stCondLst>
+                                  <p:childTnLst>
+                                    <p:set>
+                                      <p:cBhvr>
+                                        <p:cTn id="12" dur="1" fill="hold">
+                                          <p:stCondLst>
+                                            <p:cond delay="0"/>
+                                          </p:stCondLst>
+                                        </p:cTn>
+                                        <p:tgtEl>
+                                          <p:spTgt spid="3">
+                                            <p:txEl>
+                                              <p:pRg st="3" end="3"/>
+                                            </p:txEl>
+                                          </p:spTgt>
+                                        </p:tgtEl>
+                                        <p:attrNameLst>
+                                          <p:attrName>style.visibility</p:attrName>
+                                        </p:attrNameLst>
+                                      </p:cBhvr>
+                                      <p:to>
+                                        <p:strVal val="visible"/>
+                                      </p:to>
+                                    </p:set>
+                                  </p:childTnLst>
+                                </p:cTn>
+                              </p:par>
+                              <p:par>
+                                <p:cTn id="13" presetID="1" presetClass="entr" presetSubtype="0" fill="hold" nodeType="withEffect">
+                                  <p:stCondLst>
+                                    <p:cond delay="0"/>
+                                  </p:stCondLst>
+                                  <p:childTnLst>
+                                    <p:set>
+                                      <p:cBhvr>
+                                        <p:cTn id="14" dur="1" fill="hold">
+                                          <p:stCondLst>
+                                            <p:cond delay="0"/>
+                                          </p:stCondLst>
+                                        </p:cTn>
+                                        <p:tgtEl>
+                                          <p:spTgt spid="3">
+                                            <p:txEl>
+                                              <p:pRg st="4" end="4"/>
+                                            </p:txEl>
+                                          </p:spTgt>
+                                        </p:tgtEl>
+                                        <p:attrNameLst>
+                                          <p:attrName>style.visibility</p:attrName>
+                                        </p:attrNameLst>
+                                      </p:cBhvr>
+                                      <p:to>
+                                        <p:strVal val="visible"/>
+                                      </p:to>
+                                    </p:set>
+                                  </p:childTnLst>
+                                </p:cTn>
+                              </p:par>
+                              <p:par>
+                                <p:cTn id="15" presetID="1" presetClass="entr" presetSubtype="0" fill="hold" nodeType="withEffect">
+                                  <p:stCondLst>
+                                    <p:cond delay="0"/>
+                                  </p:stCondLst>
+                                  <p:childTnLst>
+                                    <p:set>
+                                      <p:cBhvr>
+                                        <p:cTn id="16" dur="1" fill="hold">
+                                          <p:stCondLst>
+                                            <p:cond delay="0"/>
+                                          </p:stCondLst>
+                                        </p:cTn>
+                                        <p:tgtEl>
+                                          <p:spTgt spid="3">
+                                            <p:txEl>
+                                              <p:pRg st="5" end="5"/>
+                                            </p:txEl>
+                                          </p:spTgt>
+                                        </p:tgtEl>
+                                        <p:attrNameLst>
+                                          <p:attrName>style.visibility</p:attrName>
+                                        </p:attrNameLst>
+                                      </p:cBhvr>
+                                      <p:to>
+                                        <p:strVal val="visible"/>
+                                      </p:to>
+                                    </p:set>
+                                  </p:childTnLst>
+                                </p:cTn>
+                              </p:par>
+                              <p:par>
+                                <p:cTn id="17" presetID="1" presetClass="entr" presetSubtype="0" fill="hold" nodeType="withEffect">
+                                  <p:stCondLst>
+                                    <p:cond delay="0"/>
+                                  </p:stCondLst>
+                                  <p:childTnLst>
+                                    <p:set>
+                                      <p:cBhvr>
+                                        <p:cTn id="18" dur="1" fill="hold">
+                                          <p:stCondLst>
+                                            <p:cond delay="0"/>
+                                          </p:stCondLst>
+                                        </p:cTn>
+                                        <p:tgtEl>
+                                          <p:spTgt spid="3">
+                                            <p:txEl>
+                                              <p:pRg st="6" end="6"/>
+                                            </p:txEl>
+                                          </p:spTgt>
+                                        </p:tgtEl>
+                                        <p:attrNameLst>
+                                          <p:attrName>style.visibility</p:attrName>
+                                        </p:attrNameLst>
+                                      </p:cBhvr>
+                                      <p:to>
+                                        <p:strVal val="visible"/>
+                                      </p:to>
+                                    </p:set>
+                                  </p:childTnLst>
+                                </p:cTn>
+                              </p:par>
+                              <p:par>
+                                <p:cTn id="19" presetID="1" presetClass="entr" presetSubtype="0" fill="hold" nodeType="withEffect">
+                                  <p:stCondLst>
+                                    <p:cond delay="0"/>
+                                  </p:stCondLst>
+                                  <p:childTnLst>
+                                    <p:set>
+                                      <p:cBhvr>
+                                        <p:cTn id="20" dur="1" fill="hold">
+                                          <p:stCondLst>
+                                            <p:cond delay="0"/>
+                                          </p:stCondLst>
+                                        </p:cTn>
+                                        <p:tgtEl>
+                                          <p:spTgt spid="3">
+                                            <p:txEl>
+                                              <p:pRg st="7" end="7"/>
+                                            </p:txEl>
+                                          </p:spTgt>
+                                        </p:tgtEl>
+                                        <p:attrNameLst>
+                                          <p:attrName>style.visibility</p:attrName>
+                                        </p:attrNameLst>
+                                      </p:cBhvr>
+                                      <p:to>
+                                        <p:strVal val="visible"/>
+                                      </p:to>
+                                    </p:set>
+                                  </p:childTnLst>
+                                </p:cTn>
+                              </p:par>
+                            </p:childTnLst>
+                          </p:cTn>
+                        </p:par>
+                      </p:childTnLst>
+                    </p:cTn>
+                  </p:par>
+                  <p:par>
+                    <p:cTn id="21" fill="hold">
+                      <p:stCondLst>
+                        <p:cond delay="indefinite"/>
+                      </p:stCondLst>
+                      <p:childTnLst>
+                        <p:par>
+                          <p:cTn id="22" fill="hold">
+                            <p:stCondLst>
+                              <p:cond delay="0"/>
+                            </p:stCondLst>
+                            <p:childTnLst>
+                              <p:par>
+                                <p:cTn id="23" presetID="1" presetClass="entr" presetSubtype="0" fill="hold" nodeType="clickEffect">
+                                  <p:stCondLst>
+                                    <p:cond delay="0"/>
+                                  </p:stCondLst>
+                                  <p:childTnLst>
+                                    <p:set>
+                                      <p:cBhvr>
+                                        <p:cTn id="24" dur="1" fill="hold">
+                                          <p:stCondLst>
+                                            <p:cond delay="0"/>
+                                          </p:stCondLst>
+                                        </p:cTn>
+                                        <p:tgtEl>
+                                          <p:spTgt spid="3">
+                                            <p:txEl>
+                                              <p:pRg st="9" end="9"/>
+                                            </p:txEl>
+                                          </p:spTgt>
+                                        </p:tgtEl>
+                                        <p:attrNameLst>
+                                          <p:attrName>style.visibility</p:attrName>
+                                        </p:attrNameLst>
+                                      </p:cBhvr>
+                                      <p:to>
+                                        <p:strVal val="visible"/>
+                                      </p:to>
+                                    </p:set>
+                                  </p:childTnLst>
+                                </p:cTn>
+                              </p:par>
+                            </p:childTnLst>
+                          </p:cTn>
+                        </p:par>
+                      </p:childTnLst>
+                    </p:cTn>
+                  </p:par>
+                </p:childTnLst>
+              </p:cTn>
+              <p:prevCondLst>
+                <p:cond evt="onPrev" delay="0">
+                  <p:tgtEl>
+                    <p:sldTgt/>
+                  </p:tgtEl>
+                </p:cond>
+              </p:prevCondLst>
+              <p:nextCondLst>
+                <p:cond evt="onNext" delay="0">
+                  <p:tgtEl>
+                    <p:sldTgt/>
+                  </p:tgtEl>
+                </p:cond>
+              </p:nextCondLst>
+            </p:seq>
+          </p:childTnLst>
+        </p:cTn>
+      </p:par>
+    </p:tnLst>
+  </p:timing>
 </p:sld>
 </file>
 
@@ -6945,7 +8715,6 @@
               <a:rPr lang="en-US" dirty="0" smtClean="0"/>
               <a:t> </a:t>
             </a:r>
-            <a:endParaRPr lang="en-US" dirty="0" smtClean="0"/>
           </a:p>
           <a:p>
             <a:r>
@@ -6988,7 +8757,6 @@
               <a:rPr lang="en-US" dirty="0" smtClean="0"/>
               <a:t>[])</a:t>
             </a:r>
-            <a:endParaRPr lang="en-US" dirty="0" smtClean="0"/>
           </a:p>
           <a:p>
             <a:endParaRPr lang="en-US" dirty="0"/>
@@ -7006,7 +8774,6 @@
               <a:rPr lang="en-US" dirty="0" smtClean="0"/>
               <a:t> hello world </a:t>
             </a:r>
-            <a:endParaRPr lang="en-US" dirty="0" smtClean="0"/>
           </a:p>
           <a:p>
             <a:r>
@@ -7017,7 +8784,6 @@
               <a:rPr lang="en-US" dirty="0" smtClean="0"/>
               <a:t> = </a:t>
             </a:r>
-            <a:endParaRPr lang="en-US" dirty="0" smtClean="0"/>
           </a:p>
           <a:p>
             <a:r>
@@ -7028,7 +8794,6 @@
               <a:rPr lang="en-US" dirty="0" smtClean="0"/>
               <a:t> =</a:t>
             </a:r>
-            <a:endParaRPr lang="en-US" dirty="0" smtClean="0"/>
           </a:p>
           <a:p>
             <a:endParaRPr lang="en-US" dirty="0" smtClean="0"/>
@@ -7393,7 +9158,14 @@
         <p:cNvGrpSpPr/>
         <p:nvPr/>
       </p:nvGrpSpPr>
-      <p:grpSpPr/>
+      <p:grpSpPr>
+        <a:xfrm>
+          <a:off x="0" y="0"/>
+          <a:ext cx="0" cy="0"/>
+          <a:chOff x="0" y="0"/>
+          <a:chExt cx="0" cy="0"/>
+        </a:xfrm>
+      </p:grpSpPr>
       <p:sp>
         <p:nvSpPr>
           <p:cNvPr id="2" name="Title 1"/>
@@ -7407,6 +9179,621 @@
         <p:spPr/>
         <p:txBody>
           <a:bodyPr/>
+          <a:lstStyle/>
+          <a:p>
+            <a:endParaRPr lang="en-US"/>
+          </a:p>
+        </p:txBody>
+      </p:sp>
+      <p:sp>
+        <p:nvSpPr>
+          <p:cNvPr id="3" name="Content Placeholder 2"/>
+          <p:cNvSpPr>
+            <a:spLocks noGrp="1"/>
+          </p:cNvSpPr>
+          <p:nvPr>
+            <p:ph idx="1"/>
+          </p:nvPr>
+        </p:nvSpPr>
+        <p:spPr>
+          <a:xfrm>
+            <a:off x="457200" y="381000"/>
+            <a:ext cx="8229600" cy="5745163"/>
+          </a:xfrm>
+        </p:spPr>
+        <p:txBody>
+          <a:bodyPr>
+            <a:normAutofit/>
+          </a:bodyPr>
+          <a:lstStyle/>
+          <a:p>
+            <a:r>
+              <a:rPr lang="x-none" altLang="en-US" sz="2400" dirty="0"/>
+              <a:t>文件存取许可权</a:t>
+            </a:r>
+          </a:p>
+          <a:p>
+            <a:pPr lvl="1"/>
+            <a:r>
+              <a:rPr lang="x-none" altLang="en-US" sz="2000" dirty="0"/>
+              <a:t>S_IRUSR 用户-读</a:t>
+            </a:r>
+          </a:p>
+          <a:p>
+            <a:pPr lvl="1"/>
+            <a:r>
+              <a:rPr lang="x-none" altLang="en-US" sz="2000" dirty="0"/>
+              <a:t>S_IWUSR 用户-写</a:t>
+            </a:r>
+          </a:p>
+          <a:p>
+            <a:pPr lvl="1"/>
+            <a:r>
+              <a:rPr lang="x-none" altLang="en-US" sz="2000" dirty="0"/>
+              <a:t>S_IXUSR 用户-执行</a:t>
+            </a:r>
+          </a:p>
+          <a:p>
+            <a:pPr lvl="1"/>
+            <a:r>
+              <a:rPr lang="x-none" altLang="en-US" sz="2000" dirty="0"/>
+              <a:t>S_IRGRP 组-读</a:t>
+            </a:r>
+          </a:p>
+          <a:p>
+            <a:pPr lvl="1"/>
+            <a:r>
+              <a:rPr lang="x-none" altLang="en-US" sz="2000" dirty="0"/>
+              <a:t>S_IWGRP 组-写</a:t>
+            </a:r>
+          </a:p>
+          <a:p>
+            <a:pPr lvl="1"/>
+            <a:r>
+              <a:rPr lang="x-none" altLang="en-US" sz="2000" dirty="0"/>
+              <a:t>S_IXGRP 组-执行</a:t>
+            </a:r>
+          </a:p>
+          <a:p>
+            <a:pPr lvl="1"/>
+            <a:r>
+              <a:rPr lang="x-none" altLang="en-US" sz="2000" dirty="0"/>
+              <a:t>S_IROTH 其他-读</a:t>
+            </a:r>
+          </a:p>
+          <a:p>
+            <a:pPr lvl="1"/>
+            <a:r>
+              <a:rPr lang="x-none" altLang="en-US" sz="2000" dirty="0"/>
+              <a:t>S_IWOTH 其他-写</a:t>
+            </a:r>
+          </a:p>
+          <a:p>
+            <a:pPr lvl="1"/>
+            <a:r>
+              <a:rPr lang="x-none" altLang="en-US" sz="2000" dirty="0"/>
+              <a:t>S_IXOTH 其他-执行</a:t>
+            </a:r>
+          </a:p>
+          <a:p>
+            <a:pPr lvl="1"/>
+            <a:endParaRPr lang="x-none" altLang="en-US" sz="2000" dirty="0"/>
+          </a:p>
+          <a:p>
+            <a:pPr marL="457200" lvl="1" indent="0">
+              <a:buNone/>
+            </a:pPr>
+            <a:r>
+              <a:rPr lang="x-none" altLang="en-US" sz="2000" dirty="0"/>
+              <a:t>S_IRUSR &amp; file.st_mode </a:t>
+            </a:r>
+          </a:p>
+          <a:p>
+            <a:pPr marL="457200" lvl="1" indent="0">
+              <a:buNone/>
+            </a:pPr>
+            <a:r>
+              <a:rPr lang="x-none" sz="2200" dirty="0"/>
+              <a:t>file_mode.c</a:t>
+            </a:r>
+          </a:p>
+        </p:txBody>
+      </p:sp>
+    </p:spTree>
+  </p:cSld>
+  <p:clrMapOvr>
+    <a:masterClrMapping/>
+  </p:clrMapOvr>
+  <p:timing>
+    <p:tnLst>
+      <p:par>
+        <p:cTn id="1" dur="indefinite" restart="never" nodeType="tmRoot">
+          <p:childTnLst>
+            <p:seq concurrent="1" nextAc="seek">
+              <p:cTn id="2" dur="indefinite" nodeType="mainSeq">
+                <p:childTnLst>
+                  <p:par>
+                    <p:cTn id="3" fill="hold">
+                      <p:stCondLst>
+                        <p:cond delay="indefinite"/>
+                      </p:stCondLst>
+                      <p:childTnLst>
+                        <p:par>
+                          <p:cTn id="4" fill="hold">
+                            <p:stCondLst>
+                              <p:cond delay="0"/>
+                            </p:stCondLst>
+                            <p:childTnLst>
+                              <p:par>
+                                <p:cTn id="5" presetID="1" presetClass="entr" presetSubtype="0" fill="hold" nodeType="clickEffect">
+                                  <p:stCondLst>
+                                    <p:cond delay="0"/>
+                                  </p:stCondLst>
+                                  <p:childTnLst>
+                                    <p:set>
+                                      <p:cBhvr>
+                                        <p:cTn id="6" dur="1" fill="hold">
+                                          <p:stCondLst>
+                                            <p:cond delay="0"/>
+                                          </p:stCondLst>
+                                        </p:cTn>
+                                        <p:tgtEl>
+                                          <p:spTgt spid="3">
+                                            <p:txEl>
+                                              <p:pRg st="0" end="0"/>
+                                            </p:txEl>
+                                          </p:spTgt>
+                                        </p:tgtEl>
+                                        <p:attrNameLst>
+                                          <p:attrName>style.visibility</p:attrName>
+                                        </p:attrNameLst>
+                                      </p:cBhvr>
+                                      <p:to>
+                                        <p:strVal val="visible"/>
+                                      </p:to>
+                                    </p:set>
+                                  </p:childTnLst>
+                                </p:cTn>
+                              </p:par>
+                              <p:par>
+                                <p:cTn id="7" presetID="1" presetClass="entr" presetSubtype="0" fill="hold" nodeType="withEffect">
+                                  <p:stCondLst>
+                                    <p:cond delay="0"/>
+                                  </p:stCondLst>
+                                  <p:childTnLst>
+                                    <p:set>
+                                      <p:cBhvr>
+                                        <p:cTn id="8" dur="1" fill="hold">
+                                          <p:stCondLst>
+                                            <p:cond delay="0"/>
+                                          </p:stCondLst>
+                                        </p:cTn>
+                                        <p:tgtEl>
+                                          <p:spTgt spid="3">
+                                            <p:txEl>
+                                              <p:pRg st="1" end="1"/>
+                                            </p:txEl>
+                                          </p:spTgt>
+                                        </p:tgtEl>
+                                        <p:attrNameLst>
+                                          <p:attrName>style.visibility</p:attrName>
+                                        </p:attrNameLst>
+                                      </p:cBhvr>
+                                      <p:to>
+                                        <p:strVal val="visible"/>
+                                      </p:to>
+                                    </p:set>
+                                  </p:childTnLst>
+                                </p:cTn>
+                              </p:par>
+                              <p:par>
+                                <p:cTn id="9" presetID="1" presetClass="entr" presetSubtype="0" fill="hold" nodeType="withEffect">
+                                  <p:stCondLst>
+                                    <p:cond delay="0"/>
+                                  </p:stCondLst>
+                                  <p:childTnLst>
+                                    <p:set>
+                                      <p:cBhvr>
+                                        <p:cTn id="10" dur="1" fill="hold">
+                                          <p:stCondLst>
+                                            <p:cond delay="0"/>
+                                          </p:stCondLst>
+                                        </p:cTn>
+                                        <p:tgtEl>
+                                          <p:spTgt spid="3">
+                                            <p:txEl>
+                                              <p:pRg st="2" end="2"/>
+                                            </p:txEl>
+                                          </p:spTgt>
+                                        </p:tgtEl>
+                                        <p:attrNameLst>
+                                          <p:attrName>style.visibility</p:attrName>
+                                        </p:attrNameLst>
+                                      </p:cBhvr>
+                                      <p:to>
+                                        <p:strVal val="visible"/>
+                                      </p:to>
+                                    </p:set>
+                                  </p:childTnLst>
+                                </p:cTn>
+                              </p:par>
+                              <p:par>
+                                <p:cTn id="11" presetID="1" presetClass="entr" presetSubtype="0" fill="hold" nodeType="withEffect">
+                                  <p:stCondLst>
+                                    <p:cond delay="0"/>
+                                  </p:stCondLst>
+                                  <p:childTnLst>
+                                    <p:set>
+                                      <p:cBhvr>
+                                        <p:cTn id="12" dur="1" fill="hold">
+                                          <p:stCondLst>
+                                            <p:cond delay="0"/>
+                                          </p:stCondLst>
+                                        </p:cTn>
+                                        <p:tgtEl>
+                                          <p:spTgt spid="3">
+                                            <p:txEl>
+                                              <p:pRg st="3" end="3"/>
+                                            </p:txEl>
+                                          </p:spTgt>
+                                        </p:tgtEl>
+                                        <p:attrNameLst>
+                                          <p:attrName>style.visibility</p:attrName>
+                                        </p:attrNameLst>
+                                      </p:cBhvr>
+                                      <p:to>
+                                        <p:strVal val="visible"/>
+                                      </p:to>
+                                    </p:set>
+                                  </p:childTnLst>
+                                </p:cTn>
+                              </p:par>
+                              <p:par>
+                                <p:cTn id="13" presetID="1" presetClass="entr" presetSubtype="0" fill="hold" nodeType="withEffect">
+                                  <p:stCondLst>
+                                    <p:cond delay="0"/>
+                                  </p:stCondLst>
+                                  <p:childTnLst>
+                                    <p:set>
+                                      <p:cBhvr>
+                                        <p:cTn id="14" dur="1" fill="hold">
+                                          <p:stCondLst>
+                                            <p:cond delay="0"/>
+                                          </p:stCondLst>
+                                        </p:cTn>
+                                        <p:tgtEl>
+                                          <p:spTgt spid="3">
+                                            <p:txEl>
+                                              <p:pRg st="4" end="4"/>
+                                            </p:txEl>
+                                          </p:spTgt>
+                                        </p:tgtEl>
+                                        <p:attrNameLst>
+                                          <p:attrName>style.visibility</p:attrName>
+                                        </p:attrNameLst>
+                                      </p:cBhvr>
+                                      <p:to>
+                                        <p:strVal val="visible"/>
+                                      </p:to>
+                                    </p:set>
+                                  </p:childTnLst>
+                                </p:cTn>
+                              </p:par>
+                              <p:par>
+                                <p:cTn id="15" presetID="1" presetClass="entr" presetSubtype="0" fill="hold" nodeType="withEffect">
+                                  <p:stCondLst>
+                                    <p:cond delay="0"/>
+                                  </p:stCondLst>
+                                  <p:childTnLst>
+                                    <p:set>
+                                      <p:cBhvr>
+                                        <p:cTn id="16" dur="1" fill="hold">
+                                          <p:stCondLst>
+                                            <p:cond delay="0"/>
+                                          </p:stCondLst>
+                                        </p:cTn>
+                                        <p:tgtEl>
+                                          <p:spTgt spid="3">
+                                            <p:txEl>
+                                              <p:pRg st="5" end="5"/>
+                                            </p:txEl>
+                                          </p:spTgt>
+                                        </p:tgtEl>
+                                        <p:attrNameLst>
+                                          <p:attrName>style.visibility</p:attrName>
+                                        </p:attrNameLst>
+                                      </p:cBhvr>
+                                      <p:to>
+                                        <p:strVal val="visible"/>
+                                      </p:to>
+                                    </p:set>
+                                  </p:childTnLst>
+                                </p:cTn>
+                              </p:par>
+                              <p:par>
+                                <p:cTn id="17" presetID="1" presetClass="entr" presetSubtype="0" fill="hold" nodeType="withEffect">
+                                  <p:stCondLst>
+                                    <p:cond delay="0"/>
+                                  </p:stCondLst>
+                                  <p:childTnLst>
+                                    <p:set>
+                                      <p:cBhvr>
+                                        <p:cTn id="18" dur="1" fill="hold">
+                                          <p:stCondLst>
+                                            <p:cond delay="0"/>
+                                          </p:stCondLst>
+                                        </p:cTn>
+                                        <p:tgtEl>
+                                          <p:spTgt spid="3">
+                                            <p:txEl>
+                                              <p:pRg st="6" end="6"/>
+                                            </p:txEl>
+                                          </p:spTgt>
+                                        </p:tgtEl>
+                                        <p:attrNameLst>
+                                          <p:attrName>style.visibility</p:attrName>
+                                        </p:attrNameLst>
+                                      </p:cBhvr>
+                                      <p:to>
+                                        <p:strVal val="visible"/>
+                                      </p:to>
+                                    </p:set>
+                                  </p:childTnLst>
+                                </p:cTn>
+                              </p:par>
+                              <p:par>
+                                <p:cTn id="19" presetID="1" presetClass="entr" presetSubtype="0" fill="hold" nodeType="withEffect">
+                                  <p:stCondLst>
+                                    <p:cond delay="0"/>
+                                  </p:stCondLst>
+                                  <p:childTnLst>
+                                    <p:set>
+                                      <p:cBhvr>
+                                        <p:cTn id="20" dur="1" fill="hold">
+                                          <p:stCondLst>
+                                            <p:cond delay="0"/>
+                                          </p:stCondLst>
+                                        </p:cTn>
+                                        <p:tgtEl>
+                                          <p:spTgt spid="3">
+                                            <p:txEl>
+                                              <p:pRg st="7" end="7"/>
+                                            </p:txEl>
+                                          </p:spTgt>
+                                        </p:tgtEl>
+                                        <p:attrNameLst>
+                                          <p:attrName>style.visibility</p:attrName>
+                                        </p:attrNameLst>
+                                      </p:cBhvr>
+                                      <p:to>
+                                        <p:strVal val="visible"/>
+                                      </p:to>
+                                    </p:set>
+                                  </p:childTnLst>
+                                </p:cTn>
+                              </p:par>
+                              <p:par>
+                                <p:cTn id="21" presetID="1" presetClass="entr" presetSubtype="0" fill="hold" nodeType="withEffect">
+                                  <p:stCondLst>
+                                    <p:cond delay="0"/>
+                                  </p:stCondLst>
+                                  <p:childTnLst>
+                                    <p:set>
+                                      <p:cBhvr>
+                                        <p:cTn id="22" dur="1" fill="hold">
+                                          <p:stCondLst>
+                                            <p:cond delay="0"/>
+                                          </p:stCondLst>
+                                        </p:cTn>
+                                        <p:tgtEl>
+                                          <p:spTgt spid="3">
+                                            <p:txEl>
+                                              <p:pRg st="8" end="8"/>
+                                            </p:txEl>
+                                          </p:spTgt>
+                                        </p:tgtEl>
+                                        <p:attrNameLst>
+                                          <p:attrName>style.visibility</p:attrName>
+                                        </p:attrNameLst>
+                                      </p:cBhvr>
+                                      <p:to>
+                                        <p:strVal val="visible"/>
+                                      </p:to>
+                                    </p:set>
+                                  </p:childTnLst>
+                                </p:cTn>
+                              </p:par>
+                              <p:par>
+                                <p:cTn id="23" presetID="1" presetClass="entr" presetSubtype="0" fill="hold" nodeType="withEffect">
+                                  <p:stCondLst>
+                                    <p:cond delay="0"/>
+                                  </p:stCondLst>
+                                  <p:childTnLst>
+                                    <p:set>
+                                      <p:cBhvr>
+                                        <p:cTn id="24" dur="1" fill="hold">
+                                          <p:stCondLst>
+                                            <p:cond delay="0"/>
+                                          </p:stCondLst>
+                                        </p:cTn>
+                                        <p:tgtEl>
+                                          <p:spTgt spid="3">
+                                            <p:txEl>
+                                              <p:pRg st="9" end="9"/>
+                                            </p:txEl>
+                                          </p:spTgt>
+                                        </p:tgtEl>
+                                        <p:attrNameLst>
+                                          <p:attrName>style.visibility</p:attrName>
+                                        </p:attrNameLst>
+                                      </p:cBhvr>
+                                      <p:to>
+                                        <p:strVal val="visible"/>
+                                      </p:to>
+                                    </p:set>
+                                  </p:childTnLst>
+                                </p:cTn>
+                              </p:par>
+                            </p:childTnLst>
+                          </p:cTn>
+                        </p:par>
+                      </p:childTnLst>
+                    </p:cTn>
+                  </p:par>
+                  <p:par>
+                    <p:cTn id="25" fill="hold">
+                      <p:stCondLst>
+                        <p:cond delay="indefinite"/>
+                      </p:stCondLst>
+                      <p:childTnLst>
+                        <p:par>
+                          <p:cTn id="26" fill="hold">
+                            <p:stCondLst>
+                              <p:cond delay="0"/>
+                            </p:stCondLst>
+                            <p:childTnLst>
+                              <p:par>
+                                <p:cTn id="27" presetID="1" presetClass="entr" presetSubtype="0" fill="hold" nodeType="clickEffect">
+                                  <p:stCondLst>
+                                    <p:cond delay="0"/>
+                                  </p:stCondLst>
+                                  <p:childTnLst>
+                                    <p:set>
+                                      <p:cBhvr>
+                                        <p:cTn id="28" dur="1" fill="hold">
+                                          <p:stCondLst>
+                                            <p:cond delay="0"/>
+                                          </p:stCondLst>
+                                        </p:cTn>
+                                        <p:tgtEl>
+                                          <p:spTgt spid="3">
+                                            <p:txEl>
+                                              <p:pRg st="11" end="11"/>
+                                            </p:txEl>
+                                          </p:spTgt>
+                                        </p:tgtEl>
+                                        <p:attrNameLst>
+                                          <p:attrName>style.visibility</p:attrName>
+                                        </p:attrNameLst>
+                                      </p:cBhvr>
+                                      <p:to>
+                                        <p:strVal val="visible"/>
+                                      </p:to>
+                                    </p:set>
+                                  </p:childTnLst>
+                                </p:cTn>
+                              </p:par>
+                            </p:childTnLst>
+                          </p:cTn>
+                        </p:par>
+                      </p:childTnLst>
+                    </p:cTn>
+                  </p:par>
+                  <p:par>
+                    <p:cTn id="29" fill="hold">
+                      <p:stCondLst>
+                        <p:cond delay="indefinite"/>
+                      </p:stCondLst>
+                      <p:childTnLst>
+                        <p:par>
+                          <p:cTn id="30" fill="hold">
+                            <p:stCondLst>
+                              <p:cond delay="0"/>
+                            </p:stCondLst>
+                            <p:childTnLst>
+                              <p:par>
+                                <p:cTn id="31" presetID="1" presetClass="entr" presetSubtype="0" fill="hold" nodeType="clickEffect">
+                                  <p:stCondLst>
+                                    <p:cond delay="0"/>
+                                  </p:stCondLst>
+                                  <p:childTnLst>
+                                    <p:set>
+                                      <p:cBhvr>
+                                        <p:cTn id="32" dur="1" fill="hold">
+                                          <p:stCondLst>
+                                            <p:cond delay="0"/>
+                                          </p:stCondLst>
+                                        </p:cTn>
+                                        <p:tgtEl>
+                                          <p:spTgt spid="3">
+                                            <p:txEl>
+                                              <p:pRg st="12" end="12"/>
+                                            </p:txEl>
+                                          </p:spTgt>
+                                        </p:tgtEl>
+                                        <p:attrNameLst>
+                                          <p:attrName>style.visibility</p:attrName>
+                                        </p:attrNameLst>
+                                      </p:cBhvr>
+                                      <p:to>
+                                        <p:strVal val="visible"/>
+                                      </p:to>
+                                    </p:set>
+                                  </p:childTnLst>
+                                </p:cTn>
+                              </p:par>
+                            </p:childTnLst>
+                          </p:cTn>
+                        </p:par>
+                      </p:childTnLst>
+                    </p:cTn>
+                  </p:par>
+                </p:childTnLst>
+              </p:cTn>
+              <p:prevCondLst>
+                <p:cond evt="onPrev" delay="0">
+                  <p:tgtEl>
+                    <p:sldTgt/>
+                  </p:tgtEl>
+                </p:cond>
+              </p:prevCondLst>
+              <p:nextCondLst>
+                <p:cond evt="onNext" delay="0">
+                  <p:tgtEl>
+                    <p:sldTgt/>
+                  </p:tgtEl>
+                </p:cond>
+              </p:nextCondLst>
+            </p:seq>
+          </p:childTnLst>
+        </p:cTn>
+      </p:par>
+    </p:tnLst>
+  </p:timing>
+</p:sld>
+</file>
+
+<file path=ppt/slides/slide21.xml><?xml version="1.0" encoding="utf-8"?>
+<p:sld xmlns:a="http://schemas.openxmlformats.org/drawingml/2006/main" xmlns:r="http://schemas.openxmlformats.org/officeDocument/2006/relationships" xmlns:p="http://schemas.openxmlformats.org/presentationml/2006/main">
+  <p:cSld>
+    <p:spTree>
+      <p:nvGrpSpPr>
+        <p:cNvPr id="1" name=""/>
+        <p:cNvGrpSpPr/>
+        <p:nvPr/>
+      </p:nvGrpSpPr>
+      <p:grpSpPr>
+        <a:xfrm>
+          <a:off x="0" y="0"/>
+          <a:ext cx="0" cy="0"/>
+          <a:chOff x="0" y="0"/>
+          <a:chExt cx="0" cy="0"/>
+        </a:xfrm>
+      </p:grpSpPr>
+      <p:sp>
+        <p:nvSpPr>
+          <p:cNvPr id="2" name="Title 1"/>
+          <p:cNvSpPr>
+            <a:spLocks noGrp="1"/>
+          </p:cNvSpPr>
+          <p:nvPr>
+            <p:ph type="title"/>
+          </p:nvPr>
+        </p:nvSpPr>
+        <p:spPr/>
+        <p:txBody>
+          <a:bodyPr/>
+          <a:lstStyle/>
           <a:p>
             <a:endParaRPr lang="en-US"/>
           </a:p>
@@ -7425,98 +9812,30 @@
         <p:spPr/>
         <p:txBody>
           <a:bodyPr/>
-          <a:p>
-            <a:r>
-              <a:rPr lang="x-none" altLang="en-US" sz="2400"/>
-              <a:t>文件存取许可权</a:t>
-            </a:r>
-            <a:endParaRPr lang="x-none" altLang="en-US" sz="2400"/>
-          </a:p>
-          <a:p>
-            <a:pPr lvl="1"/>
-            <a:r>
-              <a:rPr lang="x-none" altLang="en-US" sz="2000"/>
-              <a:t>S_IRUSR 用户-读</a:t>
-            </a:r>
-            <a:endParaRPr lang="x-none" altLang="en-US" sz="2000"/>
-          </a:p>
-          <a:p>
-            <a:pPr lvl="1"/>
-            <a:r>
-              <a:rPr lang="x-none" altLang="en-US" sz="2000"/>
-              <a:t>S_IWUSR 用户-写</a:t>
-            </a:r>
-            <a:endParaRPr lang="x-none" altLang="en-US" sz="2000"/>
-          </a:p>
-          <a:p>
-            <a:pPr lvl="1"/>
-            <a:r>
-              <a:rPr lang="x-none" altLang="en-US" sz="2000"/>
-              <a:t>S_IXUSR 用户-执行</a:t>
-            </a:r>
-            <a:endParaRPr lang="x-none" altLang="en-US" sz="2000"/>
-          </a:p>
-          <a:p>
-            <a:pPr lvl="1"/>
-            <a:r>
-              <a:rPr lang="x-none" altLang="en-US" sz="2000"/>
-              <a:t>S_IRGRP 组-读</a:t>
-            </a:r>
-            <a:endParaRPr lang="x-none" altLang="en-US" sz="2000"/>
-          </a:p>
-          <a:p>
-            <a:pPr lvl="1"/>
-            <a:r>
-              <a:rPr lang="x-none" altLang="en-US" sz="2000"/>
-              <a:t>S_IWGRP 组-写</a:t>
-            </a:r>
-            <a:endParaRPr lang="x-none" altLang="en-US" sz="2000"/>
-          </a:p>
-          <a:p>
-            <a:pPr lvl="1"/>
-            <a:r>
-              <a:rPr lang="x-none" altLang="en-US" sz="2000"/>
-              <a:t>S_IXGRP 组-执行</a:t>
-            </a:r>
-            <a:endParaRPr lang="x-none" altLang="en-US" sz="2000"/>
-          </a:p>
-          <a:p>
-            <a:pPr lvl="1"/>
-            <a:r>
-              <a:rPr lang="x-none" altLang="en-US" sz="2000"/>
-              <a:t>S_IROTH 其他-读</a:t>
-            </a:r>
-            <a:endParaRPr lang="x-none" altLang="en-US" sz="2000"/>
-          </a:p>
-          <a:p>
-            <a:pPr lvl="1"/>
-            <a:r>
-              <a:rPr lang="x-none" altLang="en-US" sz="2000"/>
-              <a:t>S_IWOTH 其他-写</a:t>
-            </a:r>
-            <a:endParaRPr lang="x-none" altLang="en-US" sz="2000"/>
-          </a:p>
-          <a:p>
-            <a:pPr lvl="1"/>
-            <a:r>
-              <a:rPr lang="x-none" altLang="en-US" sz="2000"/>
-              <a:t>S_IXOTH 其他-执行</a:t>
-            </a:r>
-            <a:endParaRPr lang="x-none" altLang="en-US" sz="2000"/>
-          </a:p>
-          <a:p>
-            <a:pPr lvl="1"/>
-            <a:endParaRPr lang="x-none" altLang="en-US" sz="2000"/>
-          </a:p>
-          <a:p>
-            <a:pPr marL="457200" lvl="1" indent="0">
-              <a:buNone/>
-            </a:pPr>
-            <a:r>
-              <a:rPr lang="x-none" altLang="en-US" sz="2000"/>
-              <a:t>S_IRUSR | file.st_mode</a:t>
-            </a:r>
-            <a:endParaRPr lang="x-none" altLang="en-US" sz="2000"/>
+          <a:lstStyle/>
+          <a:p>
+            <a:r>
+              <a:rPr lang="x-none" altLang="en-US"/>
+              <a:t>题外话</a:t>
+            </a:r>
+          </a:p>
+          <a:p>
+            <a:r>
+              <a:rPr lang="x-none" altLang="en-US"/>
+              <a:t>对目录没有读权，就无法查看目录文件</a:t>
+            </a:r>
+          </a:p>
+          <a:p>
+            <a:r>
+              <a:rPr lang="x-none" altLang="en-US"/>
+              <a:t>对目录没有执行权，无法通过该目录</a:t>
+            </a:r>
+          </a:p>
+          <a:p>
+            <a:r>
+              <a:rPr lang="x-none" altLang="en-US"/>
+              <a:t>对目录有写权，就可以删除目录内的文件</a:t>
+            </a:r>
           </a:p>
         </p:txBody>
       </p:sp>
@@ -7525,10 +9844,17 @@
   <p:clrMapOvr>
     <a:masterClrMapping/>
   </p:clrMapOvr>
+  <p:timing>
+    <p:tnLst>
+      <p:par>
+        <p:cTn id="1" dur="indefinite" restart="never" nodeType="tmRoot"/>
+      </p:par>
+    </p:tnLst>
+  </p:timing>
 </p:sld>
 </file>
 
-<file path=ppt/slides/slide21.xml><?xml version="1.0" encoding="utf-8"?>
+<file path=ppt/slides/slide22.xml><?xml version="1.0" encoding="utf-8"?>
 <p:sld xmlns:a="http://schemas.openxmlformats.org/drawingml/2006/main" xmlns:r="http://schemas.openxmlformats.org/officeDocument/2006/relationships" xmlns:p="http://schemas.openxmlformats.org/presentationml/2006/main">
   <p:cSld>
     <p:spTree>
@@ -7537,7 +9863,14 @@
         <p:cNvGrpSpPr/>
         <p:nvPr/>
       </p:nvGrpSpPr>
-      <p:grpSpPr/>
+      <p:grpSpPr>
+        <a:xfrm>
+          <a:off x="0" y="0"/>
+          <a:ext cx="0" cy="0"/>
+          <a:chOff x="0" y="0"/>
+          <a:chExt cx="0" cy="0"/>
+        </a:xfrm>
+      </p:grpSpPr>
       <p:sp>
         <p:nvSpPr>
           <p:cNvPr id="2" name="Title 1"/>
@@ -7551,6 +9884,400 @@
         <p:spPr/>
         <p:txBody>
           <a:bodyPr/>
+          <a:lstStyle/>
+          <a:p>
+            <a:endParaRPr lang="en-US"/>
+          </a:p>
+        </p:txBody>
+      </p:sp>
+      <p:sp>
+        <p:nvSpPr>
+          <p:cNvPr id="3" name="Content Placeholder 2"/>
+          <p:cNvSpPr>
+            <a:spLocks noGrp="1"/>
+          </p:cNvSpPr>
+          <p:nvPr>
+            <p:ph idx="1"/>
+          </p:nvPr>
+        </p:nvSpPr>
+        <p:spPr/>
+        <p:txBody>
+          <a:bodyPr>
+            <a:normAutofit fontScale="97500"/>
+          </a:bodyPr>
+          <a:lstStyle/>
+          <a:p>
+            <a:r>
+              <a:rPr lang="x-none" altLang="en-US" dirty="0"/>
+              <a:t>再谈umask</a:t>
+            </a:r>
+          </a:p>
+          <a:p>
+            <a:r>
+              <a:rPr lang="x-none" altLang="en-US" dirty="0"/>
+              <a:t>umask -S</a:t>
+            </a:r>
+          </a:p>
+          <a:p>
+            <a:pPr lvl="1"/>
+            <a:r>
+              <a:rPr lang="x-none" altLang="en-US" dirty="0"/>
+              <a:t>u=rwx,g=rx,o=rx</a:t>
+            </a:r>
+          </a:p>
+          <a:p>
+            <a:r>
+              <a:rPr lang="x-none" altLang="en-US" dirty="0"/>
+              <a:t>touch test</a:t>
+            </a:r>
+          </a:p>
+          <a:p>
+            <a:pPr lvl="1"/>
+            <a:r>
+              <a:rPr lang="x-none" altLang="en-US" dirty="0"/>
+              <a:t> -rw-r--r--</a:t>
+            </a:r>
+          </a:p>
+          <a:p>
+            <a:pPr lvl="0"/>
+            <a:r>
+              <a:rPr lang="x-none" altLang="en-US" sz="2400" i="1" dirty="0"/>
+              <a:t>umask is subtractive, not prescriptive: permission bits set in umask are removed by default from modes specified by programs, but umask can't add permission bits. touch specifies mode 666 by default</a:t>
+            </a:r>
+            <a:r>
+              <a:rPr lang="x-none" altLang="en-US" dirty="0"/>
+              <a:t> </a:t>
+            </a:r>
+          </a:p>
+        </p:txBody>
+      </p:sp>
+    </p:spTree>
+  </p:cSld>
+  <p:clrMapOvr>
+    <a:masterClrMapping/>
+  </p:clrMapOvr>
+  <p:timing>
+    <p:tnLst>
+      <p:par>
+        <p:cTn id="1" dur="indefinite" restart="never" nodeType="tmRoot">
+          <p:childTnLst>
+            <p:seq concurrent="1" nextAc="seek">
+              <p:cTn id="2" dur="indefinite" nodeType="mainSeq">
+                <p:childTnLst>
+                  <p:par>
+                    <p:cTn id="3" fill="hold">
+                      <p:stCondLst>
+                        <p:cond delay="indefinite"/>
+                      </p:stCondLst>
+                      <p:childTnLst>
+                        <p:par>
+                          <p:cTn id="4" fill="hold">
+                            <p:stCondLst>
+                              <p:cond delay="0"/>
+                            </p:stCondLst>
+                            <p:childTnLst>
+                              <p:par>
+                                <p:cTn id="5" presetID="1" presetClass="entr" presetSubtype="0" fill="hold" nodeType="clickEffect">
+                                  <p:stCondLst>
+                                    <p:cond delay="0"/>
+                                  </p:stCondLst>
+                                  <p:childTnLst>
+                                    <p:set>
+                                      <p:cBhvr>
+                                        <p:cTn id="6" dur="1" fill="hold">
+                                          <p:stCondLst>
+                                            <p:cond delay="0"/>
+                                          </p:stCondLst>
+                                        </p:cTn>
+                                        <p:tgtEl>
+                                          <p:spTgt spid="3">
+                                            <p:txEl>
+                                              <p:pRg st="0" end="0"/>
+                                            </p:txEl>
+                                          </p:spTgt>
+                                        </p:tgtEl>
+                                        <p:attrNameLst>
+                                          <p:attrName>style.visibility</p:attrName>
+                                        </p:attrNameLst>
+                                      </p:cBhvr>
+                                      <p:to>
+                                        <p:strVal val="visible"/>
+                                      </p:to>
+                                    </p:set>
+                                  </p:childTnLst>
+                                </p:cTn>
+                              </p:par>
+                            </p:childTnLst>
+                          </p:cTn>
+                        </p:par>
+                      </p:childTnLst>
+                    </p:cTn>
+                  </p:par>
+                  <p:par>
+                    <p:cTn id="7" fill="hold">
+                      <p:stCondLst>
+                        <p:cond delay="indefinite"/>
+                      </p:stCondLst>
+                      <p:childTnLst>
+                        <p:par>
+                          <p:cTn id="8" fill="hold">
+                            <p:stCondLst>
+                              <p:cond delay="0"/>
+                            </p:stCondLst>
+                            <p:childTnLst>
+                              <p:par>
+                                <p:cTn id="9" presetID="1" presetClass="entr" presetSubtype="0" fill="hold" nodeType="clickEffect">
+                                  <p:stCondLst>
+                                    <p:cond delay="0"/>
+                                  </p:stCondLst>
+                                  <p:childTnLst>
+                                    <p:set>
+                                      <p:cBhvr>
+                                        <p:cTn id="10" dur="1" fill="hold">
+                                          <p:stCondLst>
+                                            <p:cond delay="0"/>
+                                          </p:stCondLst>
+                                        </p:cTn>
+                                        <p:tgtEl>
+                                          <p:spTgt spid="3">
+                                            <p:txEl>
+                                              <p:pRg st="1" end="1"/>
+                                            </p:txEl>
+                                          </p:spTgt>
+                                        </p:tgtEl>
+                                        <p:attrNameLst>
+                                          <p:attrName>style.visibility</p:attrName>
+                                        </p:attrNameLst>
+                                      </p:cBhvr>
+                                      <p:to>
+                                        <p:strVal val="visible"/>
+                                      </p:to>
+                                    </p:set>
+                                  </p:childTnLst>
+                                </p:cTn>
+                              </p:par>
+                              <p:par>
+                                <p:cTn id="11" presetID="1" presetClass="entr" presetSubtype="0" fill="hold" nodeType="withEffect">
+                                  <p:stCondLst>
+                                    <p:cond delay="0"/>
+                                  </p:stCondLst>
+                                  <p:childTnLst>
+                                    <p:set>
+                                      <p:cBhvr>
+                                        <p:cTn id="12" dur="1" fill="hold">
+                                          <p:stCondLst>
+                                            <p:cond delay="0"/>
+                                          </p:stCondLst>
+                                        </p:cTn>
+                                        <p:tgtEl>
+                                          <p:spTgt spid="3">
+                                            <p:txEl>
+                                              <p:pRg st="2" end="2"/>
+                                            </p:txEl>
+                                          </p:spTgt>
+                                        </p:tgtEl>
+                                        <p:attrNameLst>
+                                          <p:attrName>style.visibility</p:attrName>
+                                        </p:attrNameLst>
+                                      </p:cBhvr>
+                                      <p:to>
+                                        <p:strVal val="visible"/>
+                                      </p:to>
+                                    </p:set>
+                                  </p:childTnLst>
+                                </p:cTn>
+                              </p:par>
+                            </p:childTnLst>
+                          </p:cTn>
+                        </p:par>
+                      </p:childTnLst>
+                    </p:cTn>
+                  </p:par>
+                  <p:par>
+                    <p:cTn id="13" fill="hold">
+                      <p:stCondLst>
+                        <p:cond delay="indefinite"/>
+                      </p:stCondLst>
+                      <p:childTnLst>
+                        <p:par>
+                          <p:cTn id="14" fill="hold">
+                            <p:stCondLst>
+                              <p:cond delay="0"/>
+                            </p:stCondLst>
+                            <p:childTnLst>
+                              <p:par>
+                                <p:cTn id="15" presetID="1" presetClass="entr" presetSubtype="0" fill="hold" nodeType="clickEffect">
+                                  <p:stCondLst>
+                                    <p:cond delay="0"/>
+                                  </p:stCondLst>
+                                  <p:childTnLst>
+                                    <p:set>
+                                      <p:cBhvr>
+                                        <p:cTn id="16" dur="1" fill="hold">
+                                          <p:stCondLst>
+                                            <p:cond delay="0"/>
+                                          </p:stCondLst>
+                                        </p:cTn>
+                                        <p:tgtEl>
+                                          <p:spTgt spid="3">
+                                            <p:txEl>
+                                              <p:pRg st="3" end="3"/>
+                                            </p:txEl>
+                                          </p:spTgt>
+                                        </p:tgtEl>
+                                        <p:attrNameLst>
+                                          <p:attrName>style.visibility</p:attrName>
+                                        </p:attrNameLst>
+                                      </p:cBhvr>
+                                      <p:to>
+                                        <p:strVal val="visible"/>
+                                      </p:to>
+                                    </p:set>
+                                  </p:childTnLst>
+                                </p:cTn>
+                              </p:par>
+                              <p:par>
+                                <p:cTn id="17" presetID="1" presetClass="entr" presetSubtype="0" fill="hold" nodeType="withEffect">
+                                  <p:stCondLst>
+                                    <p:cond delay="0"/>
+                                  </p:stCondLst>
+                                  <p:childTnLst>
+                                    <p:set>
+                                      <p:cBhvr>
+                                        <p:cTn id="18" dur="1" fill="hold">
+                                          <p:stCondLst>
+                                            <p:cond delay="0"/>
+                                          </p:stCondLst>
+                                        </p:cTn>
+                                        <p:tgtEl>
+                                          <p:spTgt spid="3">
+                                            <p:txEl>
+                                              <p:pRg st="4" end="4"/>
+                                            </p:txEl>
+                                          </p:spTgt>
+                                        </p:tgtEl>
+                                        <p:attrNameLst>
+                                          <p:attrName>style.visibility</p:attrName>
+                                        </p:attrNameLst>
+                                      </p:cBhvr>
+                                      <p:to>
+                                        <p:strVal val="visible"/>
+                                      </p:to>
+                                    </p:set>
+                                  </p:childTnLst>
+                                </p:cTn>
+                              </p:par>
+                            </p:childTnLst>
+                          </p:cTn>
+                        </p:par>
+                      </p:childTnLst>
+                    </p:cTn>
+                  </p:par>
+                  <p:par>
+                    <p:cTn id="19" fill="hold">
+                      <p:stCondLst>
+                        <p:cond delay="indefinite"/>
+                      </p:stCondLst>
+                      <p:childTnLst>
+                        <p:par>
+                          <p:cTn id="20" fill="hold">
+                            <p:stCondLst>
+                              <p:cond delay="0"/>
+                            </p:stCondLst>
+                            <p:childTnLst>
+                              <p:par>
+                                <p:cTn id="21" presetID="1" presetClass="entr" presetSubtype="0" fill="hold" nodeType="clickEffect">
+                                  <p:stCondLst>
+                                    <p:cond delay="0"/>
+                                  </p:stCondLst>
+                                  <p:childTnLst>
+                                    <p:set>
+                                      <p:cBhvr>
+                                        <p:cTn id="22" dur="1" fill="hold">
+                                          <p:stCondLst>
+                                            <p:cond delay="0"/>
+                                          </p:stCondLst>
+                                        </p:cTn>
+                                        <p:tgtEl>
+                                          <p:spTgt spid="3">
+                                            <p:txEl>
+                                              <p:pRg st="5" end="5"/>
+                                            </p:txEl>
+                                          </p:spTgt>
+                                        </p:tgtEl>
+                                        <p:attrNameLst>
+                                          <p:attrName>style.visibility</p:attrName>
+                                        </p:attrNameLst>
+                                      </p:cBhvr>
+                                      <p:to>
+                                        <p:strVal val="visible"/>
+                                      </p:to>
+                                    </p:set>
+                                  </p:childTnLst>
+                                </p:cTn>
+                              </p:par>
+                            </p:childTnLst>
+                          </p:cTn>
+                        </p:par>
+                      </p:childTnLst>
+                    </p:cTn>
+                  </p:par>
+                </p:childTnLst>
+              </p:cTn>
+              <p:prevCondLst>
+                <p:cond evt="onPrev" delay="0">
+                  <p:tgtEl>
+                    <p:sldTgt/>
+                  </p:tgtEl>
+                </p:cond>
+              </p:prevCondLst>
+              <p:nextCondLst>
+                <p:cond evt="onNext" delay="0">
+                  <p:tgtEl>
+                    <p:sldTgt/>
+                  </p:tgtEl>
+                </p:cond>
+              </p:nextCondLst>
+            </p:seq>
+          </p:childTnLst>
+        </p:cTn>
+      </p:par>
+    </p:tnLst>
+  </p:timing>
+</p:sld>
+</file>
+
+<file path=ppt/slides/slide23.xml><?xml version="1.0" encoding="utf-8"?>
+<p:sld xmlns:a="http://schemas.openxmlformats.org/drawingml/2006/main" xmlns:r="http://schemas.openxmlformats.org/officeDocument/2006/relationships" xmlns:p="http://schemas.openxmlformats.org/presentationml/2006/main">
+  <p:cSld>
+    <p:spTree>
+      <p:nvGrpSpPr>
+        <p:cNvPr id="1" name=""/>
+        <p:cNvGrpSpPr/>
+        <p:nvPr/>
+      </p:nvGrpSpPr>
+      <p:grpSpPr>
+        <a:xfrm>
+          <a:off x="0" y="0"/>
+          <a:ext cx="0" cy="0"/>
+          <a:chOff x="0" y="0"/>
+          <a:chExt cx="0" cy="0"/>
+        </a:xfrm>
+      </p:grpSpPr>
+      <p:sp>
+        <p:nvSpPr>
+          <p:cNvPr id="2" name="Title 1"/>
+          <p:cNvSpPr>
+            <a:spLocks noGrp="1"/>
+          </p:cNvSpPr>
+          <p:nvPr>
+            <p:ph type="title"/>
+          </p:nvPr>
+        </p:nvSpPr>
+        <p:spPr/>
+        <p:txBody>
+          <a:bodyPr/>
+          <a:lstStyle/>
           <a:p>
             <a:endParaRPr lang="en-US"/>
           </a:p>
@@ -7569,33 +10296,87 @@
         <p:spPr/>
         <p:txBody>
           <a:bodyPr/>
-          <a:p>
-            <a:r>
-              <a:rPr lang="x-none" altLang="en-US"/>
-              <a:t>题外话</a:t>
-            </a:r>
-            <a:endParaRPr lang="x-none" altLang="en-US"/>
-          </a:p>
-          <a:p>
-            <a:r>
-              <a:rPr lang="x-none" altLang="en-US"/>
-              <a:t>对目录没有读权，就无法查看目录文件</a:t>
-            </a:r>
-            <a:endParaRPr lang="x-none" altLang="en-US"/>
-          </a:p>
-          <a:p>
-            <a:r>
-              <a:rPr lang="x-none" altLang="en-US"/>
-              <a:t>对目录没有执行权，无法通过该目录</a:t>
-            </a:r>
-            <a:endParaRPr lang="x-none" altLang="en-US"/>
-          </a:p>
-          <a:p>
-            <a:r>
-              <a:rPr lang="x-none" altLang="en-US"/>
-              <a:t>对目录有写权，就可以删除目录内的文件</a:t>
-            </a:r>
-            <a:endParaRPr lang="x-none" altLang="en-US"/>
+          <a:lstStyle/>
+          <a:p>
+            <a:r>
+              <a:rPr lang="en-US" sz="2400" dirty="0"/>
+              <a:t>#include &lt;sys/</a:t>
+            </a:r>
+            <a:r>
+              <a:rPr lang="en-US" sz="2400" dirty="0" err="1"/>
+              <a:t>types.h</a:t>
+            </a:r>
+            <a:r>
+              <a:rPr lang="en-US" sz="2400" dirty="0"/>
+              <a:t>&gt;</a:t>
+            </a:r>
+          </a:p>
+          <a:p>
+            <a:r>
+              <a:rPr lang="en-US" sz="2400" dirty="0"/>
+              <a:t>#include &lt;sys/</a:t>
+            </a:r>
+            <a:r>
+              <a:rPr lang="en-US" sz="2400" dirty="0" err="1"/>
+              <a:t>stat.h</a:t>
+            </a:r>
+            <a:r>
+              <a:rPr lang="en-US" sz="2400" dirty="0"/>
+              <a:t>&gt;</a:t>
+            </a:r>
+          </a:p>
+          <a:p>
+            <a:r>
+              <a:rPr lang="en-US" sz="2400" dirty="0" err="1"/>
+              <a:t>mode_t</a:t>
+            </a:r>
+            <a:r>
+              <a:rPr lang="en-US" sz="2400" dirty="0"/>
+              <a:t> </a:t>
+            </a:r>
+            <a:r>
+              <a:rPr lang="en-US" sz="2400" dirty="0" err="1"/>
+              <a:t>umask</a:t>
+            </a:r>
+            <a:r>
+              <a:rPr lang="en-US" sz="2400" dirty="0"/>
+              <a:t>(</a:t>
+            </a:r>
+            <a:r>
+              <a:rPr lang="en-US" sz="2400" dirty="0" err="1"/>
+              <a:t>mode_t</a:t>
+            </a:r>
+            <a:r>
+              <a:rPr lang="en-US" sz="2400" dirty="0"/>
+              <a:t> </a:t>
+            </a:r>
+            <a:r>
+              <a:rPr lang="en-US" sz="2400" dirty="0" err="1"/>
+              <a:t>cmask</a:t>
+            </a:r>
+            <a:r>
+              <a:rPr lang="en-US" sz="2400" dirty="0"/>
+              <a:t>) ;</a:t>
+            </a:r>
+          </a:p>
+          <a:p>
+            <a:r>
+              <a:rPr lang="en-US" sz="2400" dirty="0" err="1"/>
+              <a:t>返回：以前的文件方式创建屏蔽字</a:t>
+            </a:r>
+            <a:endParaRPr lang="en-US" sz="2400" dirty="0"/>
+          </a:p>
+          <a:p>
+            <a:endParaRPr lang="en-US" sz="2400" dirty="0"/>
+          </a:p>
+          <a:p>
+            <a:r>
+              <a:rPr lang="x-none" altLang="en-US" sz="2400" dirty="0"/>
+              <a:t>umask.c</a:t>
+            </a:r>
+          </a:p>
+          <a:p>
+            <a:endParaRPr lang="en-US" sz="2400" dirty="0"/>
           </a:p>
         </p:txBody>
       </p:sp>
@@ -7604,10 +10385,231 @@
   <p:clrMapOvr>
     <a:masterClrMapping/>
   </p:clrMapOvr>
+  <p:timing>
+    <p:tnLst>
+      <p:par>
+        <p:cTn id="1" dur="indefinite" restart="never" nodeType="tmRoot">
+          <p:childTnLst>
+            <p:seq concurrent="1" nextAc="seek">
+              <p:cTn id="2" dur="indefinite" nodeType="mainSeq">
+                <p:childTnLst>
+                  <p:par>
+                    <p:cTn id="3" fill="hold">
+                      <p:stCondLst>
+                        <p:cond delay="indefinite"/>
+                      </p:stCondLst>
+                      <p:childTnLst>
+                        <p:par>
+                          <p:cTn id="4" fill="hold">
+                            <p:stCondLst>
+                              <p:cond delay="0"/>
+                            </p:stCondLst>
+                            <p:childTnLst>
+                              <p:par>
+                                <p:cTn id="5" presetID="1" presetClass="entr" presetSubtype="0" fill="hold" nodeType="clickEffect">
+                                  <p:stCondLst>
+                                    <p:cond delay="0"/>
+                                  </p:stCondLst>
+                                  <p:childTnLst>
+                                    <p:set>
+                                      <p:cBhvr>
+                                        <p:cTn id="6" dur="1" fill="hold">
+                                          <p:stCondLst>
+                                            <p:cond delay="0"/>
+                                          </p:stCondLst>
+                                        </p:cTn>
+                                        <p:tgtEl>
+                                          <p:spTgt spid="3">
+                                            <p:txEl>
+                                              <p:pRg st="0" end="0"/>
+                                            </p:txEl>
+                                          </p:spTgt>
+                                        </p:tgtEl>
+                                        <p:attrNameLst>
+                                          <p:attrName>style.visibility</p:attrName>
+                                        </p:attrNameLst>
+                                      </p:cBhvr>
+                                      <p:to>
+                                        <p:strVal val="visible"/>
+                                      </p:to>
+                                    </p:set>
+                                  </p:childTnLst>
+                                </p:cTn>
+                              </p:par>
+                              <p:par>
+                                <p:cTn id="7" presetID="1" presetClass="entr" presetSubtype="0" fill="hold" nodeType="withEffect">
+                                  <p:stCondLst>
+                                    <p:cond delay="0"/>
+                                  </p:stCondLst>
+                                  <p:childTnLst>
+                                    <p:set>
+                                      <p:cBhvr>
+                                        <p:cTn id="8" dur="1" fill="hold">
+                                          <p:stCondLst>
+                                            <p:cond delay="0"/>
+                                          </p:stCondLst>
+                                        </p:cTn>
+                                        <p:tgtEl>
+                                          <p:spTgt spid="3">
+                                            <p:txEl>
+                                              <p:pRg st="1" end="1"/>
+                                            </p:txEl>
+                                          </p:spTgt>
+                                        </p:tgtEl>
+                                        <p:attrNameLst>
+                                          <p:attrName>style.visibility</p:attrName>
+                                        </p:attrNameLst>
+                                      </p:cBhvr>
+                                      <p:to>
+                                        <p:strVal val="visible"/>
+                                      </p:to>
+                                    </p:set>
+                                  </p:childTnLst>
+                                </p:cTn>
+                              </p:par>
+                              <p:par>
+                                <p:cTn id="9" presetID="1" presetClass="entr" presetSubtype="0" fill="hold" nodeType="withEffect">
+                                  <p:stCondLst>
+                                    <p:cond delay="0"/>
+                                  </p:stCondLst>
+                                  <p:childTnLst>
+                                    <p:set>
+                                      <p:cBhvr>
+                                        <p:cTn id="10" dur="1" fill="hold">
+                                          <p:stCondLst>
+                                            <p:cond delay="0"/>
+                                          </p:stCondLst>
+                                        </p:cTn>
+                                        <p:tgtEl>
+                                          <p:spTgt spid="3">
+                                            <p:txEl>
+                                              <p:pRg st="2" end="2"/>
+                                            </p:txEl>
+                                          </p:spTgt>
+                                        </p:tgtEl>
+                                        <p:attrNameLst>
+                                          <p:attrName>style.visibility</p:attrName>
+                                        </p:attrNameLst>
+                                      </p:cBhvr>
+                                      <p:to>
+                                        <p:strVal val="visible"/>
+                                      </p:to>
+                                    </p:set>
+                                  </p:childTnLst>
+                                </p:cTn>
+                              </p:par>
+                              <p:par>
+                                <p:cTn id="11" presetID="1" presetClass="entr" presetSubtype="0" fill="hold" nodeType="withEffect">
+                                  <p:stCondLst>
+                                    <p:cond delay="0"/>
+                                  </p:stCondLst>
+                                  <p:childTnLst>
+                                    <p:set>
+                                      <p:cBhvr>
+                                        <p:cTn id="12" dur="1" fill="hold">
+                                          <p:stCondLst>
+                                            <p:cond delay="0"/>
+                                          </p:stCondLst>
+                                        </p:cTn>
+                                        <p:tgtEl>
+                                          <p:spTgt spid="3">
+                                            <p:txEl>
+                                              <p:pRg st="3" end="3"/>
+                                            </p:txEl>
+                                          </p:spTgt>
+                                        </p:tgtEl>
+                                        <p:attrNameLst>
+                                          <p:attrName>style.visibility</p:attrName>
+                                        </p:attrNameLst>
+                                      </p:cBhvr>
+                                      <p:to>
+                                        <p:strVal val="visible"/>
+                                      </p:to>
+                                    </p:set>
+                                  </p:childTnLst>
+                                </p:cTn>
+                              </p:par>
+                            </p:childTnLst>
+                          </p:cTn>
+                        </p:par>
+                      </p:childTnLst>
+                    </p:cTn>
+                  </p:par>
+                  <p:par>
+                    <p:cTn id="13" fill="hold">
+                      <p:stCondLst>
+                        <p:cond delay="indefinite"/>
+                      </p:stCondLst>
+                      <p:childTnLst>
+                        <p:par>
+                          <p:cTn id="14" fill="hold">
+                            <p:stCondLst>
+                              <p:cond delay="0"/>
+                            </p:stCondLst>
+                            <p:childTnLst>
+                              <p:par>
+                                <p:cTn id="15" presetID="1" presetClass="entr" presetSubtype="0" fill="hold" nodeType="clickEffect">
+                                  <p:stCondLst>
+                                    <p:cond delay="0"/>
+                                  </p:stCondLst>
+                                  <p:childTnLst>
+                                    <p:set>
+                                      <p:cBhvr>
+                                        <p:cTn id="16" dur="1" fill="hold">
+                                          <p:stCondLst>
+                                            <p:cond delay="0"/>
+                                          </p:stCondLst>
+                                        </p:cTn>
+                                        <p:tgtEl>
+                                          <p:spTgt spid="3">
+                                            <p:txEl>
+                                              <p:pRg st="5" end="5"/>
+                                            </p:txEl>
+                                          </p:spTgt>
+                                        </p:tgtEl>
+                                        <p:attrNameLst>
+                                          <p:attrName>style.visibility</p:attrName>
+                                        </p:attrNameLst>
+                                      </p:cBhvr>
+                                      <p:to>
+                                        <p:strVal val="visible"/>
+                                      </p:to>
+                                    </p:set>
+                                  </p:childTnLst>
+                                </p:cTn>
+                              </p:par>
+                            </p:childTnLst>
+                          </p:cTn>
+                        </p:par>
+                      </p:childTnLst>
+                    </p:cTn>
+                  </p:par>
+                </p:childTnLst>
+              </p:cTn>
+              <p:prevCondLst>
+                <p:cond evt="onPrev" delay="0">
+                  <p:tgtEl>
+                    <p:sldTgt/>
+                  </p:tgtEl>
+                </p:cond>
+              </p:prevCondLst>
+              <p:nextCondLst>
+                <p:cond evt="onNext" delay="0">
+                  <p:tgtEl>
+                    <p:sldTgt/>
+                  </p:tgtEl>
+                </p:cond>
+              </p:nextCondLst>
+            </p:seq>
+          </p:childTnLst>
+        </p:cTn>
+      </p:par>
+    </p:tnLst>
+  </p:timing>
 </p:sld>
 </file>
 
-<file path=ppt/slides/slide22.xml><?xml version="1.0" encoding="utf-8"?>
+<file path=ppt/slides/slide24.xml><?xml version="1.0" encoding="utf-8"?>
 <p:sld xmlns:a="http://schemas.openxmlformats.org/drawingml/2006/main" xmlns:r="http://schemas.openxmlformats.org/officeDocument/2006/relationships" xmlns:p="http://schemas.openxmlformats.org/presentationml/2006/main">
   <p:cSld>
     <p:spTree>
@@ -7616,7 +10618,14 @@
         <p:cNvGrpSpPr/>
         <p:nvPr/>
       </p:nvGrpSpPr>
-      <p:grpSpPr/>
+      <p:grpSpPr>
+        <a:xfrm>
+          <a:off x="0" y="0"/>
+          <a:ext cx="0" cy="0"/>
+          <a:chOff x="0" y="0"/>
+          <a:chExt cx="0" cy="0"/>
+        </a:xfrm>
+      </p:grpSpPr>
       <p:sp>
         <p:nvSpPr>
           <p:cNvPr id="2" name="Title 1"/>
@@ -7630,6 +10639,7 @@
         <p:spPr/>
         <p:txBody>
           <a:bodyPr/>
+          <a:lstStyle/>
           <a:p>
             <a:endParaRPr lang="en-US"/>
           </a:p>
@@ -7648,8 +10658,30 @@
         <p:spPr/>
         <p:txBody>
           <a:bodyPr/>
-          <a:p>
-            <a:endParaRPr lang="en-US"/>
+          <a:lstStyle/>
+          <a:p>
+            <a:r>
+              <a:rPr lang="x-none" altLang="en-US" i="1" dirty="0"/>
+              <a:t>#include &lt;sys/types.h&gt;</a:t>
+            </a:r>
+          </a:p>
+          <a:p>
+            <a:r>
+              <a:rPr lang="x-none" altLang="en-US" i="1" dirty="0"/>
+              <a:t>#include &lt;sys/stat.h&gt;</a:t>
+            </a:r>
+          </a:p>
+          <a:p>
+            <a:r>
+              <a:rPr lang="x-none" altLang="en-US" i="1" dirty="0"/>
+              <a:t>int chmod(const char * pathname, mode_t mode);</a:t>
+            </a:r>
+          </a:p>
+          <a:p>
+            <a:r>
+              <a:rPr lang="x-none" altLang="en-US" dirty="0"/>
+              <a:t>若成功则为 0，若出错则为-1</a:t>
+            </a:r>
           </a:p>
         </p:txBody>
       </p:sp>
@@ -7658,10 +10690,1366 @@
   <p:clrMapOvr>
     <a:masterClrMapping/>
   </p:clrMapOvr>
+  <p:timing>
+    <p:tnLst>
+      <p:par>
+        <p:cTn id="1" dur="indefinite" restart="never" nodeType="tmRoot">
+          <p:childTnLst>
+            <p:seq concurrent="1" nextAc="seek">
+              <p:cTn id="2" dur="indefinite" nodeType="mainSeq">
+                <p:childTnLst>
+                  <p:par>
+                    <p:cTn id="3" fill="hold">
+                      <p:stCondLst>
+                        <p:cond delay="indefinite"/>
+                      </p:stCondLst>
+                      <p:childTnLst>
+                        <p:par>
+                          <p:cTn id="4" fill="hold">
+                            <p:stCondLst>
+                              <p:cond delay="0"/>
+                            </p:stCondLst>
+                            <p:childTnLst>
+                              <p:par>
+                                <p:cTn id="5" presetID="1" presetClass="entr" presetSubtype="0" fill="hold" nodeType="clickEffect">
+                                  <p:stCondLst>
+                                    <p:cond delay="0"/>
+                                  </p:stCondLst>
+                                  <p:childTnLst>
+                                    <p:set>
+                                      <p:cBhvr>
+                                        <p:cTn id="6" dur="1" fill="hold">
+                                          <p:stCondLst>
+                                            <p:cond delay="0"/>
+                                          </p:stCondLst>
+                                        </p:cTn>
+                                        <p:tgtEl>
+                                          <p:spTgt spid="3">
+                                            <p:txEl>
+                                              <p:pRg st="0" end="0"/>
+                                            </p:txEl>
+                                          </p:spTgt>
+                                        </p:tgtEl>
+                                        <p:attrNameLst>
+                                          <p:attrName>style.visibility</p:attrName>
+                                        </p:attrNameLst>
+                                      </p:cBhvr>
+                                      <p:to>
+                                        <p:strVal val="visible"/>
+                                      </p:to>
+                                    </p:set>
+                                  </p:childTnLst>
+                                </p:cTn>
+                              </p:par>
+                              <p:par>
+                                <p:cTn id="7" presetID="1" presetClass="entr" presetSubtype="0" fill="hold" nodeType="withEffect">
+                                  <p:stCondLst>
+                                    <p:cond delay="0"/>
+                                  </p:stCondLst>
+                                  <p:childTnLst>
+                                    <p:set>
+                                      <p:cBhvr>
+                                        <p:cTn id="8" dur="1" fill="hold">
+                                          <p:stCondLst>
+                                            <p:cond delay="0"/>
+                                          </p:stCondLst>
+                                        </p:cTn>
+                                        <p:tgtEl>
+                                          <p:spTgt spid="3">
+                                            <p:txEl>
+                                              <p:pRg st="1" end="1"/>
+                                            </p:txEl>
+                                          </p:spTgt>
+                                        </p:tgtEl>
+                                        <p:attrNameLst>
+                                          <p:attrName>style.visibility</p:attrName>
+                                        </p:attrNameLst>
+                                      </p:cBhvr>
+                                      <p:to>
+                                        <p:strVal val="visible"/>
+                                      </p:to>
+                                    </p:set>
+                                  </p:childTnLst>
+                                </p:cTn>
+                              </p:par>
+                              <p:par>
+                                <p:cTn id="9" presetID="1" presetClass="entr" presetSubtype="0" fill="hold" nodeType="withEffect">
+                                  <p:stCondLst>
+                                    <p:cond delay="0"/>
+                                  </p:stCondLst>
+                                  <p:childTnLst>
+                                    <p:set>
+                                      <p:cBhvr>
+                                        <p:cTn id="10" dur="1" fill="hold">
+                                          <p:stCondLst>
+                                            <p:cond delay="0"/>
+                                          </p:stCondLst>
+                                        </p:cTn>
+                                        <p:tgtEl>
+                                          <p:spTgt spid="3">
+                                            <p:txEl>
+                                              <p:pRg st="2" end="2"/>
+                                            </p:txEl>
+                                          </p:spTgt>
+                                        </p:tgtEl>
+                                        <p:attrNameLst>
+                                          <p:attrName>style.visibility</p:attrName>
+                                        </p:attrNameLst>
+                                      </p:cBhvr>
+                                      <p:to>
+                                        <p:strVal val="visible"/>
+                                      </p:to>
+                                    </p:set>
+                                  </p:childTnLst>
+                                </p:cTn>
+                              </p:par>
+                            </p:childTnLst>
+                          </p:cTn>
+                        </p:par>
+                      </p:childTnLst>
+                    </p:cTn>
+                  </p:par>
+                  <p:par>
+                    <p:cTn id="11" fill="hold">
+                      <p:stCondLst>
+                        <p:cond delay="indefinite"/>
+                      </p:stCondLst>
+                      <p:childTnLst>
+                        <p:par>
+                          <p:cTn id="12" fill="hold">
+                            <p:stCondLst>
+                              <p:cond delay="0"/>
+                            </p:stCondLst>
+                            <p:childTnLst>
+                              <p:par>
+                                <p:cTn id="13" presetID="1" presetClass="entr" presetSubtype="0" fill="hold" nodeType="clickEffect">
+                                  <p:stCondLst>
+                                    <p:cond delay="0"/>
+                                  </p:stCondLst>
+                                  <p:childTnLst>
+                                    <p:set>
+                                      <p:cBhvr>
+                                        <p:cTn id="14" dur="1" fill="hold">
+                                          <p:stCondLst>
+                                            <p:cond delay="0"/>
+                                          </p:stCondLst>
+                                        </p:cTn>
+                                        <p:tgtEl>
+                                          <p:spTgt spid="3">
+                                            <p:txEl>
+                                              <p:pRg st="3" end="3"/>
+                                            </p:txEl>
+                                          </p:spTgt>
+                                        </p:tgtEl>
+                                        <p:attrNameLst>
+                                          <p:attrName>style.visibility</p:attrName>
+                                        </p:attrNameLst>
+                                      </p:cBhvr>
+                                      <p:to>
+                                        <p:strVal val="visible"/>
+                                      </p:to>
+                                    </p:set>
+                                  </p:childTnLst>
+                                </p:cTn>
+                              </p:par>
+                            </p:childTnLst>
+                          </p:cTn>
+                        </p:par>
+                      </p:childTnLst>
+                    </p:cTn>
+                  </p:par>
+                </p:childTnLst>
+              </p:cTn>
+              <p:prevCondLst>
+                <p:cond evt="onPrev" delay="0">
+                  <p:tgtEl>
+                    <p:sldTgt/>
+                  </p:tgtEl>
+                </p:cond>
+              </p:prevCondLst>
+              <p:nextCondLst>
+                <p:cond evt="onNext" delay="0">
+                  <p:tgtEl>
+                    <p:sldTgt/>
+                  </p:tgtEl>
+                </p:cond>
+              </p:nextCondLst>
+            </p:seq>
+          </p:childTnLst>
+        </p:cTn>
+      </p:par>
+    </p:tnLst>
+  </p:timing>
 </p:sld>
 </file>
 
-<file path=ppt/slides/slide23.xml><?xml version="1.0" encoding="utf-8"?>
+<file path=ppt/slides/slide25.xml><?xml version="1.0" encoding="utf-8"?>
+<p:sld xmlns:a="http://schemas.openxmlformats.org/drawingml/2006/main" xmlns:r="http://schemas.openxmlformats.org/officeDocument/2006/relationships" xmlns:p="http://schemas.openxmlformats.org/presentationml/2006/main">
+  <p:cSld>
+    <p:spTree>
+      <p:nvGrpSpPr>
+        <p:cNvPr id="1" name=""/>
+        <p:cNvGrpSpPr/>
+        <p:nvPr/>
+      </p:nvGrpSpPr>
+      <p:grpSpPr>
+        <a:xfrm>
+          <a:off x="0" y="0"/>
+          <a:ext cx="0" cy="0"/>
+          <a:chOff x="0" y="0"/>
+          <a:chExt cx="0" cy="0"/>
+        </a:xfrm>
+      </p:grpSpPr>
+      <p:sp>
+        <p:nvSpPr>
+          <p:cNvPr id="2" name="Title 1"/>
+          <p:cNvSpPr>
+            <a:spLocks noGrp="1"/>
+          </p:cNvSpPr>
+          <p:nvPr>
+            <p:ph type="title"/>
+          </p:nvPr>
+        </p:nvSpPr>
+        <p:spPr/>
+        <p:txBody>
+          <a:bodyPr/>
+          <a:lstStyle/>
+          <a:p>
+            <a:endParaRPr lang="en-US"/>
+          </a:p>
+        </p:txBody>
+      </p:sp>
+      <p:sp>
+        <p:nvSpPr>
+          <p:cNvPr id="3" name="Content Placeholder 2"/>
+          <p:cNvSpPr>
+            <a:spLocks noGrp="1"/>
+          </p:cNvSpPr>
+          <p:nvPr>
+            <p:ph idx="1"/>
+          </p:nvPr>
+        </p:nvSpPr>
+        <p:spPr/>
+        <p:txBody>
+          <a:bodyPr/>
+          <a:lstStyle/>
+          <a:p>
+            <a:r>
+              <a:rPr lang="en-US" i="1" dirty="0"/>
+              <a:t>#include &lt;sys/</a:t>
+            </a:r>
+            <a:r>
+              <a:rPr lang="en-US" i="1" dirty="0" err="1"/>
+              <a:t>types.h</a:t>
+            </a:r>
+            <a:r>
+              <a:rPr lang="en-US" i="1" dirty="0"/>
+              <a:t>&gt;</a:t>
+            </a:r>
+          </a:p>
+          <a:p>
+            <a:r>
+              <a:rPr lang="en-US" i="1" dirty="0"/>
+              <a:t>#include &lt;sys/</a:t>
+            </a:r>
+            <a:r>
+              <a:rPr lang="en-US" i="1" dirty="0" err="1"/>
+              <a:t>stat.h</a:t>
+            </a:r>
+            <a:r>
+              <a:rPr lang="en-US" i="1" dirty="0"/>
+              <a:t>&gt;</a:t>
+            </a:r>
+          </a:p>
+          <a:p>
+            <a:r>
+              <a:rPr lang="en-US" i="1" dirty="0" err="1"/>
+              <a:t>int</a:t>
+            </a:r>
+            <a:r>
+              <a:rPr lang="en-US" i="1" dirty="0"/>
+              <a:t> </a:t>
+            </a:r>
+            <a:r>
+              <a:rPr lang="en-US" i="1" dirty="0" err="1"/>
+              <a:t>mkdir</a:t>
+            </a:r>
+            <a:r>
+              <a:rPr lang="en-US" i="1" dirty="0"/>
+              <a:t>(</a:t>
+            </a:r>
+            <a:r>
+              <a:rPr lang="en-US" i="1" dirty="0" err="1"/>
+              <a:t>const</a:t>
+            </a:r>
+            <a:r>
+              <a:rPr lang="en-US" i="1" dirty="0"/>
+              <a:t> char *</a:t>
+            </a:r>
+            <a:r>
+              <a:rPr lang="en-US" i="1" dirty="0" smtClean="0"/>
+              <a:t>pathname, </a:t>
+            </a:r>
+            <a:r>
+              <a:rPr lang="en-US" i="1" dirty="0" err="1" smtClean="0"/>
+              <a:t>mode_t</a:t>
+            </a:r>
+            <a:r>
+              <a:rPr lang="en-US" i="1" dirty="0" smtClean="0"/>
+              <a:t> mode</a:t>
+            </a:r>
+            <a:r>
+              <a:rPr lang="en-US" i="1" dirty="0"/>
+              <a:t>) ;</a:t>
+            </a:r>
+          </a:p>
+          <a:p>
+            <a:r>
+              <a:rPr lang="en-US" i="1" dirty="0" err="1"/>
+              <a:t>int</a:t>
+            </a:r>
+            <a:r>
+              <a:rPr lang="en-US" i="1" dirty="0"/>
+              <a:t> </a:t>
+            </a:r>
+            <a:r>
+              <a:rPr lang="en-US" i="1" dirty="0" err="1"/>
+              <a:t>rmdir</a:t>
+            </a:r>
+            <a:r>
+              <a:rPr lang="en-US" i="1" dirty="0"/>
+              <a:t>(</a:t>
+            </a:r>
+            <a:r>
+              <a:rPr lang="en-US" i="1" dirty="0" err="1"/>
+              <a:t>const</a:t>
+            </a:r>
+            <a:r>
+              <a:rPr lang="en-US" i="1" dirty="0"/>
+              <a:t> char </a:t>
+            </a:r>
+            <a:r>
+              <a:rPr lang="en-US" i="1" dirty="0" smtClean="0"/>
+              <a:t>*</a:t>
+            </a:r>
+            <a:r>
+              <a:rPr lang="en-US" i="1" dirty="0"/>
+              <a:t> </a:t>
+            </a:r>
+            <a:r>
+              <a:rPr lang="en-US" i="1" dirty="0" smtClean="0"/>
+              <a:t>pathname) </a:t>
+            </a:r>
+            <a:r>
+              <a:rPr lang="en-US" i="1" dirty="0"/>
+              <a:t>;</a:t>
+            </a:r>
+          </a:p>
+          <a:p>
+            <a:r>
+              <a:rPr lang="en-US" i="1" dirty="0" err="1"/>
+              <a:t>int</a:t>
+            </a:r>
+            <a:r>
+              <a:rPr lang="en-US" i="1" dirty="0"/>
+              <a:t> </a:t>
+            </a:r>
+            <a:r>
+              <a:rPr lang="en-US" i="1" dirty="0" err="1"/>
+              <a:t>chdir</a:t>
+            </a:r>
+            <a:r>
+              <a:rPr lang="en-US" i="1" dirty="0"/>
+              <a:t>(</a:t>
+            </a:r>
+            <a:r>
+              <a:rPr lang="en-US" i="1" dirty="0" err="1"/>
+              <a:t>const</a:t>
+            </a:r>
+            <a:r>
+              <a:rPr lang="en-US" i="1" dirty="0"/>
+              <a:t> char *</a:t>
+            </a:r>
+            <a:r>
+              <a:rPr lang="en-US" i="1" dirty="0" smtClean="0"/>
+              <a:t>pathname) </a:t>
+            </a:r>
+            <a:r>
+              <a:rPr lang="en-US" i="1" dirty="0"/>
+              <a:t>;</a:t>
+            </a:r>
+            <a:endParaRPr i="1"/>
+          </a:p>
+        </p:txBody>
+      </p:sp>
+    </p:spTree>
+  </p:cSld>
+  <p:clrMapOvr>
+    <a:masterClrMapping/>
+  </p:clrMapOvr>
+  <p:timing>
+    <p:tnLst>
+      <p:par>
+        <p:cTn id="1" dur="indefinite" restart="never" nodeType="tmRoot">
+          <p:childTnLst>
+            <p:seq concurrent="1" nextAc="seek">
+              <p:cTn id="2" dur="indefinite" nodeType="mainSeq">
+                <p:childTnLst>
+                  <p:par>
+                    <p:cTn id="3" fill="hold">
+                      <p:stCondLst>
+                        <p:cond delay="indefinite"/>
+                      </p:stCondLst>
+                      <p:childTnLst>
+                        <p:par>
+                          <p:cTn id="4" fill="hold">
+                            <p:stCondLst>
+                              <p:cond delay="0"/>
+                            </p:stCondLst>
+                            <p:childTnLst>
+                              <p:par>
+                                <p:cTn id="5" presetID="1" presetClass="entr" presetSubtype="0" fill="hold" nodeType="clickEffect">
+                                  <p:stCondLst>
+                                    <p:cond delay="0"/>
+                                  </p:stCondLst>
+                                  <p:childTnLst>
+                                    <p:set>
+                                      <p:cBhvr>
+                                        <p:cTn id="6" dur="1" fill="hold">
+                                          <p:stCondLst>
+                                            <p:cond delay="0"/>
+                                          </p:stCondLst>
+                                        </p:cTn>
+                                        <p:tgtEl>
+                                          <p:spTgt spid="3">
+                                            <p:txEl>
+                                              <p:pRg st="0" end="0"/>
+                                            </p:txEl>
+                                          </p:spTgt>
+                                        </p:tgtEl>
+                                        <p:attrNameLst>
+                                          <p:attrName>style.visibility</p:attrName>
+                                        </p:attrNameLst>
+                                      </p:cBhvr>
+                                      <p:to>
+                                        <p:strVal val="visible"/>
+                                      </p:to>
+                                    </p:set>
+                                  </p:childTnLst>
+                                </p:cTn>
+                              </p:par>
+                              <p:par>
+                                <p:cTn id="7" presetID="1" presetClass="entr" presetSubtype="0" fill="hold" nodeType="withEffect">
+                                  <p:stCondLst>
+                                    <p:cond delay="0"/>
+                                  </p:stCondLst>
+                                  <p:childTnLst>
+                                    <p:set>
+                                      <p:cBhvr>
+                                        <p:cTn id="8" dur="1" fill="hold">
+                                          <p:stCondLst>
+                                            <p:cond delay="0"/>
+                                          </p:stCondLst>
+                                        </p:cTn>
+                                        <p:tgtEl>
+                                          <p:spTgt spid="3">
+                                            <p:txEl>
+                                              <p:pRg st="1" end="1"/>
+                                            </p:txEl>
+                                          </p:spTgt>
+                                        </p:tgtEl>
+                                        <p:attrNameLst>
+                                          <p:attrName>style.visibility</p:attrName>
+                                        </p:attrNameLst>
+                                      </p:cBhvr>
+                                      <p:to>
+                                        <p:strVal val="visible"/>
+                                      </p:to>
+                                    </p:set>
+                                  </p:childTnLst>
+                                </p:cTn>
+                              </p:par>
+                              <p:par>
+                                <p:cTn id="9" presetID="1" presetClass="entr" presetSubtype="0" fill="hold" nodeType="withEffect">
+                                  <p:stCondLst>
+                                    <p:cond delay="0"/>
+                                  </p:stCondLst>
+                                  <p:childTnLst>
+                                    <p:set>
+                                      <p:cBhvr>
+                                        <p:cTn id="10" dur="1" fill="hold">
+                                          <p:stCondLst>
+                                            <p:cond delay="0"/>
+                                          </p:stCondLst>
+                                        </p:cTn>
+                                        <p:tgtEl>
+                                          <p:spTgt spid="3">
+                                            <p:txEl>
+                                              <p:pRg st="2" end="2"/>
+                                            </p:txEl>
+                                          </p:spTgt>
+                                        </p:tgtEl>
+                                        <p:attrNameLst>
+                                          <p:attrName>style.visibility</p:attrName>
+                                        </p:attrNameLst>
+                                      </p:cBhvr>
+                                      <p:to>
+                                        <p:strVal val="visible"/>
+                                      </p:to>
+                                    </p:set>
+                                  </p:childTnLst>
+                                </p:cTn>
+                              </p:par>
+                              <p:par>
+                                <p:cTn id="11" presetID="1" presetClass="entr" presetSubtype="0" fill="hold" nodeType="withEffect">
+                                  <p:stCondLst>
+                                    <p:cond delay="0"/>
+                                  </p:stCondLst>
+                                  <p:childTnLst>
+                                    <p:set>
+                                      <p:cBhvr>
+                                        <p:cTn id="12" dur="1" fill="hold">
+                                          <p:stCondLst>
+                                            <p:cond delay="0"/>
+                                          </p:stCondLst>
+                                        </p:cTn>
+                                        <p:tgtEl>
+                                          <p:spTgt spid="3">
+                                            <p:txEl>
+                                              <p:pRg st="3" end="3"/>
+                                            </p:txEl>
+                                          </p:spTgt>
+                                        </p:tgtEl>
+                                        <p:attrNameLst>
+                                          <p:attrName>style.visibility</p:attrName>
+                                        </p:attrNameLst>
+                                      </p:cBhvr>
+                                      <p:to>
+                                        <p:strVal val="visible"/>
+                                      </p:to>
+                                    </p:set>
+                                  </p:childTnLst>
+                                </p:cTn>
+                              </p:par>
+                              <p:par>
+                                <p:cTn id="13" presetID="1" presetClass="entr" presetSubtype="0" fill="hold" nodeType="withEffect">
+                                  <p:stCondLst>
+                                    <p:cond delay="0"/>
+                                  </p:stCondLst>
+                                  <p:childTnLst>
+                                    <p:set>
+                                      <p:cBhvr>
+                                        <p:cTn id="14" dur="1" fill="hold">
+                                          <p:stCondLst>
+                                            <p:cond delay="0"/>
+                                          </p:stCondLst>
+                                        </p:cTn>
+                                        <p:tgtEl>
+                                          <p:spTgt spid="3">
+                                            <p:txEl>
+                                              <p:pRg st="4" end="4"/>
+                                            </p:txEl>
+                                          </p:spTgt>
+                                        </p:tgtEl>
+                                        <p:attrNameLst>
+                                          <p:attrName>style.visibility</p:attrName>
+                                        </p:attrNameLst>
+                                      </p:cBhvr>
+                                      <p:to>
+                                        <p:strVal val="visible"/>
+                                      </p:to>
+                                    </p:set>
+                                  </p:childTnLst>
+                                </p:cTn>
+                              </p:par>
+                            </p:childTnLst>
+                          </p:cTn>
+                        </p:par>
+                      </p:childTnLst>
+                    </p:cTn>
+                  </p:par>
+                </p:childTnLst>
+              </p:cTn>
+              <p:prevCondLst>
+                <p:cond evt="onPrev" delay="0">
+                  <p:tgtEl>
+                    <p:sldTgt/>
+                  </p:tgtEl>
+                </p:cond>
+              </p:prevCondLst>
+              <p:nextCondLst>
+                <p:cond evt="onNext" delay="0">
+                  <p:tgtEl>
+                    <p:sldTgt/>
+                  </p:tgtEl>
+                </p:cond>
+              </p:nextCondLst>
+            </p:seq>
+          </p:childTnLst>
+        </p:cTn>
+      </p:par>
+    </p:tnLst>
+  </p:timing>
+</p:sld>
+</file>
+
+<file path=ppt/slides/slide26.xml><?xml version="1.0" encoding="utf-8"?>
+<p:sld xmlns:a="http://schemas.openxmlformats.org/drawingml/2006/main" xmlns:r="http://schemas.openxmlformats.org/officeDocument/2006/relationships" xmlns:p="http://schemas.openxmlformats.org/presentationml/2006/main">
+  <p:cSld>
+    <p:spTree>
+      <p:nvGrpSpPr>
+        <p:cNvPr id="1" name=""/>
+        <p:cNvGrpSpPr/>
+        <p:nvPr/>
+      </p:nvGrpSpPr>
+      <p:grpSpPr>
+        <a:xfrm>
+          <a:off x="0" y="0"/>
+          <a:ext cx="0" cy="0"/>
+          <a:chOff x="0" y="0"/>
+          <a:chExt cx="0" cy="0"/>
+        </a:xfrm>
+      </p:grpSpPr>
+      <p:sp>
+        <p:nvSpPr>
+          <p:cNvPr id="2" name="Title 1"/>
+          <p:cNvSpPr>
+            <a:spLocks noGrp="1"/>
+          </p:cNvSpPr>
+          <p:nvPr>
+            <p:ph type="title"/>
+          </p:nvPr>
+        </p:nvSpPr>
+        <p:spPr/>
+        <p:txBody>
+          <a:bodyPr/>
+          <a:lstStyle/>
+          <a:p>
+            <a:endParaRPr lang="en-US"/>
+          </a:p>
+        </p:txBody>
+      </p:sp>
+      <p:sp>
+        <p:nvSpPr>
+          <p:cNvPr id="3" name="Content Placeholder 2"/>
+          <p:cNvSpPr>
+            <a:spLocks noGrp="1"/>
+          </p:cNvSpPr>
+          <p:nvPr>
+            <p:ph idx="1"/>
+          </p:nvPr>
+        </p:nvSpPr>
+        <p:spPr/>
+        <p:txBody>
+          <a:bodyPr/>
+          <a:lstStyle/>
+          <a:p>
+            <a:r>
+              <a:rPr lang="x-none" altLang="en-US" dirty="0"/>
+              <a:t>读目录</a:t>
+            </a:r>
+          </a:p>
+          <a:p>
+            <a:r>
+              <a:rPr lang="x-none" altLang="en-US" sz="2400" i="1" dirty="0"/>
+              <a:t>#include &lt;sys/types.h&gt;</a:t>
+            </a:r>
+          </a:p>
+          <a:p>
+            <a:r>
+              <a:rPr lang="x-none" altLang="en-US" sz="2400" i="1" dirty="0"/>
+              <a:t>#include &lt;dirent.h&gt;</a:t>
+            </a:r>
+          </a:p>
+          <a:p>
+            <a:r>
+              <a:rPr lang="x-none" altLang="en-US" sz="2400" i="1" dirty="0"/>
+              <a:t>DIR *opendir(const char * pathname) ;</a:t>
+            </a:r>
+          </a:p>
+          <a:p>
+            <a:r>
+              <a:rPr lang="x-none" altLang="en-US" sz="2400" i="1" dirty="0"/>
+              <a:t>struct dirent *readdir(DIR *dp) ;</a:t>
+            </a:r>
+          </a:p>
+          <a:p>
+            <a:r>
+              <a:rPr lang="x-none" altLang="en-US" sz="2400" i="1" dirty="0"/>
+              <a:t>void rewinddir(DIR *dp) ;</a:t>
+            </a:r>
+          </a:p>
+          <a:p>
+            <a:r>
+              <a:rPr lang="x-none" altLang="en-US" sz="2400" i="1" dirty="0"/>
+              <a:t>int closedir(DIR *dp) ;</a:t>
+            </a:r>
+          </a:p>
+        </p:txBody>
+      </p:sp>
+    </p:spTree>
+  </p:cSld>
+  <p:clrMapOvr>
+    <a:masterClrMapping/>
+  </p:clrMapOvr>
+  <p:timing>
+    <p:tnLst>
+      <p:par>
+        <p:cTn id="1" dur="indefinite" restart="never" nodeType="tmRoot">
+          <p:childTnLst>
+            <p:seq concurrent="1" nextAc="seek">
+              <p:cTn id="2" dur="indefinite" nodeType="mainSeq">
+                <p:childTnLst>
+                  <p:par>
+                    <p:cTn id="3" fill="hold">
+                      <p:stCondLst>
+                        <p:cond delay="indefinite"/>
+                      </p:stCondLst>
+                      <p:childTnLst>
+                        <p:par>
+                          <p:cTn id="4" fill="hold">
+                            <p:stCondLst>
+                              <p:cond delay="0"/>
+                            </p:stCondLst>
+                            <p:childTnLst>
+                              <p:par>
+                                <p:cTn id="5" presetID="1" presetClass="entr" presetSubtype="0" fill="hold" nodeType="clickEffect">
+                                  <p:stCondLst>
+                                    <p:cond delay="0"/>
+                                  </p:stCondLst>
+                                  <p:childTnLst>
+                                    <p:set>
+                                      <p:cBhvr>
+                                        <p:cTn id="6" dur="1" fill="hold">
+                                          <p:stCondLst>
+                                            <p:cond delay="0"/>
+                                          </p:stCondLst>
+                                        </p:cTn>
+                                        <p:tgtEl>
+                                          <p:spTgt spid="3">
+                                            <p:txEl>
+                                              <p:pRg st="0" end="0"/>
+                                            </p:txEl>
+                                          </p:spTgt>
+                                        </p:tgtEl>
+                                        <p:attrNameLst>
+                                          <p:attrName>style.visibility</p:attrName>
+                                        </p:attrNameLst>
+                                      </p:cBhvr>
+                                      <p:to>
+                                        <p:strVal val="visible"/>
+                                      </p:to>
+                                    </p:set>
+                                  </p:childTnLst>
+                                </p:cTn>
+                              </p:par>
+                            </p:childTnLst>
+                          </p:cTn>
+                        </p:par>
+                      </p:childTnLst>
+                    </p:cTn>
+                  </p:par>
+                  <p:par>
+                    <p:cTn id="7" fill="hold">
+                      <p:stCondLst>
+                        <p:cond delay="indefinite"/>
+                      </p:stCondLst>
+                      <p:childTnLst>
+                        <p:par>
+                          <p:cTn id="8" fill="hold">
+                            <p:stCondLst>
+                              <p:cond delay="0"/>
+                            </p:stCondLst>
+                            <p:childTnLst>
+                              <p:par>
+                                <p:cTn id="9" presetID="1" presetClass="entr" presetSubtype="0" fill="hold" nodeType="clickEffect">
+                                  <p:stCondLst>
+                                    <p:cond delay="0"/>
+                                  </p:stCondLst>
+                                  <p:childTnLst>
+                                    <p:set>
+                                      <p:cBhvr>
+                                        <p:cTn id="10" dur="1" fill="hold">
+                                          <p:stCondLst>
+                                            <p:cond delay="0"/>
+                                          </p:stCondLst>
+                                        </p:cTn>
+                                        <p:tgtEl>
+                                          <p:spTgt spid="3">
+                                            <p:txEl>
+                                              <p:pRg st="1" end="1"/>
+                                            </p:txEl>
+                                          </p:spTgt>
+                                        </p:tgtEl>
+                                        <p:attrNameLst>
+                                          <p:attrName>style.visibility</p:attrName>
+                                        </p:attrNameLst>
+                                      </p:cBhvr>
+                                      <p:to>
+                                        <p:strVal val="visible"/>
+                                      </p:to>
+                                    </p:set>
+                                  </p:childTnLst>
+                                </p:cTn>
+                              </p:par>
+                              <p:par>
+                                <p:cTn id="11" presetID="1" presetClass="entr" presetSubtype="0" fill="hold" nodeType="withEffect">
+                                  <p:stCondLst>
+                                    <p:cond delay="0"/>
+                                  </p:stCondLst>
+                                  <p:childTnLst>
+                                    <p:set>
+                                      <p:cBhvr>
+                                        <p:cTn id="12" dur="1" fill="hold">
+                                          <p:stCondLst>
+                                            <p:cond delay="0"/>
+                                          </p:stCondLst>
+                                        </p:cTn>
+                                        <p:tgtEl>
+                                          <p:spTgt spid="3">
+                                            <p:txEl>
+                                              <p:pRg st="2" end="2"/>
+                                            </p:txEl>
+                                          </p:spTgt>
+                                        </p:tgtEl>
+                                        <p:attrNameLst>
+                                          <p:attrName>style.visibility</p:attrName>
+                                        </p:attrNameLst>
+                                      </p:cBhvr>
+                                      <p:to>
+                                        <p:strVal val="visible"/>
+                                      </p:to>
+                                    </p:set>
+                                  </p:childTnLst>
+                                </p:cTn>
+                              </p:par>
+                              <p:par>
+                                <p:cTn id="13" presetID="1" presetClass="entr" presetSubtype="0" fill="hold" nodeType="withEffect">
+                                  <p:stCondLst>
+                                    <p:cond delay="0"/>
+                                  </p:stCondLst>
+                                  <p:childTnLst>
+                                    <p:set>
+                                      <p:cBhvr>
+                                        <p:cTn id="14" dur="1" fill="hold">
+                                          <p:stCondLst>
+                                            <p:cond delay="0"/>
+                                          </p:stCondLst>
+                                        </p:cTn>
+                                        <p:tgtEl>
+                                          <p:spTgt spid="3">
+                                            <p:txEl>
+                                              <p:pRg st="3" end="3"/>
+                                            </p:txEl>
+                                          </p:spTgt>
+                                        </p:tgtEl>
+                                        <p:attrNameLst>
+                                          <p:attrName>style.visibility</p:attrName>
+                                        </p:attrNameLst>
+                                      </p:cBhvr>
+                                      <p:to>
+                                        <p:strVal val="visible"/>
+                                      </p:to>
+                                    </p:set>
+                                  </p:childTnLst>
+                                </p:cTn>
+                              </p:par>
+                              <p:par>
+                                <p:cTn id="15" presetID="1" presetClass="entr" presetSubtype="0" fill="hold" nodeType="withEffect">
+                                  <p:stCondLst>
+                                    <p:cond delay="0"/>
+                                  </p:stCondLst>
+                                  <p:childTnLst>
+                                    <p:set>
+                                      <p:cBhvr>
+                                        <p:cTn id="16" dur="1" fill="hold">
+                                          <p:stCondLst>
+                                            <p:cond delay="0"/>
+                                          </p:stCondLst>
+                                        </p:cTn>
+                                        <p:tgtEl>
+                                          <p:spTgt spid="3">
+                                            <p:txEl>
+                                              <p:pRg st="4" end="4"/>
+                                            </p:txEl>
+                                          </p:spTgt>
+                                        </p:tgtEl>
+                                        <p:attrNameLst>
+                                          <p:attrName>style.visibility</p:attrName>
+                                        </p:attrNameLst>
+                                      </p:cBhvr>
+                                      <p:to>
+                                        <p:strVal val="visible"/>
+                                      </p:to>
+                                    </p:set>
+                                  </p:childTnLst>
+                                </p:cTn>
+                              </p:par>
+                              <p:par>
+                                <p:cTn id="17" presetID="1" presetClass="entr" presetSubtype="0" fill="hold" nodeType="withEffect">
+                                  <p:stCondLst>
+                                    <p:cond delay="0"/>
+                                  </p:stCondLst>
+                                  <p:childTnLst>
+                                    <p:set>
+                                      <p:cBhvr>
+                                        <p:cTn id="18" dur="1" fill="hold">
+                                          <p:stCondLst>
+                                            <p:cond delay="0"/>
+                                          </p:stCondLst>
+                                        </p:cTn>
+                                        <p:tgtEl>
+                                          <p:spTgt spid="3">
+                                            <p:txEl>
+                                              <p:pRg st="5" end="5"/>
+                                            </p:txEl>
+                                          </p:spTgt>
+                                        </p:tgtEl>
+                                        <p:attrNameLst>
+                                          <p:attrName>style.visibility</p:attrName>
+                                        </p:attrNameLst>
+                                      </p:cBhvr>
+                                      <p:to>
+                                        <p:strVal val="visible"/>
+                                      </p:to>
+                                    </p:set>
+                                  </p:childTnLst>
+                                </p:cTn>
+                              </p:par>
+                              <p:par>
+                                <p:cTn id="19" presetID="1" presetClass="entr" presetSubtype="0" fill="hold" nodeType="withEffect">
+                                  <p:stCondLst>
+                                    <p:cond delay="0"/>
+                                  </p:stCondLst>
+                                  <p:childTnLst>
+                                    <p:set>
+                                      <p:cBhvr>
+                                        <p:cTn id="20" dur="1" fill="hold">
+                                          <p:stCondLst>
+                                            <p:cond delay="0"/>
+                                          </p:stCondLst>
+                                        </p:cTn>
+                                        <p:tgtEl>
+                                          <p:spTgt spid="3">
+                                            <p:txEl>
+                                              <p:pRg st="6" end="6"/>
+                                            </p:txEl>
+                                          </p:spTgt>
+                                        </p:tgtEl>
+                                        <p:attrNameLst>
+                                          <p:attrName>style.visibility</p:attrName>
+                                        </p:attrNameLst>
+                                      </p:cBhvr>
+                                      <p:to>
+                                        <p:strVal val="visible"/>
+                                      </p:to>
+                                    </p:set>
+                                  </p:childTnLst>
+                                </p:cTn>
+                              </p:par>
+                            </p:childTnLst>
+                          </p:cTn>
+                        </p:par>
+                      </p:childTnLst>
+                    </p:cTn>
+                  </p:par>
+                </p:childTnLst>
+              </p:cTn>
+              <p:prevCondLst>
+                <p:cond evt="onPrev" delay="0">
+                  <p:tgtEl>
+                    <p:sldTgt/>
+                  </p:tgtEl>
+                </p:cond>
+              </p:prevCondLst>
+              <p:nextCondLst>
+                <p:cond evt="onNext" delay="0">
+                  <p:tgtEl>
+                    <p:sldTgt/>
+                  </p:tgtEl>
+                </p:cond>
+              </p:nextCondLst>
+            </p:seq>
+          </p:childTnLst>
+        </p:cTn>
+      </p:par>
+    </p:tnLst>
+  </p:timing>
+</p:sld>
+</file>
+
+<file path=ppt/slides/slide27.xml><?xml version="1.0" encoding="utf-8"?>
+<p:sld xmlns:a="http://schemas.openxmlformats.org/drawingml/2006/main" xmlns:r="http://schemas.openxmlformats.org/officeDocument/2006/relationships" xmlns:p="http://schemas.openxmlformats.org/presentationml/2006/main">
+  <p:cSld>
+    <p:spTree>
+      <p:nvGrpSpPr>
+        <p:cNvPr id="1" name=""/>
+        <p:cNvGrpSpPr/>
+        <p:nvPr/>
+      </p:nvGrpSpPr>
+      <p:grpSpPr>
+        <a:xfrm>
+          <a:off x="0" y="0"/>
+          <a:ext cx="0" cy="0"/>
+          <a:chOff x="0" y="0"/>
+          <a:chExt cx="0" cy="0"/>
+        </a:xfrm>
+      </p:grpSpPr>
+      <p:sp>
+        <p:nvSpPr>
+          <p:cNvPr id="2" name="Title 1"/>
+          <p:cNvSpPr>
+            <a:spLocks noGrp="1"/>
+          </p:cNvSpPr>
+          <p:nvPr>
+            <p:ph type="title"/>
+          </p:nvPr>
+        </p:nvSpPr>
+        <p:spPr/>
+        <p:txBody>
+          <a:bodyPr/>
+          <a:lstStyle/>
+          <a:p>
+            <a:endParaRPr lang="en-US"/>
+          </a:p>
+        </p:txBody>
+      </p:sp>
+      <p:sp>
+        <p:nvSpPr>
+          <p:cNvPr id="3" name="Content Placeholder 2"/>
+          <p:cNvSpPr>
+            <a:spLocks noGrp="1"/>
+          </p:cNvSpPr>
+          <p:nvPr>
+            <p:ph idx="1"/>
+          </p:nvPr>
+        </p:nvSpPr>
+        <p:spPr/>
+        <p:txBody>
+          <a:bodyPr/>
+          <a:lstStyle/>
+          <a:p>
+            <a:r>
+              <a:rPr lang="en-US" sz="2000" i="1" dirty="0" err="1"/>
+              <a:t>struct</a:t>
+            </a:r>
+            <a:r>
+              <a:rPr lang="en-US" sz="2000" i="1" dirty="0"/>
+              <a:t> </a:t>
+            </a:r>
+            <a:r>
+              <a:rPr lang="en-US" sz="2000" i="1" dirty="0" err="1"/>
+              <a:t>dirent</a:t>
+            </a:r>
+            <a:r>
+              <a:rPr lang="en-US" sz="2000" i="1" dirty="0"/>
+              <a:t> {</a:t>
+            </a:r>
+          </a:p>
+          <a:p>
+            <a:pPr marL="457200" lvl="1" indent="0">
+              <a:buNone/>
+            </a:pPr>
+            <a:r>
+              <a:rPr lang="en-US" sz="1750" i="1" dirty="0" err="1"/>
+              <a:t>ino_t</a:t>
+            </a:r>
+            <a:r>
+              <a:rPr lang="en-US" sz="1750" i="1" dirty="0"/>
+              <a:t> </a:t>
+            </a:r>
+            <a:r>
+              <a:rPr lang="en-US" sz="1750" i="1" dirty="0" err="1"/>
+              <a:t>d_ino</a:t>
+            </a:r>
+            <a:r>
+              <a:rPr lang="en-US" sz="1750" i="1" dirty="0"/>
+              <a:t>; /*i-node number*/</a:t>
+            </a:r>
+          </a:p>
+          <a:p>
+            <a:pPr marL="457200" lvl="1" indent="0">
+              <a:buNone/>
+            </a:pPr>
+            <a:r>
+              <a:rPr lang="en-US" sz="1750" i="1" dirty="0"/>
+              <a:t>char </a:t>
+            </a:r>
+            <a:r>
+              <a:rPr lang="en-US" sz="1750" i="1" dirty="0" err="1"/>
+              <a:t>d_name</a:t>
+            </a:r>
+            <a:r>
+              <a:rPr lang="en-US" sz="1750" i="1" dirty="0"/>
+              <a:t> </a:t>
+            </a:r>
+            <a:r>
+              <a:rPr lang="x-none" altLang="en-US" sz="1750" i="1" dirty="0"/>
+              <a:t>[</a:t>
+            </a:r>
+            <a:r>
+              <a:rPr lang="en-US" sz="1750" i="1" dirty="0"/>
+              <a:t>NAME_MAX + 1</a:t>
+            </a:r>
+            <a:r>
+              <a:rPr lang="x-none" altLang="en-US" sz="1750" i="1" dirty="0"/>
+              <a:t>]</a:t>
+            </a:r>
+            <a:r>
+              <a:rPr lang="en-US" sz="1750" i="1" dirty="0"/>
+              <a:t> ; /*null-terminated filename*/</a:t>
+            </a:r>
+          </a:p>
+          <a:p>
+            <a:r>
+              <a:rPr lang="en-US" sz="2000" i="1" dirty="0"/>
+              <a:t>}</a:t>
+            </a:r>
+          </a:p>
+          <a:p>
+            <a:endParaRPr lang="en-US" sz="2000" i="1" dirty="0"/>
+          </a:p>
+          <a:p>
+            <a:endParaRPr lang="en-US" sz="2000" i="1" dirty="0"/>
+          </a:p>
+          <a:p>
+            <a:r>
+              <a:rPr lang="x-none" altLang="en-US" sz="2000" i="1" dirty="0"/>
+              <a:t>read_dir.c</a:t>
+            </a:r>
+          </a:p>
+        </p:txBody>
+      </p:sp>
+    </p:spTree>
+  </p:cSld>
+  <p:clrMapOvr>
+    <a:masterClrMapping/>
+  </p:clrMapOvr>
+  <p:timing>
+    <p:tnLst>
+      <p:par>
+        <p:cTn id="1" dur="indefinite" restart="never" nodeType="tmRoot">
+          <p:childTnLst>
+            <p:seq concurrent="1" nextAc="seek">
+              <p:cTn id="2" dur="indefinite" nodeType="mainSeq">
+                <p:childTnLst>
+                  <p:par>
+                    <p:cTn id="3" fill="hold">
+                      <p:stCondLst>
+                        <p:cond delay="indefinite"/>
+                      </p:stCondLst>
+                      <p:childTnLst>
+                        <p:par>
+                          <p:cTn id="4" fill="hold">
+                            <p:stCondLst>
+                              <p:cond delay="0"/>
+                            </p:stCondLst>
+                            <p:childTnLst>
+                              <p:par>
+                                <p:cTn id="5" presetID="1" presetClass="entr" presetSubtype="0" fill="hold" nodeType="clickEffect">
+                                  <p:stCondLst>
+                                    <p:cond delay="0"/>
+                                  </p:stCondLst>
+                                  <p:childTnLst>
+                                    <p:set>
+                                      <p:cBhvr>
+                                        <p:cTn id="6" dur="1" fill="hold">
+                                          <p:stCondLst>
+                                            <p:cond delay="0"/>
+                                          </p:stCondLst>
+                                        </p:cTn>
+                                        <p:tgtEl>
+                                          <p:spTgt spid="3">
+                                            <p:txEl>
+                                              <p:pRg st="0" end="0"/>
+                                            </p:txEl>
+                                          </p:spTgt>
+                                        </p:tgtEl>
+                                        <p:attrNameLst>
+                                          <p:attrName>style.visibility</p:attrName>
+                                        </p:attrNameLst>
+                                      </p:cBhvr>
+                                      <p:to>
+                                        <p:strVal val="visible"/>
+                                      </p:to>
+                                    </p:set>
+                                  </p:childTnLst>
+                                </p:cTn>
+                              </p:par>
+                              <p:par>
+                                <p:cTn id="7" presetID="1" presetClass="entr" presetSubtype="0" fill="hold" nodeType="withEffect">
+                                  <p:stCondLst>
+                                    <p:cond delay="0"/>
+                                  </p:stCondLst>
+                                  <p:childTnLst>
+                                    <p:set>
+                                      <p:cBhvr>
+                                        <p:cTn id="8" dur="1" fill="hold">
+                                          <p:stCondLst>
+                                            <p:cond delay="0"/>
+                                          </p:stCondLst>
+                                        </p:cTn>
+                                        <p:tgtEl>
+                                          <p:spTgt spid="3">
+                                            <p:txEl>
+                                              <p:pRg st="1" end="1"/>
+                                            </p:txEl>
+                                          </p:spTgt>
+                                        </p:tgtEl>
+                                        <p:attrNameLst>
+                                          <p:attrName>style.visibility</p:attrName>
+                                        </p:attrNameLst>
+                                      </p:cBhvr>
+                                      <p:to>
+                                        <p:strVal val="visible"/>
+                                      </p:to>
+                                    </p:set>
+                                  </p:childTnLst>
+                                </p:cTn>
+                              </p:par>
+                              <p:par>
+                                <p:cTn id="9" presetID="1" presetClass="entr" presetSubtype="0" fill="hold" nodeType="withEffect">
+                                  <p:stCondLst>
+                                    <p:cond delay="0"/>
+                                  </p:stCondLst>
+                                  <p:childTnLst>
+                                    <p:set>
+                                      <p:cBhvr>
+                                        <p:cTn id="10" dur="1" fill="hold">
+                                          <p:stCondLst>
+                                            <p:cond delay="0"/>
+                                          </p:stCondLst>
+                                        </p:cTn>
+                                        <p:tgtEl>
+                                          <p:spTgt spid="3">
+                                            <p:txEl>
+                                              <p:pRg st="2" end="2"/>
+                                            </p:txEl>
+                                          </p:spTgt>
+                                        </p:tgtEl>
+                                        <p:attrNameLst>
+                                          <p:attrName>style.visibility</p:attrName>
+                                        </p:attrNameLst>
+                                      </p:cBhvr>
+                                      <p:to>
+                                        <p:strVal val="visible"/>
+                                      </p:to>
+                                    </p:set>
+                                  </p:childTnLst>
+                                </p:cTn>
+                              </p:par>
+                              <p:par>
+                                <p:cTn id="11" presetID="1" presetClass="entr" presetSubtype="0" fill="hold" nodeType="withEffect">
+                                  <p:stCondLst>
+                                    <p:cond delay="0"/>
+                                  </p:stCondLst>
+                                  <p:childTnLst>
+                                    <p:set>
+                                      <p:cBhvr>
+                                        <p:cTn id="12" dur="1" fill="hold">
+                                          <p:stCondLst>
+                                            <p:cond delay="0"/>
+                                          </p:stCondLst>
+                                        </p:cTn>
+                                        <p:tgtEl>
+                                          <p:spTgt spid="3">
+                                            <p:txEl>
+                                              <p:pRg st="3" end="3"/>
+                                            </p:txEl>
+                                          </p:spTgt>
+                                        </p:tgtEl>
+                                        <p:attrNameLst>
+                                          <p:attrName>style.visibility</p:attrName>
+                                        </p:attrNameLst>
+                                      </p:cBhvr>
+                                      <p:to>
+                                        <p:strVal val="visible"/>
+                                      </p:to>
+                                    </p:set>
+                                  </p:childTnLst>
+                                </p:cTn>
+                              </p:par>
+                            </p:childTnLst>
+                          </p:cTn>
+                        </p:par>
+                      </p:childTnLst>
+                    </p:cTn>
+                  </p:par>
+                  <p:par>
+                    <p:cTn id="13" fill="hold">
+                      <p:stCondLst>
+                        <p:cond delay="indefinite"/>
+                      </p:stCondLst>
+                      <p:childTnLst>
+                        <p:par>
+                          <p:cTn id="14" fill="hold">
+                            <p:stCondLst>
+                              <p:cond delay="0"/>
+                            </p:stCondLst>
+                            <p:childTnLst>
+                              <p:par>
+                                <p:cTn id="15" presetID="1" presetClass="entr" presetSubtype="0" fill="hold" nodeType="clickEffect">
+                                  <p:stCondLst>
+                                    <p:cond delay="0"/>
+                                  </p:stCondLst>
+                                  <p:childTnLst>
+                                    <p:set>
+                                      <p:cBhvr>
+                                        <p:cTn id="16" dur="1" fill="hold">
+                                          <p:stCondLst>
+                                            <p:cond delay="0"/>
+                                          </p:stCondLst>
+                                        </p:cTn>
+                                        <p:tgtEl>
+                                          <p:spTgt spid="3">
+                                            <p:txEl>
+                                              <p:pRg st="6" end="6"/>
+                                            </p:txEl>
+                                          </p:spTgt>
+                                        </p:tgtEl>
+                                        <p:attrNameLst>
+                                          <p:attrName>style.visibility</p:attrName>
+                                        </p:attrNameLst>
+                                      </p:cBhvr>
+                                      <p:to>
+                                        <p:strVal val="visible"/>
+                                      </p:to>
+                                    </p:set>
+                                  </p:childTnLst>
+                                </p:cTn>
+                              </p:par>
+                            </p:childTnLst>
+                          </p:cTn>
+                        </p:par>
+                      </p:childTnLst>
+                    </p:cTn>
+                  </p:par>
+                </p:childTnLst>
+              </p:cTn>
+              <p:prevCondLst>
+                <p:cond evt="onPrev" delay="0">
+                  <p:tgtEl>
+                    <p:sldTgt/>
+                  </p:tgtEl>
+                </p:cond>
+              </p:prevCondLst>
+              <p:nextCondLst>
+                <p:cond evt="onNext" delay="0">
+                  <p:tgtEl>
+                    <p:sldTgt/>
+                  </p:tgtEl>
+                </p:cond>
+              </p:nextCondLst>
+            </p:seq>
+          </p:childTnLst>
+        </p:cTn>
+      </p:par>
+    </p:tnLst>
+  </p:timing>
+</p:sld>
+</file>
+
+<file path=ppt/slides/slide28.xml><?xml version="1.0" encoding="utf-8"?>
 <p:sld xmlns:a="http://schemas.openxmlformats.org/drawingml/2006/main" xmlns:r="http://schemas.openxmlformats.org/officeDocument/2006/relationships" xmlns:p="http://schemas.openxmlformats.org/presentationml/2006/main">
   <p:cSld>
     <p:spTree>
@@ -7709,18 +12097,87 @@
         </p:nvSpPr>
         <p:spPr/>
         <p:txBody>
-          <a:bodyPr/>
+          <a:bodyPr>
+            <a:normAutofit fontScale="77500" lnSpcReduction="20000"/>
+          </a:bodyPr>
           <a:lstStyle/>
           <a:p>
             <a:r>
-              <a:rPr lang="en-US" dirty="0" err="1"/>
-              <a:t>f</a:t>
-            </a:r>
-            <a:r>
-              <a:rPr lang="en-US" dirty="0" err="1" smtClean="0"/>
-              <a:t>ork函数</a:t>
+              <a:rPr lang="x-none" altLang="en-US" dirty="0" err="1" smtClean="0"/>
+              <a:t>进程</a:t>
+            </a:r>
+          </a:p>
+          <a:p>
+            <a:r>
+              <a:rPr lang="x-none" altLang="en-US" dirty="0" err="1" smtClean="0"/>
+              <a:t>每个进程都有一个非负整型的唯一进程ID。</a:t>
+            </a:r>
+          </a:p>
+          <a:p>
+            <a:r>
+              <a:rPr lang="x-none" altLang="en-US" dirty="0" smtClean="0"/>
+              <a:t>进程ID 1通常是init进程，在自举过程结束时由内核调用</a:t>
+            </a:r>
+          </a:p>
+          <a:p>
+            <a:r>
+              <a:rPr lang="x-none" altLang="en-US" dirty="0" err="1" smtClean="0"/>
+              <a:t>init成为所有孤儿进程的父进程。</a:t>
             </a:r>
             <a:endParaRPr lang="en-US" dirty="0"/>
+          </a:p>
+          <a:p>
+            <a:r>
+              <a:rPr lang="en-US" i="1" dirty="0"/>
+              <a:t>pid_t getpid(void);   返回：调用进程的进程ID</a:t>
+            </a:r>
+          </a:p>
+          <a:p>
+            <a:r>
+              <a:rPr lang="en-US" i="1" dirty="0"/>
+              <a:t>pid_t getppid(void); 返回：调用进程的父进程ID</a:t>
+            </a:r>
+          </a:p>
+          <a:p>
+            <a:r>
+              <a:rPr lang="en-US" i="1" dirty="0"/>
+              <a:t>uid_t getuid(void);   返回：调用进程的实际用户ID</a:t>
+            </a:r>
+          </a:p>
+          <a:p>
+            <a:r>
+              <a:rPr lang="en-US" i="1" dirty="0"/>
+              <a:t>gid_t getgid(void);   返回：调用进程的实际组</a:t>
+            </a:r>
+            <a:r>
+              <a:rPr lang="x-none" altLang="en-US" i="1" dirty="0"/>
+              <a:t>I</a:t>
+            </a:r>
+            <a:r>
+              <a:rPr lang="en-US" i="1" dirty="0"/>
+              <a:t>D</a:t>
+            </a:r>
+          </a:p>
+          <a:p>
+            <a:endParaRPr lang="en-US" i="1" dirty="0"/>
+          </a:p>
+          <a:p>
+            <a:r>
+              <a:rPr lang="x-none" altLang="en-US" i="1" dirty="0"/>
+              <a:t>id</a:t>
+            </a:r>
+          </a:p>
+          <a:p>
+            <a:r>
+              <a:rPr lang="x-none" altLang="en-US" i="1" dirty="0"/>
+              <a:t>id.c</a:t>
+            </a:r>
+          </a:p>
+          <a:p>
+            <a:pPr marL="0" indent="0">
+              <a:buNone/>
+            </a:pPr>
+            <a:endParaRPr lang="en-US" i="1" dirty="0"/>
           </a:p>
         </p:txBody>
       </p:sp>
@@ -7732,14 +12189,437 @@
   <p:timing>
     <p:tnLst>
       <p:par>
-        <p:cTn id="1" dur="indefinite" restart="never" nodeType="tmRoot"/>
+        <p:cTn id="1" dur="indefinite" restart="never" nodeType="tmRoot">
+          <p:childTnLst>
+            <p:seq concurrent="1" nextAc="seek">
+              <p:cTn id="2" dur="indefinite" nodeType="mainSeq">
+                <p:childTnLst>
+                  <p:par>
+                    <p:cTn id="3" fill="hold">
+                      <p:stCondLst>
+                        <p:cond delay="indefinite"/>
+                      </p:stCondLst>
+                      <p:childTnLst>
+                        <p:par>
+                          <p:cTn id="4" fill="hold">
+                            <p:stCondLst>
+                              <p:cond delay="0"/>
+                            </p:stCondLst>
+                            <p:childTnLst>
+                              <p:par>
+                                <p:cTn id="5" presetID="1" presetClass="entr" presetSubtype="0" fill="hold" nodeType="clickEffect">
+                                  <p:stCondLst>
+                                    <p:cond delay="0"/>
+                                  </p:stCondLst>
+                                  <p:childTnLst>
+                                    <p:set>
+                                      <p:cBhvr>
+                                        <p:cTn id="6" dur="1" fill="hold">
+                                          <p:stCondLst>
+                                            <p:cond delay="0"/>
+                                          </p:stCondLst>
+                                        </p:cTn>
+                                        <p:tgtEl>
+                                          <p:spTgt spid="3">
+                                            <p:txEl>
+                                              <p:pRg st="0" end="0"/>
+                                            </p:txEl>
+                                          </p:spTgt>
+                                        </p:tgtEl>
+                                        <p:attrNameLst>
+                                          <p:attrName>style.visibility</p:attrName>
+                                        </p:attrNameLst>
+                                      </p:cBhvr>
+                                      <p:to>
+                                        <p:strVal val="visible"/>
+                                      </p:to>
+                                    </p:set>
+                                  </p:childTnLst>
+                                </p:cTn>
+                              </p:par>
+                            </p:childTnLst>
+                          </p:cTn>
+                        </p:par>
+                      </p:childTnLst>
+                    </p:cTn>
+                  </p:par>
+                  <p:par>
+                    <p:cTn id="7" fill="hold">
+                      <p:stCondLst>
+                        <p:cond delay="indefinite"/>
+                      </p:stCondLst>
+                      <p:childTnLst>
+                        <p:par>
+                          <p:cTn id="8" fill="hold">
+                            <p:stCondLst>
+                              <p:cond delay="0"/>
+                            </p:stCondLst>
+                            <p:childTnLst>
+                              <p:par>
+                                <p:cTn id="9" presetID="1" presetClass="entr" presetSubtype="0" fill="hold" nodeType="clickEffect">
+                                  <p:stCondLst>
+                                    <p:cond delay="0"/>
+                                  </p:stCondLst>
+                                  <p:childTnLst>
+                                    <p:set>
+                                      <p:cBhvr>
+                                        <p:cTn id="10" dur="1" fill="hold">
+                                          <p:stCondLst>
+                                            <p:cond delay="0"/>
+                                          </p:stCondLst>
+                                        </p:cTn>
+                                        <p:tgtEl>
+                                          <p:spTgt spid="3">
+                                            <p:txEl>
+                                              <p:pRg st="1" end="1"/>
+                                            </p:txEl>
+                                          </p:spTgt>
+                                        </p:tgtEl>
+                                        <p:attrNameLst>
+                                          <p:attrName>style.visibility</p:attrName>
+                                        </p:attrNameLst>
+                                      </p:cBhvr>
+                                      <p:to>
+                                        <p:strVal val="visible"/>
+                                      </p:to>
+                                    </p:set>
+                                  </p:childTnLst>
+                                </p:cTn>
+                              </p:par>
+                            </p:childTnLst>
+                          </p:cTn>
+                        </p:par>
+                      </p:childTnLst>
+                    </p:cTn>
+                  </p:par>
+                  <p:par>
+                    <p:cTn id="11" fill="hold">
+                      <p:stCondLst>
+                        <p:cond delay="indefinite"/>
+                      </p:stCondLst>
+                      <p:childTnLst>
+                        <p:par>
+                          <p:cTn id="12" fill="hold">
+                            <p:stCondLst>
+                              <p:cond delay="0"/>
+                            </p:stCondLst>
+                            <p:childTnLst>
+                              <p:par>
+                                <p:cTn id="13" presetID="1" presetClass="entr" presetSubtype="0" fill="hold" nodeType="clickEffect">
+                                  <p:stCondLst>
+                                    <p:cond delay="0"/>
+                                  </p:stCondLst>
+                                  <p:childTnLst>
+                                    <p:set>
+                                      <p:cBhvr>
+                                        <p:cTn id="14" dur="1" fill="hold">
+                                          <p:stCondLst>
+                                            <p:cond delay="0"/>
+                                          </p:stCondLst>
+                                        </p:cTn>
+                                        <p:tgtEl>
+                                          <p:spTgt spid="3">
+                                            <p:txEl>
+                                              <p:pRg st="2" end="2"/>
+                                            </p:txEl>
+                                          </p:spTgt>
+                                        </p:tgtEl>
+                                        <p:attrNameLst>
+                                          <p:attrName>style.visibility</p:attrName>
+                                        </p:attrNameLst>
+                                      </p:cBhvr>
+                                      <p:to>
+                                        <p:strVal val="visible"/>
+                                      </p:to>
+                                    </p:set>
+                                  </p:childTnLst>
+                                </p:cTn>
+                              </p:par>
+                              <p:par>
+                                <p:cTn id="15" presetID="1" presetClass="entr" presetSubtype="0" fill="hold" nodeType="withEffect">
+                                  <p:stCondLst>
+                                    <p:cond delay="0"/>
+                                  </p:stCondLst>
+                                  <p:childTnLst>
+                                    <p:set>
+                                      <p:cBhvr>
+                                        <p:cTn id="16" dur="1" fill="hold">
+                                          <p:stCondLst>
+                                            <p:cond delay="0"/>
+                                          </p:stCondLst>
+                                        </p:cTn>
+                                        <p:tgtEl>
+                                          <p:spTgt spid="3">
+                                            <p:txEl>
+                                              <p:pRg st="3" end="3"/>
+                                            </p:txEl>
+                                          </p:spTgt>
+                                        </p:tgtEl>
+                                        <p:attrNameLst>
+                                          <p:attrName>style.visibility</p:attrName>
+                                        </p:attrNameLst>
+                                      </p:cBhvr>
+                                      <p:to>
+                                        <p:strVal val="visible"/>
+                                      </p:to>
+                                    </p:set>
+                                  </p:childTnLst>
+                                </p:cTn>
+                              </p:par>
+                            </p:childTnLst>
+                          </p:cTn>
+                        </p:par>
+                      </p:childTnLst>
+                    </p:cTn>
+                  </p:par>
+                  <p:par>
+                    <p:cTn id="17" fill="hold">
+                      <p:stCondLst>
+                        <p:cond delay="indefinite"/>
+                      </p:stCondLst>
+                      <p:childTnLst>
+                        <p:par>
+                          <p:cTn id="18" fill="hold">
+                            <p:stCondLst>
+                              <p:cond delay="0"/>
+                            </p:stCondLst>
+                            <p:childTnLst>
+                              <p:par>
+                                <p:cTn id="19" presetID="1" presetClass="entr" presetSubtype="0" fill="hold" nodeType="clickEffect">
+                                  <p:stCondLst>
+                                    <p:cond delay="0"/>
+                                  </p:stCondLst>
+                                  <p:childTnLst>
+                                    <p:set>
+                                      <p:cBhvr>
+                                        <p:cTn id="20" dur="1" fill="hold">
+                                          <p:stCondLst>
+                                            <p:cond delay="0"/>
+                                          </p:stCondLst>
+                                        </p:cTn>
+                                        <p:tgtEl>
+                                          <p:spTgt spid="3">
+                                            <p:txEl>
+                                              <p:pRg st="4" end="4"/>
+                                            </p:txEl>
+                                          </p:spTgt>
+                                        </p:tgtEl>
+                                        <p:attrNameLst>
+                                          <p:attrName>style.visibility</p:attrName>
+                                        </p:attrNameLst>
+                                      </p:cBhvr>
+                                      <p:to>
+                                        <p:strVal val="visible"/>
+                                      </p:to>
+                                    </p:set>
+                                  </p:childTnLst>
+                                </p:cTn>
+                              </p:par>
+                              <p:par>
+                                <p:cTn id="21" presetID="1" presetClass="entr" presetSubtype="0" fill="hold" nodeType="withEffect">
+                                  <p:stCondLst>
+                                    <p:cond delay="0"/>
+                                  </p:stCondLst>
+                                  <p:childTnLst>
+                                    <p:set>
+                                      <p:cBhvr>
+                                        <p:cTn id="22" dur="1" fill="hold">
+                                          <p:stCondLst>
+                                            <p:cond delay="0"/>
+                                          </p:stCondLst>
+                                        </p:cTn>
+                                        <p:tgtEl>
+                                          <p:spTgt spid="3">
+                                            <p:txEl>
+                                              <p:pRg st="5" end="5"/>
+                                            </p:txEl>
+                                          </p:spTgt>
+                                        </p:tgtEl>
+                                        <p:attrNameLst>
+                                          <p:attrName>style.visibility</p:attrName>
+                                        </p:attrNameLst>
+                                      </p:cBhvr>
+                                      <p:to>
+                                        <p:strVal val="visible"/>
+                                      </p:to>
+                                    </p:set>
+                                  </p:childTnLst>
+                                </p:cTn>
+                              </p:par>
+                              <p:par>
+                                <p:cTn id="23" presetID="1" presetClass="entr" presetSubtype="0" fill="hold" nodeType="withEffect">
+                                  <p:stCondLst>
+                                    <p:cond delay="0"/>
+                                  </p:stCondLst>
+                                  <p:childTnLst>
+                                    <p:set>
+                                      <p:cBhvr>
+                                        <p:cTn id="24" dur="1" fill="hold">
+                                          <p:stCondLst>
+                                            <p:cond delay="0"/>
+                                          </p:stCondLst>
+                                        </p:cTn>
+                                        <p:tgtEl>
+                                          <p:spTgt spid="3">
+                                            <p:txEl>
+                                              <p:pRg st="6" end="6"/>
+                                            </p:txEl>
+                                          </p:spTgt>
+                                        </p:tgtEl>
+                                        <p:attrNameLst>
+                                          <p:attrName>style.visibility</p:attrName>
+                                        </p:attrNameLst>
+                                      </p:cBhvr>
+                                      <p:to>
+                                        <p:strVal val="visible"/>
+                                      </p:to>
+                                    </p:set>
+                                  </p:childTnLst>
+                                </p:cTn>
+                              </p:par>
+                              <p:par>
+                                <p:cTn id="25" presetID="1" presetClass="entr" presetSubtype="0" fill="hold" nodeType="withEffect">
+                                  <p:stCondLst>
+                                    <p:cond delay="0"/>
+                                  </p:stCondLst>
+                                  <p:childTnLst>
+                                    <p:set>
+                                      <p:cBhvr>
+                                        <p:cTn id="26" dur="1" fill="hold">
+                                          <p:stCondLst>
+                                            <p:cond delay="0"/>
+                                          </p:stCondLst>
+                                        </p:cTn>
+                                        <p:tgtEl>
+                                          <p:spTgt spid="3">
+                                            <p:txEl>
+                                              <p:pRg st="7" end="7"/>
+                                            </p:txEl>
+                                          </p:spTgt>
+                                        </p:tgtEl>
+                                        <p:attrNameLst>
+                                          <p:attrName>style.visibility</p:attrName>
+                                        </p:attrNameLst>
+                                      </p:cBhvr>
+                                      <p:to>
+                                        <p:strVal val="visible"/>
+                                      </p:to>
+                                    </p:set>
+                                  </p:childTnLst>
+                                </p:cTn>
+                              </p:par>
+                            </p:childTnLst>
+                          </p:cTn>
+                        </p:par>
+                      </p:childTnLst>
+                    </p:cTn>
+                  </p:par>
+                  <p:par>
+                    <p:cTn id="27" fill="hold">
+                      <p:stCondLst>
+                        <p:cond delay="indefinite"/>
+                      </p:stCondLst>
+                      <p:childTnLst>
+                        <p:par>
+                          <p:cTn id="28" fill="hold">
+                            <p:stCondLst>
+                              <p:cond delay="0"/>
+                            </p:stCondLst>
+                            <p:childTnLst>
+                              <p:par>
+                                <p:cTn id="29" presetID="1" presetClass="entr" presetSubtype="0" fill="hold" nodeType="clickEffect">
+                                  <p:stCondLst>
+                                    <p:cond delay="0"/>
+                                  </p:stCondLst>
+                                  <p:childTnLst>
+                                    <p:set>
+                                      <p:cBhvr>
+                                        <p:cTn id="30" dur="1" fill="hold">
+                                          <p:stCondLst>
+                                            <p:cond delay="0"/>
+                                          </p:stCondLst>
+                                        </p:cTn>
+                                        <p:tgtEl>
+                                          <p:spTgt spid="3">
+                                            <p:txEl>
+                                              <p:pRg st="9" end="9"/>
+                                            </p:txEl>
+                                          </p:spTgt>
+                                        </p:tgtEl>
+                                        <p:attrNameLst>
+                                          <p:attrName>style.visibility</p:attrName>
+                                        </p:attrNameLst>
+                                      </p:cBhvr>
+                                      <p:to>
+                                        <p:strVal val="visible"/>
+                                      </p:to>
+                                    </p:set>
+                                  </p:childTnLst>
+                                </p:cTn>
+                              </p:par>
+                              <p:par>
+                                <p:cTn id="31" presetID="1" presetClass="entr" presetSubtype="0" fill="hold" nodeType="withEffect">
+                                  <p:stCondLst>
+                                    <p:cond delay="0"/>
+                                  </p:stCondLst>
+                                  <p:childTnLst>
+                                    <p:set>
+                                      <p:cBhvr>
+                                        <p:cTn id="32" dur="1" fill="hold">
+                                          <p:stCondLst>
+                                            <p:cond delay="0"/>
+                                          </p:stCondLst>
+                                        </p:cTn>
+                                        <p:tgtEl>
+                                          <p:spTgt spid="3">
+                                            <p:txEl>
+                                              <p:pRg st="10" end="10"/>
+                                            </p:txEl>
+                                          </p:spTgt>
+                                        </p:tgtEl>
+                                        <p:attrNameLst>
+                                          <p:attrName>style.visibility</p:attrName>
+                                        </p:attrNameLst>
+                                      </p:cBhvr>
+                                      <p:to>
+                                        <p:strVal val="visible"/>
+                                      </p:to>
+                                    </p:set>
+                                  </p:childTnLst>
+                                </p:cTn>
+                              </p:par>
+                            </p:childTnLst>
+                          </p:cTn>
+                        </p:par>
+                      </p:childTnLst>
+                    </p:cTn>
+                  </p:par>
+                </p:childTnLst>
+              </p:cTn>
+              <p:prevCondLst>
+                <p:cond evt="onPrev" delay="0">
+                  <p:tgtEl>
+                    <p:sldTgt/>
+                  </p:tgtEl>
+                </p:cond>
+              </p:prevCondLst>
+              <p:nextCondLst>
+                <p:cond evt="onNext" delay="0">
+                  <p:tgtEl>
+                    <p:sldTgt/>
+                  </p:tgtEl>
+                </p:cond>
+              </p:nextCondLst>
+            </p:seq>
+          </p:childTnLst>
+        </p:cTn>
       </p:par>
     </p:tnLst>
   </p:timing>
 </p:sld>
 </file>
 
-<file path=ppt/slides/slide24.xml><?xml version="1.0" encoding="utf-8"?>
+<file path=ppt/slides/slide29.xml><?xml version="1.0" encoding="utf-8"?>
 <p:sld xmlns:a="http://schemas.openxmlformats.org/drawingml/2006/main" xmlns:r="http://schemas.openxmlformats.org/officeDocument/2006/relationships" xmlns:p="http://schemas.openxmlformats.org/presentationml/2006/main">
   <p:cSld>
     <p:spTree>
@@ -7758,7 +12638,7 @@
       </p:grpSpPr>
       <p:sp>
         <p:nvSpPr>
-          <p:cNvPr id="2" name="标题 1"/>
+          <p:cNvPr id="2" name="Title 1"/>
           <p:cNvSpPr>
             <a:spLocks noGrp="1"/>
           </p:cNvSpPr>
@@ -7777,7 +12657,7 @@
       </p:sp>
       <p:sp>
         <p:nvSpPr>
-          <p:cNvPr id="3" name="内容占位符 2"/>
+          <p:cNvPr id="3" name="Content Placeholder 2"/>
           <p:cNvSpPr>
             <a:spLocks noGrp="1"/>
           </p:cNvSpPr>
@@ -7787,18 +12667,45 @@
         </p:nvSpPr>
         <p:spPr/>
         <p:txBody>
-          <a:bodyPr/>
+          <a:bodyPr>
+            <a:normAutofit/>
+          </a:bodyPr>
           <a:lstStyle/>
           <a:p>
             <a:r>
-              <a:rPr lang="en-US" dirty="0" err="1"/>
-              <a:t>e</a:t>
-            </a:r>
-            <a:r>
-              <a:rPr lang="en-US" dirty="0" err="1" smtClean="0"/>
-              <a:t>xec函数</a:t>
-            </a:r>
-            <a:endParaRPr lang="en-US" dirty="0"/>
+              <a:rPr lang="x-none" altLang="en-US" dirty="0"/>
+              <a:t>fork函数</a:t>
+            </a:r>
+          </a:p>
+          <a:p>
+            <a:r>
+              <a:rPr lang="x-none" altLang="en-US" sz="2800" dirty="0"/>
+              <a:t>一个现存进程调用fork函数是UNIX内核创建一个新进程的唯一方法.</a:t>
+            </a:r>
+          </a:p>
+          <a:p>
+            <a:r>
+              <a:rPr lang="x-none" altLang="en-US" dirty="0"/>
+              <a:t>pid_t fork(void);</a:t>
+            </a:r>
+          </a:p>
+          <a:p>
+            <a:r>
+              <a:rPr lang="x-none" altLang="en-US" dirty="0"/>
+              <a:t>该函数被调用一次，但返回两次。</a:t>
+            </a:r>
+          </a:p>
+          <a:p>
+            <a:r>
+              <a:rPr lang="x-none" altLang="en-US" dirty="0"/>
+              <a:t>两次返回的区别是子进程的返回值是0，而父进程的返回值则是新子进程的进程ID</a:t>
+            </a:r>
+          </a:p>
+          <a:p>
+            <a:r>
+              <a:rPr lang="x-none" altLang="en-US" dirty="0"/>
+              <a:t>fork.c</a:t>
+            </a:r>
           </a:p>
         </p:txBody>
       </p:sp>
@@ -7810,190 +12717,324 @@
   <p:timing>
     <p:tnLst>
       <p:par>
-        <p:cTn id="1" dur="indefinite" restart="never" nodeType="tmRoot"/>
-      </p:par>
-    </p:tnLst>
-  </p:timing>
-</p:sld>
-</file>
-
-<file path=ppt/slides/slide25.xml><?xml version="1.0" encoding="utf-8"?>
-<p:sld xmlns:a="http://schemas.openxmlformats.org/drawingml/2006/main" xmlns:r="http://schemas.openxmlformats.org/officeDocument/2006/relationships" xmlns:p="http://schemas.openxmlformats.org/presentationml/2006/main">
-  <p:cSld>
-    <p:spTree>
-      <p:nvGrpSpPr>
-        <p:cNvPr id="1" name=""/>
-        <p:cNvGrpSpPr/>
-        <p:nvPr/>
-      </p:nvGrpSpPr>
-      <p:grpSpPr>
-        <a:xfrm>
-          <a:off x="0" y="0"/>
-          <a:ext cx="0" cy="0"/>
-          <a:chOff x="0" y="0"/>
-          <a:chExt cx="0" cy="0"/>
-        </a:xfrm>
-      </p:grpSpPr>
-      <p:sp>
-        <p:nvSpPr>
-          <p:cNvPr id="2" name="标题 1"/>
-          <p:cNvSpPr>
-            <a:spLocks noGrp="1"/>
-          </p:cNvSpPr>
-          <p:nvPr>
-            <p:ph type="title"/>
-          </p:nvPr>
-        </p:nvSpPr>
-        <p:spPr/>
-        <p:txBody>
-          <a:bodyPr/>
-          <a:lstStyle/>
-          <a:p>
-            <a:endParaRPr lang="en-US"/>
-          </a:p>
-        </p:txBody>
-      </p:sp>
-      <p:sp>
-        <p:nvSpPr>
-          <p:cNvPr id="3" name="内容占位符 2"/>
-          <p:cNvSpPr>
-            <a:spLocks noGrp="1"/>
-          </p:cNvSpPr>
-          <p:nvPr>
-            <p:ph idx="1"/>
-          </p:nvPr>
-        </p:nvSpPr>
-        <p:spPr/>
-        <p:txBody>
-          <a:bodyPr/>
-          <a:lstStyle/>
-          <a:p>
-            <a:r>
-              <a:rPr lang="en-US" dirty="0" smtClean="0"/>
-              <a:t>IPC</a:t>
-            </a:r>
-            <a:endParaRPr lang="en-US" dirty="0"/>
-          </a:p>
-        </p:txBody>
-      </p:sp>
-    </p:spTree>
-  </p:cSld>
-  <p:clrMapOvr>
-    <a:masterClrMapping/>
-  </p:clrMapOvr>
-  <p:timing>
-    <p:tnLst>
-      <p:par>
-        <p:cTn id="1" dur="indefinite" restart="never" nodeType="tmRoot"/>
-      </p:par>
-    </p:tnLst>
-  </p:timing>
-</p:sld>
-</file>
-
-<file path=ppt/slides/slide26.xml><?xml version="1.0" encoding="utf-8"?>
-<p:sld xmlns:a="http://schemas.openxmlformats.org/drawingml/2006/main" xmlns:r="http://schemas.openxmlformats.org/officeDocument/2006/relationships" xmlns:p="http://schemas.openxmlformats.org/presentationml/2006/main">
-  <p:cSld>
-    <p:spTree>
-      <p:nvGrpSpPr>
-        <p:cNvPr id="1" name=""/>
-        <p:cNvGrpSpPr/>
-        <p:nvPr/>
-      </p:nvGrpSpPr>
-      <p:grpSpPr>
-        <a:xfrm>
-          <a:off x="0" y="0"/>
-          <a:ext cx="0" cy="0"/>
-          <a:chOff x="0" y="0"/>
-          <a:chExt cx="0" cy="0"/>
-        </a:xfrm>
-      </p:grpSpPr>
-      <p:sp>
-        <p:nvSpPr>
-          <p:cNvPr id="2" name="标题 1"/>
-          <p:cNvSpPr>
-            <a:spLocks noGrp="1"/>
-          </p:cNvSpPr>
-          <p:nvPr>
-            <p:ph type="title"/>
-          </p:nvPr>
-        </p:nvSpPr>
-        <p:spPr/>
-        <p:txBody>
-          <a:bodyPr/>
-          <a:lstStyle/>
-          <a:p>
-            <a:endParaRPr lang="en-US"/>
-          </a:p>
-        </p:txBody>
-      </p:sp>
-      <p:sp>
-        <p:nvSpPr>
-          <p:cNvPr id="3" name="内容占位符 2"/>
-          <p:cNvSpPr>
-            <a:spLocks noGrp="1"/>
-          </p:cNvSpPr>
-          <p:nvPr>
-            <p:ph idx="1"/>
-          </p:nvPr>
-        </p:nvSpPr>
-        <p:spPr/>
-        <p:txBody>
-          <a:bodyPr/>
-          <a:lstStyle/>
-          <a:p>
-            <a:r>
-              <a:rPr lang="en-US" dirty="0" err="1" smtClean="0"/>
-              <a:t>简单的socket编程</a:t>
-            </a:r>
-            <a:endParaRPr lang="en-US" dirty="0" smtClean="0"/>
-          </a:p>
-          <a:p>
-            <a:r>
-              <a:rPr lang="en-US" dirty="0" smtClean="0"/>
-              <a:t>socket</a:t>
-            </a:r>
-            <a:endParaRPr lang="en-US" dirty="0" smtClean="0"/>
-          </a:p>
-          <a:p>
-            <a:r>
-              <a:rPr lang="en-US" dirty="0"/>
-              <a:t>b</a:t>
-            </a:r>
-            <a:r>
-              <a:rPr lang="en-US" dirty="0" smtClean="0"/>
-              <a:t>ind </a:t>
-            </a:r>
-            <a:endParaRPr lang="en-US" dirty="0" smtClean="0"/>
-          </a:p>
-          <a:p>
-            <a:r>
-              <a:rPr lang="en-US" dirty="0" smtClean="0"/>
-              <a:t>listen</a:t>
-            </a:r>
-            <a:endParaRPr lang="en-US" dirty="0" smtClean="0"/>
-          </a:p>
-          <a:p>
-            <a:r>
-              <a:rPr lang="en-US" dirty="0" smtClean="0"/>
-              <a:t>accept </a:t>
-            </a:r>
-            <a:endParaRPr lang="en-US" dirty="0" smtClean="0"/>
-          </a:p>
-          <a:p>
-            <a:endParaRPr lang="en-US" dirty="0"/>
-          </a:p>
-        </p:txBody>
-      </p:sp>
-    </p:spTree>
-  </p:cSld>
-  <p:clrMapOvr>
-    <a:masterClrMapping/>
-  </p:clrMapOvr>
-  <p:timing>
-    <p:tnLst>
-      <p:par>
-        <p:cTn id="1" dur="indefinite" restart="never" nodeType="tmRoot"/>
+        <p:cTn id="1" dur="indefinite" restart="never" nodeType="tmRoot">
+          <p:childTnLst>
+            <p:seq concurrent="1" nextAc="seek">
+              <p:cTn id="2" dur="indefinite" nodeType="mainSeq">
+                <p:childTnLst>
+                  <p:par>
+                    <p:cTn id="3" fill="hold">
+                      <p:stCondLst>
+                        <p:cond delay="indefinite"/>
+                      </p:stCondLst>
+                      <p:childTnLst>
+                        <p:par>
+                          <p:cTn id="4" fill="hold">
+                            <p:stCondLst>
+                              <p:cond delay="0"/>
+                            </p:stCondLst>
+                            <p:childTnLst>
+                              <p:par>
+                                <p:cTn id="5" presetID="1" presetClass="entr" presetSubtype="0" fill="hold" nodeType="clickEffect">
+                                  <p:stCondLst>
+                                    <p:cond delay="0"/>
+                                  </p:stCondLst>
+                                  <p:childTnLst>
+                                    <p:set>
+                                      <p:cBhvr>
+                                        <p:cTn id="6" dur="1" fill="hold">
+                                          <p:stCondLst>
+                                            <p:cond delay="0"/>
+                                          </p:stCondLst>
+                                        </p:cTn>
+                                        <p:tgtEl>
+                                          <p:spTgt spid="3">
+                                            <p:txEl>
+                                              <p:pRg st="0" end="0"/>
+                                            </p:txEl>
+                                          </p:spTgt>
+                                        </p:tgtEl>
+                                        <p:attrNameLst>
+                                          <p:attrName>style.visibility</p:attrName>
+                                        </p:attrNameLst>
+                                      </p:cBhvr>
+                                      <p:to>
+                                        <p:strVal val="visible"/>
+                                      </p:to>
+                                    </p:set>
+                                  </p:childTnLst>
+                                </p:cTn>
+                              </p:par>
+                            </p:childTnLst>
+                          </p:cTn>
+                        </p:par>
+                      </p:childTnLst>
+                    </p:cTn>
+                  </p:par>
+                  <p:par>
+                    <p:cTn id="7" fill="hold">
+                      <p:stCondLst>
+                        <p:cond delay="indefinite"/>
+                      </p:stCondLst>
+                      <p:childTnLst>
+                        <p:par>
+                          <p:cTn id="8" fill="hold">
+                            <p:stCondLst>
+                              <p:cond delay="0"/>
+                            </p:stCondLst>
+                            <p:childTnLst>
+                              <p:par>
+                                <p:cTn id="9" presetID="1" presetClass="entr" presetSubtype="0" fill="hold" nodeType="clickEffect">
+                                  <p:stCondLst>
+                                    <p:cond delay="0"/>
+                                  </p:stCondLst>
+                                  <p:childTnLst>
+                                    <p:set>
+                                      <p:cBhvr>
+                                        <p:cTn id="10" dur="1" fill="hold">
+                                          <p:stCondLst>
+                                            <p:cond delay="0"/>
+                                          </p:stCondLst>
+                                        </p:cTn>
+                                        <p:tgtEl>
+                                          <p:spTgt spid="3">
+                                            <p:txEl>
+                                              <p:pRg st="1" end="1"/>
+                                            </p:txEl>
+                                          </p:spTgt>
+                                        </p:tgtEl>
+                                        <p:attrNameLst>
+                                          <p:attrName>style.visibility</p:attrName>
+                                        </p:attrNameLst>
+                                      </p:cBhvr>
+                                      <p:to>
+                                        <p:strVal val="visible"/>
+                                      </p:to>
+                                    </p:set>
+                                  </p:childTnLst>
+                                </p:cTn>
+                              </p:par>
+                            </p:childTnLst>
+                          </p:cTn>
+                        </p:par>
+                      </p:childTnLst>
+                    </p:cTn>
+                  </p:par>
+                  <p:par>
+                    <p:cTn id="11" fill="hold">
+                      <p:stCondLst>
+                        <p:cond delay="indefinite"/>
+                      </p:stCondLst>
+                      <p:childTnLst>
+                        <p:par>
+                          <p:cTn id="12" fill="hold">
+                            <p:stCondLst>
+                              <p:cond delay="0"/>
+                            </p:stCondLst>
+                            <p:childTnLst>
+                              <p:par>
+                                <p:cTn id="13" presetID="1" presetClass="entr" presetSubtype="0" fill="hold" nodeType="clickEffect">
+                                  <p:stCondLst>
+                                    <p:cond delay="0"/>
+                                  </p:stCondLst>
+                                  <p:childTnLst>
+                                    <p:set>
+                                      <p:cBhvr>
+                                        <p:cTn id="14" dur="1" fill="hold">
+                                          <p:stCondLst>
+                                            <p:cond delay="0"/>
+                                          </p:stCondLst>
+                                        </p:cTn>
+                                        <p:tgtEl>
+                                          <p:spTgt spid="3">
+                                            <p:txEl>
+                                              <p:pRg st="2" end="2"/>
+                                            </p:txEl>
+                                          </p:spTgt>
+                                        </p:tgtEl>
+                                        <p:attrNameLst>
+                                          <p:attrName>style.visibility</p:attrName>
+                                        </p:attrNameLst>
+                                      </p:cBhvr>
+                                      <p:to>
+                                        <p:strVal val="visible"/>
+                                      </p:to>
+                                    </p:set>
+                                  </p:childTnLst>
+                                </p:cTn>
+                              </p:par>
+                            </p:childTnLst>
+                          </p:cTn>
+                        </p:par>
+                      </p:childTnLst>
+                    </p:cTn>
+                  </p:par>
+                  <p:par>
+                    <p:cTn id="15" fill="hold">
+                      <p:stCondLst>
+                        <p:cond delay="indefinite"/>
+                      </p:stCondLst>
+                      <p:childTnLst>
+                        <p:par>
+                          <p:cTn id="16" fill="hold">
+                            <p:stCondLst>
+                              <p:cond delay="0"/>
+                            </p:stCondLst>
+                            <p:childTnLst>
+                              <p:par>
+                                <p:cTn id="17" presetID="1" presetClass="entr" presetSubtype="0" fill="hold" nodeType="clickEffect">
+                                  <p:stCondLst>
+                                    <p:cond delay="0"/>
+                                  </p:stCondLst>
+                                  <p:childTnLst>
+                                    <p:set>
+                                      <p:cBhvr>
+                                        <p:cTn id="18" dur="1" fill="hold">
+                                          <p:stCondLst>
+                                            <p:cond delay="0"/>
+                                          </p:stCondLst>
+                                        </p:cTn>
+                                        <p:tgtEl>
+                                          <p:spTgt spid="3">
+                                            <p:txEl>
+                                              <p:pRg st="3" end="3"/>
+                                            </p:txEl>
+                                          </p:spTgt>
+                                        </p:tgtEl>
+                                        <p:attrNameLst>
+                                          <p:attrName>style.visibility</p:attrName>
+                                        </p:attrNameLst>
+                                      </p:cBhvr>
+                                      <p:to>
+                                        <p:strVal val="visible"/>
+                                      </p:to>
+                                    </p:set>
+                                  </p:childTnLst>
+                                </p:cTn>
+                              </p:par>
+                            </p:childTnLst>
+                          </p:cTn>
+                        </p:par>
+                      </p:childTnLst>
+                    </p:cTn>
+                  </p:par>
+                  <p:par>
+                    <p:cTn id="19" fill="hold">
+                      <p:stCondLst>
+                        <p:cond delay="indefinite"/>
+                      </p:stCondLst>
+                      <p:childTnLst>
+                        <p:par>
+                          <p:cTn id="20" fill="hold">
+                            <p:stCondLst>
+                              <p:cond delay="0"/>
+                            </p:stCondLst>
+                            <p:childTnLst>
+                              <p:par>
+                                <p:cTn id="21" presetID="1" presetClass="entr" presetSubtype="0" fill="hold" nodeType="clickEffect">
+                                  <p:stCondLst>
+                                    <p:cond delay="0"/>
+                                  </p:stCondLst>
+                                  <p:childTnLst>
+                                    <p:set>
+                                      <p:cBhvr>
+                                        <p:cTn id="22" dur="1" fill="hold">
+                                          <p:stCondLst>
+                                            <p:cond delay="0"/>
+                                          </p:stCondLst>
+                                        </p:cTn>
+                                        <p:tgtEl>
+                                          <p:spTgt spid="3">
+                                            <p:txEl>
+                                              <p:pRg st="4" end="4"/>
+                                            </p:txEl>
+                                          </p:spTgt>
+                                        </p:tgtEl>
+                                        <p:attrNameLst>
+                                          <p:attrName>style.visibility</p:attrName>
+                                        </p:attrNameLst>
+                                      </p:cBhvr>
+                                      <p:to>
+                                        <p:strVal val="visible"/>
+                                      </p:to>
+                                    </p:set>
+                                  </p:childTnLst>
+                                </p:cTn>
+                              </p:par>
+                            </p:childTnLst>
+                          </p:cTn>
+                        </p:par>
+                      </p:childTnLst>
+                    </p:cTn>
+                  </p:par>
+                  <p:par>
+                    <p:cTn id="23" fill="hold">
+                      <p:stCondLst>
+                        <p:cond delay="indefinite"/>
+                      </p:stCondLst>
+                      <p:childTnLst>
+                        <p:par>
+                          <p:cTn id="24" fill="hold">
+                            <p:stCondLst>
+                              <p:cond delay="0"/>
+                            </p:stCondLst>
+                            <p:childTnLst>
+                              <p:par>
+                                <p:cTn id="25" presetID="1" presetClass="entr" presetSubtype="0" fill="hold" nodeType="clickEffect">
+                                  <p:stCondLst>
+                                    <p:cond delay="0"/>
+                                  </p:stCondLst>
+                                  <p:childTnLst>
+                                    <p:set>
+                                      <p:cBhvr>
+                                        <p:cTn id="26" dur="1" fill="hold">
+                                          <p:stCondLst>
+                                            <p:cond delay="0"/>
+                                          </p:stCondLst>
+                                        </p:cTn>
+                                        <p:tgtEl>
+                                          <p:spTgt spid="3">
+                                            <p:txEl>
+                                              <p:pRg st="5" end="5"/>
+                                            </p:txEl>
+                                          </p:spTgt>
+                                        </p:tgtEl>
+                                        <p:attrNameLst>
+                                          <p:attrName>style.visibility</p:attrName>
+                                        </p:attrNameLst>
+                                      </p:cBhvr>
+                                      <p:to>
+                                        <p:strVal val="visible"/>
+                                      </p:to>
+                                    </p:set>
+                                  </p:childTnLst>
+                                </p:cTn>
+                              </p:par>
+                            </p:childTnLst>
+                          </p:cTn>
+                        </p:par>
+                      </p:childTnLst>
+                    </p:cTn>
+                  </p:par>
+                </p:childTnLst>
+              </p:cTn>
+              <p:prevCondLst>
+                <p:cond evt="onPrev" delay="0">
+                  <p:tgtEl>
+                    <p:sldTgt/>
+                  </p:tgtEl>
+                </p:cond>
+              </p:prevCondLst>
+              <p:nextCondLst>
+                <p:cond evt="onNext" delay="0">
+                  <p:tgtEl>
+                    <p:sldTgt/>
+                  </p:tgtEl>
+                </p:cond>
+              </p:nextCondLst>
+            </p:seq>
+          </p:childTnLst>
+        </p:cTn>
       </p:par>
     </p:tnLst>
   </p:timing>
@@ -8062,21 +13103,18 @@
               <a:rPr lang="en-US" dirty="0" smtClean="0"/>
               <a:t>1</a:t>
             </a:r>
-            <a:endParaRPr lang="en-US" dirty="0" smtClean="0"/>
           </a:p>
           <a:p>
             <a:r>
               <a:rPr lang="en-US" dirty="0" smtClean="0"/>
               <a:t>00000000 00000001 大</a:t>
             </a:r>
-            <a:endParaRPr lang="en-US" dirty="0" smtClean="0"/>
           </a:p>
           <a:p>
             <a:r>
               <a:rPr lang="en-US" dirty="0" smtClean="0"/>
               <a:t>00000001 00000000 小</a:t>
             </a:r>
-            <a:endParaRPr lang="en-US" dirty="0" smtClean="0"/>
           </a:p>
           <a:p>
             <a:endParaRPr lang="en-US" dirty="0"/>
@@ -8539,6 +13577,1827 @@
 </p:sld>
 </file>
 
+<file path=ppt/slides/slide30.xml><?xml version="1.0" encoding="utf-8"?>
+<p:sld xmlns:a="http://schemas.openxmlformats.org/drawingml/2006/main" xmlns:r="http://schemas.openxmlformats.org/officeDocument/2006/relationships" xmlns:p="http://schemas.openxmlformats.org/presentationml/2006/main">
+  <p:cSld>
+    <p:spTree>
+      <p:nvGrpSpPr>
+        <p:cNvPr id="1" name=""/>
+        <p:cNvGrpSpPr/>
+        <p:nvPr/>
+      </p:nvGrpSpPr>
+      <p:grpSpPr>
+        <a:xfrm>
+          <a:off x="0" y="0"/>
+          <a:ext cx="0" cy="0"/>
+          <a:chOff x="0" y="0"/>
+          <a:chExt cx="0" cy="0"/>
+        </a:xfrm>
+      </p:grpSpPr>
+      <p:sp>
+        <p:nvSpPr>
+          <p:cNvPr id="2" name="Title 1"/>
+          <p:cNvSpPr>
+            <a:spLocks noGrp="1"/>
+          </p:cNvSpPr>
+          <p:nvPr>
+            <p:ph type="title"/>
+          </p:nvPr>
+        </p:nvSpPr>
+        <p:spPr/>
+        <p:txBody>
+          <a:bodyPr/>
+          <a:lstStyle/>
+          <a:p>
+            <a:endParaRPr lang="en-US"/>
+          </a:p>
+        </p:txBody>
+      </p:sp>
+      <p:sp>
+        <p:nvSpPr>
+          <p:cNvPr id="3" name="Content Placeholder 2"/>
+          <p:cNvSpPr>
+            <a:spLocks noGrp="1"/>
+          </p:cNvSpPr>
+          <p:nvPr>
+            <p:ph idx="1"/>
+          </p:nvPr>
+        </p:nvSpPr>
+        <p:spPr>
+          <a:xfrm>
+            <a:off x="457200" y="381000"/>
+            <a:ext cx="8229600" cy="5745163"/>
+          </a:xfrm>
+        </p:spPr>
+        <p:txBody>
+          <a:bodyPr>
+            <a:normAutofit fontScale="90000"/>
+          </a:bodyPr>
+          <a:lstStyle/>
+          <a:p>
+            <a:r>
+              <a:rPr lang="x-none" altLang="en-US" i="1" dirty="0"/>
+              <a:t>copy-on-write</a:t>
+            </a:r>
+          </a:p>
+          <a:p>
+            <a:r>
+              <a:rPr lang="x-none" altLang="en-US" i="1" dirty="0" smtClean="0"/>
+              <a:t>子进程和父进程继续执行f</a:t>
+            </a:r>
+            <a:r>
+              <a:rPr lang="en-US" altLang="en-US" i="1" dirty="0" smtClean="0"/>
+              <a:t>or</a:t>
+            </a:r>
+            <a:r>
+              <a:rPr lang="x-none" altLang="en-US" i="1" dirty="0" smtClean="0"/>
+              <a:t>k</a:t>
+            </a:r>
+            <a:r>
+              <a:rPr lang="x-none" altLang="en-US" i="1" dirty="0"/>
+              <a:t>之后的指令。</a:t>
+            </a:r>
+          </a:p>
+          <a:p>
+            <a:r>
+              <a:rPr lang="x-none" altLang="en-US" i="1" dirty="0" smtClean="0"/>
+              <a:t>子进程获得父进程数据空间</a:t>
+            </a:r>
+            <a:r>
+              <a:rPr lang="x-none" altLang="en-US" i="1" dirty="0"/>
+              <a:t>、</a:t>
+            </a:r>
+            <a:r>
+              <a:rPr lang="x-none" altLang="en-US" i="1" dirty="0" smtClean="0"/>
+              <a:t>堆和栈的复制品</a:t>
+            </a:r>
+            <a:endParaRPr lang="en-US" altLang="en-US" i="1" dirty="0"/>
+          </a:p>
+          <a:p>
+            <a:r>
+              <a:rPr lang="x-none" altLang="en-US" i="1" dirty="0" smtClean="0"/>
+              <a:t>父</a:t>
+            </a:r>
+            <a:r>
+              <a:rPr lang="x-none" altLang="en-US" i="1" dirty="0"/>
+              <a:t>、子进程并不共享这些存储空间部分。如果正文段是只读的，则父、子进程共享正文段 </a:t>
+            </a:r>
+          </a:p>
+          <a:p>
+            <a:r>
+              <a:rPr lang="x-none" altLang="en-US" i="1" dirty="0" smtClean="0"/>
+              <a:t>现在很多的实现并不做一个父进程数据段和堆的完全拷贝</a:t>
+            </a:r>
+            <a:r>
+              <a:rPr lang="en-US" altLang="en-US" i="1" dirty="0" smtClean="0"/>
+              <a:t>,</a:t>
+            </a:r>
+            <a:r>
+              <a:rPr lang="x-none" altLang="en-US" i="1" dirty="0" smtClean="0"/>
+              <a:t>使用了在写时复制 </a:t>
+            </a:r>
+            <a:r>
+              <a:rPr lang="x-none" altLang="en-US" i="1" dirty="0"/>
+              <a:t>( </a:t>
+            </a:r>
+            <a:r>
+              <a:rPr lang="x-none" altLang="en-US" i="1" dirty="0" smtClean="0"/>
+              <a:t>Copy-On-Write</a:t>
+            </a:r>
+            <a:r>
+              <a:rPr lang="x-none" altLang="en-US" i="1" dirty="0"/>
+              <a:t>, COW)的技术。这些区域由父、</a:t>
+            </a:r>
+            <a:r>
+              <a:rPr lang="x-none" altLang="en-US" i="1" dirty="0" smtClean="0"/>
+              <a:t>子进程共享</a:t>
+            </a:r>
+            <a:r>
+              <a:rPr lang="x-none" altLang="en-US" i="1" dirty="0"/>
+              <a:t>，而且内核将它们的存取许可权改变为只读的。如果有进程试图修改这些区域，</a:t>
+            </a:r>
+            <a:r>
+              <a:rPr lang="x-none" altLang="en-US" i="1" dirty="0" smtClean="0"/>
+              <a:t>则内核为有关部分</a:t>
+            </a:r>
+            <a:r>
+              <a:rPr lang="x-none" altLang="en-US" i="1" dirty="0"/>
+              <a:t>，典型的是虚存系统中的“页”，做一个拷贝</a:t>
+            </a:r>
+            <a:r>
+              <a:rPr lang="x-none" altLang="en-US" dirty="0"/>
+              <a:t>。 </a:t>
+            </a:r>
+          </a:p>
+          <a:p>
+            <a:endParaRPr lang="x-none" altLang="en-US" dirty="0"/>
+          </a:p>
+        </p:txBody>
+      </p:sp>
+    </p:spTree>
+  </p:cSld>
+  <p:clrMapOvr>
+    <a:masterClrMapping/>
+  </p:clrMapOvr>
+  <p:timing>
+    <p:tnLst>
+      <p:par>
+        <p:cTn id="1" dur="indefinite" restart="never" nodeType="tmRoot">
+          <p:childTnLst>
+            <p:seq concurrent="1" nextAc="seek">
+              <p:cTn id="2" dur="indefinite" nodeType="mainSeq">
+                <p:childTnLst>
+                  <p:par>
+                    <p:cTn id="3" fill="hold">
+                      <p:stCondLst>
+                        <p:cond delay="indefinite"/>
+                      </p:stCondLst>
+                      <p:childTnLst>
+                        <p:par>
+                          <p:cTn id="4" fill="hold">
+                            <p:stCondLst>
+                              <p:cond delay="0"/>
+                            </p:stCondLst>
+                            <p:childTnLst>
+                              <p:par>
+                                <p:cTn id="5" presetID="1" presetClass="entr" presetSubtype="0" fill="hold" nodeType="clickEffect">
+                                  <p:stCondLst>
+                                    <p:cond delay="0"/>
+                                  </p:stCondLst>
+                                  <p:childTnLst>
+                                    <p:set>
+                                      <p:cBhvr>
+                                        <p:cTn id="6" dur="1" fill="hold">
+                                          <p:stCondLst>
+                                            <p:cond delay="0"/>
+                                          </p:stCondLst>
+                                        </p:cTn>
+                                        <p:tgtEl>
+                                          <p:spTgt spid="3">
+                                            <p:txEl>
+                                              <p:pRg st="0" end="0"/>
+                                            </p:txEl>
+                                          </p:spTgt>
+                                        </p:tgtEl>
+                                        <p:attrNameLst>
+                                          <p:attrName>style.visibility</p:attrName>
+                                        </p:attrNameLst>
+                                      </p:cBhvr>
+                                      <p:to>
+                                        <p:strVal val="visible"/>
+                                      </p:to>
+                                    </p:set>
+                                  </p:childTnLst>
+                                </p:cTn>
+                              </p:par>
+                            </p:childTnLst>
+                          </p:cTn>
+                        </p:par>
+                      </p:childTnLst>
+                    </p:cTn>
+                  </p:par>
+                  <p:par>
+                    <p:cTn id="7" fill="hold">
+                      <p:stCondLst>
+                        <p:cond delay="indefinite"/>
+                      </p:stCondLst>
+                      <p:childTnLst>
+                        <p:par>
+                          <p:cTn id="8" fill="hold">
+                            <p:stCondLst>
+                              <p:cond delay="0"/>
+                            </p:stCondLst>
+                            <p:childTnLst>
+                              <p:par>
+                                <p:cTn id="9" presetID="1" presetClass="entr" presetSubtype="0" fill="hold" nodeType="clickEffect">
+                                  <p:stCondLst>
+                                    <p:cond delay="0"/>
+                                  </p:stCondLst>
+                                  <p:childTnLst>
+                                    <p:set>
+                                      <p:cBhvr>
+                                        <p:cTn id="10" dur="1" fill="hold">
+                                          <p:stCondLst>
+                                            <p:cond delay="0"/>
+                                          </p:stCondLst>
+                                        </p:cTn>
+                                        <p:tgtEl>
+                                          <p:spTgt spid="3">
+                                            <p:txEl>
+                                              <p:pRg st="1" end="1"/>
+                                            </p:txEl>
+                                          </p:spTgt>
+                                        </p:tgtEl>
+                                        <p:attrNameLst>
+                                          <p:attrName>style.visibility</p:attrName>
+                                        </p:attrNameLst>
+                                      </p:cBhvr>
+                                      <p:to>
+                                        <p:strVal val="visible"/>
+                                      </p:to>
+                                    </p:set>
+                                  </p:childTnLst>
+                                </p:cTn>
+                              </p:par>
+                            </p:childTnLst>
+                          </p:cTn>
+                        </p:par>
+                      </p:childTnLst>
+                    </p:cTn>
+                  </p:par>
+                  <p:par>
+                    <p:cTn id="11" fill="hold">
+                      <p:stCondLst>
+                        <p:cond delay="indefinite"/>
+                      </p:stCondLst>
+                      <p:childTnLst>
+                        <p:par>
+                          <p:cTn id="12" fill="hold">
+                            <p:stCondLst>
+                              <p:cond delay="0"/>
+                            </p:stCondLst>
+                            <p:childTnLst>
+                              <p:par>
+                                <p:cTn id="13" presetID="1" presetClass="entr" presetSubtype="0" fill="hold" nodeType="clickEffect">
+                                  <p:stCondLst>
+                                    <p:cond delay="0"/>
+                                  </p:stCondLst>
+                                  <p:childTnLst>
+                                    <p:set>
+                                      <p:cBhvr>
+                                        <p:cTn id="14" dur="1" fill="hold">
+                                          <p:stCondLst>
+                                            <p:cond delay="0"/>
+                                          </p:stCondLst>
+                                        </p:cTn>
+                                        <p:tgtEl>
+                                          <p:spTgt spid="3">
+                                            <p:txEl>
+                                              <p:pRg st="2" end="2"/>
+                                            </p:txEl>
+                                          </p:spTgt>
+                                        </p:tgtEl>
+                                        <p:attrNameLst>
+                                          <p:attrName>style.visibility</p:attrName>
+                                        </p:attrNameLst>
+                                      </p:cBhvr>
+                                      <p:to>
+                                        <p:strVal val="visible"/>
+                                      </p:to>
+                                    </p:set>
+                                  </p:childTnLst>
+                                </p:cTn>
+                              </p:par>
+                            </p:childTnLst>
+                          </p:cTn>
+                        </p:par>
+                      </p:childTnLst>
+                    </p:cTn>
+                  </p:par>
+                  <p:par>
+                    <p:cTn id="15" fill="hold">
+                      <p:stCondLst>
+                        <p:cond delay="indefinite"/>
+                      </p:stCondLst>
+                      <p:childTnLst>
+                        <p:par>
+                          <p:cTn id="16" fill="hold">
+                            <p:stCondLst>
+                              <p:cond delay="0"/>
+                            </p:stCondLst>
+                            <p:childTnLst>
+                              <p:par>
+                                <p:cTn id="17" presetID="1" presetClass="entr" presetSubtype="0" fill="hold" nodeType="clickEffect">
+                                  <p:stCondLst>
+                                    <p:cond delay="0"/>
+                                  </p:stCondLst>
+                                  <p:childTnLst>
+                                    <p:set>
+                                      <p:cBhvr>
+                                        <p:cTn id="18" dur="1" fill="hold">
+                                          <p:stCondLst>
+                                            <p:cond delay="0"/>
+                                          </p:stCondLst>
+                                        </p:cTn>
+                                        <p:tgtEl>
+                                          <p:spTgt spid="3">
+                                            <p:txEl>
+                                              <p:pRg st="3" end="3"/>
+                                            </p:txEl>
+                                          </p:spTgt>
+                                        </p:tgtEl>
+                                        <p:attrNameLst>
+                                          <p:attrName>style.visibility</p:attrName>
+                                        </p:attrNameLst>
+                                      </p:cBhvr>
+                                      <p:to>
+                                        <p:strVal val="visible"/>
+                                      </p:to>
+                                    </p:set>
+                                  </p:childTnLst>
+                                </p:cTn>
+                              </p:par>
+                            </p:childTnLst>
+                          </p:cTn>
+                        </p:par>
+                      </p:childTnLst>
+                    </p:cTn>
+                  </p:par>
+                  <p:par>
+                    <p:cTn id="19" fill="hold">
+                      <p:stCondLst>
+                        <p:cond delay="indefinite"/>
+                      </p:stCondLst>
+                      <p:childTnLst>
+                        <p:par>
+                          <p:cTn id="20" fill="hold">
+                            <p:stCondLst>
+                              <p:cond delay="0"/>
+                            </p:stCondLst>
+                            <p:childTnLst>
+                              <p:par>
+                                <p:cTn id="21" presetID="1" presetClass="entr" presetSubtype="0" fill="hold" nodeType="clickEffect">
+                                  <p:stCondLst>
+                                    <p:cond delay="0"/>
+                                  </p:stCondLst>
+                                  <p:childTnLst>
+                                    <p:set>
+                                      <p:cBhvr>
+                                        <p:cTn id="22" dur="1" fill="hold">
+                                          <p:stCondLst>
+                                            <p:cond delay="0"/>
+                                          </p:stCondLst>
+                                        </p:cTn>
+                                        <p:tgtEl>
+                                          <p:spTgt spid="3">
+                                            <p:txEl>
+                                              <p:pRg st="4" end="4"/>
+                                            </p:txEl>
+                                          </p:spTgt>
+                                        </p:tgtEl>
+                                        <p:attrNameLst>
+                                          <p:attrName>style.visibility</p:attrName>
+                                        </p:attrNameLst>
+                                      </p:cBhvr>
+                                      <p:to>
+                                        <p:strVal val="visible"/>
+                                      </p:to>
+                                    </p:set>
+                                  </p:childTnLst>
+                                </p:cTn>
+                              </p:par>
+                            </p:childTnLst>
+                          </p:cTn>
+                        </p:par>
+                      </p:childTnLst>
+                    </p:cTn>
+                  </p:par>
+                </p:childTnLst>
+              </p:cTn>
+              <p:prevCondLst>
+                <p:cond evt="onPrev" delay="0">
+                  <p:tgtEl>
+                    <p:sldTgt/>
+                  </p:tgtEl>
+                </p:cond>
+              </p:prevCondLst>
+              <p:nextCondLst>
+                <p:cond evt="onNext" delay="0">
+                  <p:tgtEl>
+                    <p:sldTgt/>
+                  </p:tgtEl>
+                </p:cond>
+              </p:nextCondLst>
+            </p:seq>
+          </p:childTnLst>
+        </p:cTn>
+      </p:par>
+    </p:tnLst>
+  </p:timing>
+</p:sld>
+</file>
+
+<file path=ppt/slides/slide31.xml><?xml version="1.0" encoding="utf-8"?>
+<p:sld xmlns:a="http://schemas.openxmlformats.org/drawingml/2006/main" xmlns:r="http://schemas.openxmlformats.org/officeDocument/2006/relationships" xmlns:p="http://schemas.openxmlformats.org/presentationml/2006/main">
+  <p:cSld>
+    <p:spTree>
+      <p:nvGrpSpPr>
+        <p:cNvPr id="1" name=""/>
+        <p:cNvGrpSpPr/>
+        <p:nvPr/>
+      </p:nvGrpSpPr>
+      <p:grpSpPr>
+        <a:xfrm>
+          <a:off x="0" y="0"/>
+          <a:ext cx="0" cy="0"/>
+          <a:chOff x="0" y="0"/>
+          <a:chExt cx="0" cy="0"/>
+        </a:xfrm>
+      </p:grpSpPr>
+      <p:sp>
+        <p:nvSpPr>
+          <p:cNvPr id="2" name="Title 1"/>
+          <p:cNvSpPr>
+            <a:spLocks noGrp="1"/>
+          </p:cNvSpPr>
+          <p:nvPr>
+            <p:ph type="title"/>
+          </p:nvPr>
+        </p:nvSpPr>
+        <p:spPr/>
+        <p:txBody>
+          <a:bodyPr/>
+          <a:lstStyle/>
+          <a:p>
+            <a:endParaRPr lang="en-US"/>
+          </a:p>
+        </p:txBody>
+      </p:sp>
+      <p:sp>
+        <p:nvSpPr>
+          <p:cNvPr id="3" name="Content Placeholder 2"/>
+          <p:cNvSpPr>
+            <a:spLocks noGrp="1"/>
+          </p:cNvSpPr>
+          <p:nvPr>
+            <p:ph idx="1"/>
+          </p:nvPr>
+        </p:nvSpPr>
+        <p:spPr/>
+        <p:txBody>
+          <a:bodyPr/>
+          <a:lstStyle/>
+          <a:p>
+            <a:r>
+              <a:rPr lang="en-US" dirty="0" err="1"/>
+              <a:t>一般来说，在</a:t>
+            </a:r>
+            <a:r>
+              <a:rPr lang="en-US" dirty="0" err="1" smtClean="0"/>
+              <a:t>fork</a:t>
+            </a:r>
+            <a:r>
+              <a:rPr lang="en-US" dirty="0" err="1"/>
+              <a:t>之后是父进程先执行还是子进程先执行是不确定的。这取决于内核所使用的调度算法</a:t>
+            </a:r>
+            <a:r>
+              <a:rPr lang="en-US" dirty="0"/>
+              <a:t>。</a:t>
+            </a:r>
+          </a:p>
+          <a:p>
+            <a:r>
+              <a:rPr lang="en-US" dirty="0" err="1"/>
+              <a:t>所有由父进程打开的描述符都被复制到子进程中</a:t>
+            </a:r>
+            <a:endParaRPr lang="en-US" dirty="0"/>
+          </a:p>
+          <a:p>
+            <a:r>
+              <a:rPr lang="x-none" altLang="en-US" dirty="0"/>
+              <a:t>问，连续fork三次，共会有几个进程</a:t>
+            </a:r>
+          </a:p>
+        </p:txBody>
+      </p:sp>
+    </p:spTree>
+  </p:cSld>
+  <p:clrMapOvr>
+    <a:masterClrMapping/>
+  </p:clrMapOvr>
+  <p:timing>
+    <p:tnLst>
+      <p:par>
+        <p:cTn id="1" dur="indefinite" restart="never" nodeType="tmRoot">
+          <p:childTnLst>
+            <p:seq concurrent="1" nextAc="seek">
+              <p:cTn id="2" dur="indefinite" nodeType="mainSeq">
+                <p:childTnLst>
+                  <p:par>
+                    <p:cTn id="3" fill="hold">
+                      <p:stCondLst>
+                        <p:cond delay="indefinite"/>
+                      </p:stCondLst>
+                      <p:childTnLst>
+                        <p:par>
+                          <p:cTn id="4" fill="hold">
+                            <p:stCondLst>
+                              <p:cond delay="0"/>
+                            </p:stCondLst>
+                            <p:childTnLst>
+                              <p:par>
+                                <p:cTn id="5" presetID="1" presetClass="entr" presetSubtype="0" fill="hold" nodeType="clickEffect">
+                                  <p:stCondLst>
+                                    <p:cond delay="0"/>
+                                  </p:stCondLst>
+                                  <p:childTnLst>
+                                    <p:set>
+                                      <p:cBhvr>
+                                        <p:cTn id="6" dur="1" fill="hold">
+                                          <p:stCondLst>
+                                            <p:cond delay="0"/>
+                                          </p:stCondLst>
+                                        </p:cTn>
+                                        <p:tgtEl>
+                                          <p:spTgt spid="3">
+                                            <p:txEl>
+                                              <p:pRg st="0" end="0"/>
+                                            </p:txEl>
+                                          </p:spTgt>
+                                        </p:tgtEl>
+                                        <p:attrNameLst>
+                                          <p:attrName>style.visibility</p:attrName>
+                                        </p:attrNameLst>
+                                      </p:cBhvr>
+                                      <p:to>
+                                        <p:strVal val="visible"/>
+                                      </p:to>
+                                    </p:set>
+                                  </p:childTnLst>
+                                </p:cTn>
+                              </p:par>
+                            </p:childTnLst>
+                          </p:cTn>
+                        </p:par>
+                      </p:childTnLst>
+                    </p:cTn>
+                  </p:par>
+                  <p:par>
+                    <p:cTn id="7" fill="hold">
+                      <p:stCondLst>
+                        <p:cond delay="indefinite"/>
+                      </p:stCondLst>
+                      <p:childTnLst>
+                        <p:par>
+                          <p:cTn id="8" fill="hold">
+                            <p:stCondLst>
+                              <p:cond delay="0"/>
+                            </p:stCondLst>
+                            <p:childTnLst>
+                              <p:par>
+                                <p:cTn id="9" presetID="1" presetClass="entr" presetSubtype="0" fill="hold" nodeType="clickEffect">
+                                  <p:stCondLst>
+                                    <p:cond delay="0"/>
+                                  </p:stCondLst>
+                                  <p:childTnLst>
+                                    <p:set>
+                                      <p:cBhvr>
+                                        <p:cTn id="10" dur="1" fill="hold">
+                                          <p:stCondLst>
+                                            <p:cond delay="0"/>
+                                          </p:stCondLst>
+                                        </p:cTn>
+                                        <p:tgtEl>
+                                          <p:spTgt spid="3">
+                                            <p:txEl>
+                                              <p:pRg st="1" end="1"/>
+                                            </p:txEl>
+                                          </p:spTgt>
+                                        </p:tgtEl>
+                                        <p:attrNameLst>
+                                          <p:attrName>style.visibility</p:attrName>
+                                        </p:attrNameLst>
+                                      </p:cBhvr>
+                                      <p:to>
+                                        <p:strVal val="visible"/>
+                                      </p:to>
+                                    </p:set>
+                                  </p:childTnLst>
+                                </p:cTn>
+                              </p:par>
+                            </p:childTnLst>
+                          </p:cTn>
+                        </p:par>
+                      </p:childTnLst>
+                    </p:cTn>
+                  </p:par>
+                  <p:par>
+                    <p:cTn id="11" fill="hold">
+                      <p:stCondLst>
+                        <p:cond delay="indefinite"/>
+                      </p:stCondLst>
+                      <p:childTnLst>
+                        <p:par>
+                          <p:cTn id="12" fill="hold">
+                            <p:stCondLst>
+                              <p:cond delay="0"/>
+                            </p:stCondLst>
+                            <p:childTnLst>
+                              <p:par>
+                                <p:cTn id="13" presetID="1" presetClass="entr" presetSubtype="0" fill="hold" nodeType="clickEffect">
+                                  <p:stCondLst>
+                                    <p:cond delay="0"/>
+                                  </p:stCondLst>
+                                  <p:childTnLst>
+                                    <p:set>
+                                      <p:cBhvr>
+                                        <p:cTn id="14" dur="1" fill="hold">
+                                          <p:stCondLst>
+                                            <p:cond delay="0"/>
+                                          </p:stCondLst>
+                                        </p:cTn>
+                                        <p:tgtEl>
+                                          <p:spTgt spid="3">
+                                            <p:txEl>
+                                              <p:pRg st="2" end="2"/>
+                                            </p:txEl>
+                                          </p:spTgt>
+                                        </p:tgtEl>
+                                        <p:attrNameLst>
+                                          <p:attrName>style.visibility</p:attrName>
+                                        </p:attrNameLst>
+                                      </p:cBhvr>
+                                      <p:to>
+                                        <p:strVal val="visible"/>
+                                      </p:to>
+                                    </p:set>
+                                  </p:childTnLst>
+                                </p:cTn>
+                              </p:par>
+                            </p:childTnLst>
+                          </p:cTn>
+                        </p:par>
+                      </p:childTnLst>
+                    </p:cTn>
+                  </p:par>
+                </p:childTnLst>
+              </p:cTn>
+              <p:prevCondLst>
+                <p:cond evt="onPrev" delay="0">
+                  <p:tgtEl>
+                    <p:sldTgt/>
+                  </p:tgtEl>
+                </p:cond>
+              </p:prevCondLst>
+              <p:nextCondLst>
+                <p:cond evt="onNext" delay="0">
+                  <p:tgtEl>
+                    <p:sldTgt/>
+                  </p:tgtEl>
+                </p:cond>
+              </p:nextCondLst>
+            </p:seq>
+          </p:childTnLst>
+        </p:cTn>
+      </p:par>
+    </p:tnLst>
+  </p:timing>
+</p:sld>
+</file>
+
+<file path=ppt/slides/slide32.xml><?xml version="1.0" encoding="utf-8"?>
+<p:sld xmlns:a="http://schemas.openxmlformats.org/drawingml/2006/main" xmlns:r="http://schemas.openxmlformats.org/officeDocument/2006/relationships" xmlns:p="http://schemas.openxmlformats.org/presentationml/2006/main">
+  <p:cSld>
+    <p:spTree>
+      <p:nvGrpSpPr>
+        <p:cNvPr id="1" name=""/>
+        <p:cNvGrpSpPr/>
+        <p:nvPr/>
+      </p:nvGrpSpPr>
+      <p:grpSpPr>
+        <a:xfrm>
+          <a:off x="0" y="0"/>
+          <a:ext cx="0" cy="0"/>
+          <a:chOff x="0" y="0"/>
+          <a:chExt cx="0" cy="0"/>
+        </a:xfrm>
+      </p:grpSpPr>
+      <p:sp>
+        <p:nvSpPr>
+          <p:cNvPr id="2" name="Title 1"/>
+          <p:cNvSpPr>
+            <a:spLocks noGrp="1"/>
+          </p:cNvSpPr>
+          <p:nvPr>
+            <p:ph type="title"/>
+          </p:nvPr>
+        </p:nvSpPr>
+        <p:spPr/>
+        <p:txBody>
+          <a:bodyPr/>
+          <a:lstStyle/>
+          <a:p>
+            <a:endParaRPr lang="en-US"/>
+          </a:p>
+        </p:txBody>
+      </p:sp>
+      <p:sp>
+        <p:nvSpPr>
+          <p:cNvPr id="3" name="Content Placeholder 2"/>
+          <p:cNvSpPr>
+            <a:spLocks noGrp="1"/>
+          </p:cNvSpPr>
+          <p:nvPr>
+            <p:ph idx="1"/>
+          </p:nvPr>
+        </p:nvSpPr>
+        <p:spPr/>
+        <p:txBody>
+          <a:bodyPr/>
+          <a:lstStyle/>
+          <a:p>
+            <a:r>
+              <a:rPr lang="x-none" altLang="en-US" dirty="0"/>
+              <a:t>wait函数</a:t>
+            </a:r>
+          </a:p>
+          <a:p>
+            <a:r>
+              <a:rPr lang="x-none" altLang="en-US" i="1" dirty="0"/>
+              <a:t>pid_t wait(int </a:t>
+            </a:r>
+            <a:r>
+              <a:rPr lang="x-none" altLang="en-US" i="1" dirty="0" smtClean="0"/>
+              <a:t>*</a:t>
+            </a:r>
+            <a:r>
+              <a:rPr lang="en-US" altLang="en-US" i="1" dirty="0"/>
+              <a:t> </a:t>
+            </a:r>
+            <a:r>
+              <a:rPr lang="en-US" altLang="en-US" i="1" dirty="0" err="1" smtClean="0"/>
+              <a:t>statloc</a:t>
+            </a:r>
+            <a:r>
+              <a:rPr lang="x-none" altLang="en-US" i="1" dirty="0" smtClean="0"/>
+              <a:t>) </a:t>
+            </a:r>
+            <a:r>
+              <a:rPr lang="x-none" altLang="en-US" i="1" dirty="0"/>
+              <a:t>;</a:t>
+            </a:r>
+          </a:p>
+          <a:p>
+            <a:r>
+              <a:rPr lang="x-none" altLang="en-US" i="1" dirty="0"/>
+              <a:t>pid_t waitpid(pid_t </a:t>
+            </a:r>
+            <a:r>
+              <a:rPr lang="x-none" altLang="en-US" i="1" dirty="0" smtClean="0"/>
+              <a:t>p</a:t>
+            </a:r>
+            <a:r>
+              <a:rPr lang="en-US" altLang="en-US" i="1" dirty="0" smtClean="0"/>
+              <a:t>i</a:t>
+            </a:r>
+            <a:r>
+              <a:rPr lang="x-none" altLang="en-US" i="1" dirty="0" smtClean="0"/>
+              <a:t>d</a:t>
+            </a:r>
+            <a:r>
+              <a:rPr lang="x-none" altLang="en-US" i="1" dirty="0"/>
+              <a:t>, int * statloc, int </a:t>
+            </a:r>
+            <a:r>
+              <a:rPr lang="en-US" altLang="en-US" i="1" dirty="0" smtClean="0"/>
+              <a:t>option</a:t>
+            </a:r>
+            <a:r>
+              <a:rPr lang="x-none" altLang="en-US" i="1" dirty="0" smtClean="0"/>
+              <a:t>s</a:t>
+            </a:r>
+            <a:r>
+              <a:rPr lang="x-none" altLang="en-US" i="1" dirty="0"/>
+              <a:t>) ;</a:t>
+            </a:r>
+          </a:p>
+          <a:p>
+            <a:r>
+              <a:rPr lang="x-none" altLang="en-US" dirty="0"/>
+              <a:t>两个函数返回：若成功则为进程 I D，若出错则为-1</a:t>
+            </a:r>
+          </a:p>
+          <a:p>
+            <a:endParaRPr lang="x-none" altLang="en-US" dirty="0"/>
+          </a:p>
+          <a:p>
+            <a:r>
+              <a:rPr lang="x-none" altLang="en-US" dirty="0"/>
+              <a:t>wait.c</a:t>
+            </a:r>
+          </a:p>
+        </p:txBody>
+      </p:sp>
+    </p:spTree>
+  </p:cSld>
+  <p:clrMapOvr>
+    <a:masterClrMapping/>
+  </p:clrMapOvr>
+  <p:timing>
+    <p:tnLst>
+      <p:par>
+        <p:cTn id="1" dur="indefinite" restart="never" nodeType="tmRoot">
+          <p:childTnLst>
+            <p:seq concurrent="1" nextAc="seek">
+              <p:cTn id="2" dur="indefinite" nodeType="mainSeq">
+                <p:childTnLst>
+                  <p:par>
+                    <p:cTn id="3" fill="hold">
+                      <p:stCondLst>
+                        <p:cond delay="indefinite"/>
+                      </p:stCondLst>
+                      <p:childTnLst>
+                        <p:par>
+                          <p:cTn id="4" fill="hold">
+                            <p:stCondLst>
+                              <p:cond delay="0"/>
+                            </p:stCondLst>
+                            <p:childTnLst>
+                              <p:par>
+                                <p:cTn id="5" presetID="1" presetClass="entr" presetSubtype="0" fill="hold" nodeType="clickEffect">
+                                  <p:stCondLst>
+                                    <p:cond delay="0"/>
+                                  </p:stCondLst>
+                                  <p:childTnLst>
+                                    <p:set>
+                                      <p:cBhvr>
+                                        <p:cTn id="6" dur="1" fill="hold">
+                                          <p:stCondLst>
+                                            <p:cond delay="0"/>
+                                          </p:stCondLst>
+                                        </p:cTn>
+                                        <p:tgtEl>
+                                          <p:spTgt spid="3">
+                                            <p:txEl>
+                                              <p:pRg st="0" end="0"/>
+                                            </p:txEl>
+                                          </p:spTgt>
+                                        </p:tgtEl>
+                                        <p:attrNameLst>
+                                          <p:attrName>style.visibility</p:attrName>
+                                        </p:attrNameLst>
+                                      </p:cBhvr>
+                                      <p:to>
+                                        <p:strVal val="visible"/>
+                                      </p:to>
+                                    </p:set>
+                                  </p:childTnLst>
+                                </p:cTn>
+                              </p:par>
+                            </p:childTnLst>
+                          </p:cTn>
+                        </p:par>
+                      </p:childTnLst>
+                    </p:cTn>
+                  </p:par>
+                  <p:par>
+                    <p:cTn id="7" fill="hold">
+                      <p:stCondLst>
+                        <p:cond delay="indefinite"/>
+                      </p:stCondLst>
+                      <p:childTnLst>
+                        <p:par>
+                          <p:cTn id="8" fill="hold">
+                            <p:stCondLst>
+                              <p:cond delay="0"/>
+                            </p:stCondLst>
+                            <p:childTnLst>
+                              <p:par>
+                                <p:cTn id="9" presetID="1" presetClass="entr" presetSubtype="0" fill="hold" nodeType="clickEffect">
+                                  <p:stCondLst>
+                                    <p:cond delay="0"/>
+                                  </p:stCondLst>
+                                  <p:childTnLst>
+                                    <p:set>
+                                      <p:cBhvr>
+                                        <p:cTn id="10" dur="1" fill="hold">
+                                          <p:stCondLst>
+                                            <p:cond delay="0"/>
+                                          </p:stCondLst>
+                                        </p:cTn>
+                                        <p:tgtEl>
+                                          <p:spTgt spid="3">
+                                            <p:txEl>
+                                              <p:pRg st="1" end="1"/>
+                                            </p:txEl>
+                                          </p:spTgt>
+                                        </p:tgtEl>
+                                        <p:attrNameLst>
+                                          <p:attrName>style.visibility</p:attrName>
+                                        </p:attrNameLst>
+                                      </p:cBhvr>
+                                      <p:to>
+                                        <p:strVal val="visible"/>
+                                      </p:to>
+                                    </p:set>
+                                  </p:childTnLst>
+                                </p:cTn>
+                              </p:par>
+                              <p:par>
+                                <p:cTn id="11" presetID="1" presetClass="entr" presetSubtype="0" fill="hold" nodeType="withEffect">
+                                  <p:stCondLst>
+                                    <p:cond delay="0"/>
+                                  </p:stCondLst>
+                                  <p:childTnLst>
+                                    <p:set>
+                                      <p:cBhvr>
+                                        <p:cTn id="12" dur="1" fill="hold">
+                                          <p:stCondLst>
+                                            <p:cond delay="0"/>
+                                          </p:stCondLst>
+                                        </p:cTn>
+                                        <p:tgtEl>
+                                          <p:spTgt spid="3">
+                                            <p:txEl>
+                                              <p:pRg st="2" end="2"/>
+                                            </p:txEl>
+                                          </p:spTgt>
+                                        </p:tgtEl>
+                                        <p:attrNameLst>
+                                          <p:attrName>style.visibility</p:attrName>
+                                        </p:attrNameLst>
+                                      </p:cBhvr>
+                                      <p:to>
+                                        <p:strVal val="visible"/>
+                                      </p:to>
+                                    </p:set>
+                                  </p:childTnLst>
+                                </p:cTn>
+                              </p:par>
+                            </p:childTnLst>
+                          </p:cTn>
+                        </p:par>
+                      </p:childTnLst>
+                    </p:cTn>
+                  </p:par>
+                  <p:par>
+                    <p:cTn id="13" fill="hold">
+                      <p:stCondLst>
+                        <p:cond delay="indefinite"/>
+                      </p:stCondLst>
+                      <p:childTnLst>
+                        <p:par>
+                          <p:cTn id="14" fill="hold">
+                            <p:stCondLst>
+                              <p:cond delay="0"/>
+                            </p:stCondLst>
+                            <p:childTnLst>
+                              <p:par>
+                                <p:cTn id="15" presetID="1" presetClass="entr" presetSubtype="0" fill="hold" nodeType="clickEffect">
+                                  <p:stCondLst>
+                                    <p:cond delay="0"/>
+                                  </p:stCondLst>
+                                  <p:childTnLst>
+                                    <p:set>
+                                      <p:cBhvr>
+                                        <p:cTn id="16" dur="1" fill="hold">
+                                          <p:stCondLst>
+                                            <p:cond delay="0"/>
+                                          </p:stCondLst>
+                                        </p:cTn>
+                                        <p:tgtEl>
+                                          <p:spTgt spid="3">
+                                            <p:txEl>
+                                              <p:pRg st="3" end="3"/>
+                                            </p:txEl>
+                                          </p:spTgt>
+                                        </p:tgtEl>
+                                        <p:attrNameLst>
+                                          <p:attrName>style.visibility</p:attrName>
+                                        </p:attrNameLst>
+                                      </p:cBhvr>
+                                      <p:to>
+                                        <p:strVal val="visible"/>
+                                      </p:to>
+                                    </p:set>
+                                  </p:childTnLst>
+                                </p:cTn>
+                              </p:par>
+                            </p:childTnLst>
+                          </p:cTn>
+                        </p:par>
+                      </p:childTnLst>
+                    </p:cTn>
+                  </p:par>
+                  <p:par>
+                    <p:cTn id="17" fill="hold">
+                      <p:stCondLst>
+                        <p:cond delay="indefinite"/>
+                      </p:stCondLst>
+                      <p:childTnLst>
+                        <p:par>
+                          <p:cTn id="18" fill="hold">
+                            <p:stCondLst>
+                              <p:cond delay="0"/>
+                            </p:stCondLst>
+                            <p:childTnLst>
+                              <p:par>
+                                <p:cTn id="19" presetID="1" presetClass="entr" presetSubtype="0" fill="hold" nodeType="clickEffect">
+                                  <p:stCondLst>
+                                    <p:cond delay="0"/>
+                                  </p:stCondLst>
+                                  <p:childTnLst>
+                                    <p:set>
+                                      <p:cBhvr>
+                                        <p:cTn id="20" dur="1" fill="hold">
+                                          <p:stCondLst>
+                                            <p:cond delay="0"/>
+                                          </p:stCondLst>
+                                        </p:cTn>
+                                        <p:tgtEl>
+                                          <p:spTgt spid="3">
+                                            <p:txEl>
+                                              <p:pRg st="5" end="5"/>
+                                            </p:txEl>
+                                          </p:spTgt>
+                                        </p:tgtEl>
+                                        <p:attrNameLst>
+                                          <p:attrName>style.visibility</p:attrName>
+                                        </p:attrNameLst>
+                                      </p:cBhvr>
+                                      <p:to>
+                                        <p:strVal val="visible"/>
+                                      </p:to>
+                                    </p:set>
+                                  </p:childTnLst>
+                                </p:cTn>
+                              </p:par>
+                            </p:childTnLst>
+                          </p:cTn>
+                        </p:par>
+                      </p:childTnLst>
+                    </p:cTn>
+                  </p:par>
+                </p:childTnLst>
+              </p:cTn>
+              <p:prevCondLst>
+                <p:cond evt="onPrev" delay="0">
+                  <p:tgtEl>
+                    <p:sldTgt/>
+                  </p:tgtEl>
+                </p:cond>
+              </p:prevCondLst>
+              <p:nextCondLst>
+                <p:cond evt="onNext" delay="0">
+                  <p:tgtEl>
+                    <p:sldTgt/>
+                  </p:tgtEl>
+                </p:cond>
+              </p:nextCondLst>
+            </p:seq>
+          </p:childTnLst>
+        </p:cTn>
+      </p:par>
+    </p:tnLst>
+  </p:timing>
+</p:sld>
+</file>
+
+<file path=ppt/slides/slide33.xml><?xml version="1.0" encoding="utf-8"?>
+<p:sld xmlns:a="http://schemas.openxmlformats.org/drawingml/2006/main" xmlns:r="http://schemas.openxmlformats.org/officeDocument/2006/relationships" xmlns:p="http://schemas.openxmlformats.org/presentationml/2006/main">
+  <p:cSld>
+    <p:spTree>
+      <p:nvGrpSpPr>
+        <p:cNvPr id="1" name=""/>
+        <p:cNvGrpSpPr/>
+        <p:nvPr/>
+      </p:nvGrpSpPr>
+      <p:grpSpPr>
+        <a:xfrm>
+          <a:off x="0" y="0"/>
+          <a:ext cx="0" cy="0"/>
+          <a:chOff x="0" y="0"/>
+          <a:chExt cx="0" cy="0"/>
+        </a:xfrm>
+      </p:grpSpPr>
+      <p:sp>
+        <p:nvSpPr>
+          <p:cNvPr id="2" name="Title 1"/>
+          <p:cNvSpPr>
+            <a:spLocks noGrp="1"/>
+          </p:cNvSpPr>
+          <p:nvPr>
+            <p:ph type="title"/>
+          </p:nvPr>
+        </p:nvSpPr>
+        <p:spPr/>
+        <p:txBody>
+          <a:bodyPr/>
+          <a:lstStyle/>
+          <a:p>
+            <a:endParaRPr lang="en-US"/>
+          </a:p>
+        </p:txBody>
+      </p:sp>
+      <p:sp>
+        <p:nvSpPr>
+          <p:cNvPr id="3" name="Content Placeholder 2"/>
+          <p:cNvSpPr>
+            <a:spLocks noGrp="1"/>
+          </p:cNvSpPr>
+          <p:nvPr>
+            <p:ph idx="1"/>
+          </p:nvPr>
+        </p:nvSpPr>
+        <p:spPr/>
+        <p:txBody>
+          <a:bodyPr>
+            <a:normAutofit fontScale="97500" lnSpcReduction="10000"/>
+          </a:bodyPr>
+          <a:lstStyle/>
+          <a:p>
+            <a:r>
+              <a:rPr lang="en-US" dirty="0" err="1" smtClean="0"/>
+              <a:t>waitpid</a:t>
+            </a:r>
+            <a:r>
+              <a:rPr lang="en-US" dirty="0" err="1"/>
+              <a:t>函数提供了</a:t>
+            </a:r>
+            <a:r>
+              <a:rPr lang="en-US" dirty="0" err="1" smtClean="0"/>
+              <a:t>wait函数没有提供的三个功能</a:t>
+            </a:r>
+            <a:endParaRPr lang="en-US" dirty="0"/>
+          </a:p>
+          <a:p>
+            <a:r>
+              <a:rPr lang="en-US" dirty="0"/>
+              <a:t>(1) </a:t>
+            </a:r>
+            <a:r>
+              <a:rPr lang="en-US" dirty="0" err="1"/>
+              <a:t>waitpid等待一个特定的进程</a:t>
+            </a:r>
+            <a:r>
+              <a:rPr lang="en-US" dirty="0"/>
+              <a:t> (</a:t>
+            </a:r>
+            <a:r>
+              <a:rPr lang="en-US" dirty="0" err="1"/>
+              <a:t>而</a:t>
+            </a:r>
+            <a:r>
+              <a:rPr lang="en-US" dirty="0" err="1" smtClean="0"/>
+              <a:t>wait</a:t>
+            </a:r>
+            <a:r>
+              <a:rPr lang="en-US" dirty="0" err="1"/>
+              <a:t>则返回任一终止子进程的状态</a:t>
+            </a:r>
+            <a:r>
+              <a:rPr lang="en-US" dirty="0"/>
+              <a:t> </a:t>
+            </a:r>
+            <a:r>
+              <a:rPr lang="en-US" dirty="0" smtClean="0"/>
+              <a:t>)。</a:t>
+            </a:r>
+          </a:p>
+          <a:p>
+            <a:r>
+              <a:rPr lang="en-US" dirty="0" smtClean="0"/>
+              <a:t> (</a:t>
+            </a:r>
+            <a:r>
+              <a:rPr lang="en-US" dirty="0"/>
+              <a:t>2) </a:t>
+            </a:r>
+            <a:r>
+              <a:rPr lang="en-US" dirty="0" err="1"/>
+              <a:t>waitpid提供了一个</a:t>
+            </a:r>
+            <a:r>
+              <a:rPr lang="en-US" dirty="0" err="1" smtClean="0"/>
+              <a:t>wait的非阻塞版本</a:t>
+            </a:r>
+            <a:r>
+              <a:rPr lang="en-US" dirty="0" err="1"/>
+              <a:t>。有时希望取得一个子进程的状态，</a:t>
+            </a:r>
+            <a:r>
+              <a:rPr lang="en-US" dirty="0" err="1" smtClean="0"/>
+              <a:t>但不想阻塞</a:t>
+            </a:r>
+            <a:endParaRPr lang="en-US" dirty="0"/>
+          </a:p>
+          <a:p>
+            <a:r>
+              <a:rPr lang="en-US" dirty="0"/>
+              <a:t>(3) </a:t>
+            </a:r>
+            <a:r>
+              <a:rPr lang="en-US" dirty="0" err="1"/>
+              <a:t>waitpid支持作业控制（以</a:t>
+            </a:r>
+            <a:r>
+              <a:rPr lang="en-US" dirty="0" err="1" smtClean="0"/>
+              <a:t>WUNTRACED</a:t>
+            </a:r>
+            <a:r>
+              <a:rPr lang="en-US" dirty="0" err="1"/>
+              <a:t>选择项</a:t>
+            </a:r>
+            <a:r>
+              <a:rPr lang="en-US" dirty="0" smtClean="0"/>
+              <a:t>）。</a:t>
+            </a:r>
+          </a:p>
+          <a:p>
+            <a:r>
+              <a:rPr lang="en-US" dirty="0" err="1"/>
+              <a:t>w</a:t>
+            </a:r>
+            <a:r>
+              <a:rPr lang="en-US" dirty="0" err="1" smtClean="0"/>
+              <a:t>aitpid.c</a:t>
+            </a:r>
+            <a:endParaRPr lang="en-US" dirty="0"/>
+          </a:p>
+        </p:txBody>
+      </p:sp>
+    </p:spTree>
+  </p:cSld>
+  <p:clrMapOvr>
+    <a:masterClrMapping/>
+  </p:clrMapOvr>
+  <mc:AlternateContent xmlns:mc="http://schemas.openxmlformats.org/markup-compatibility/2006">
+    <mc:Choice xmlns:p14="http://schemas.microsoft.com/office/powerpoint/2010/main" Requires="p14">
+      <p:transition spd="med" p14:dur="700">
+        <p:fade/>
+      </p:transition>
+    </mc:Choice>
+    <mc:Fallback>
+      <p:transition spd="med">
+        <p:fade/>
+      </p:transition>
+    </mc:Fallback>
+  </mc:AlternateContent>
+  <p:timing>
+    <p:tnLst>
+      <p:par>
+        <p:cTn id="1" dur="indefinite" restart="never" nodeType="tmRoot">
+          <p:childTnLst>
+            <p:seq concurrent="1" nextAc="seek">
+              <p:cTn id="2" dur="indefinite" nodeType="mainSeq">
+                <p:childTnLst>
+                  <p:par>
+                    <p:cTn id="3" fill="hold">
+                      <p:stCondLst>
+                        <p:cond delay="indefinite"/>
+                      </p:stCondLst>
+                      <p:childTnLst>
+                        <p:par>
+                          <p:cTn id="4" fill="hold">
+                            <p:stCondLst>
+                              <p:cond delay="0"/>
+                            </p:stCondLst>
+                            <p:childTnLst>
+                              <p:par>
+                                <p:cTn id="5" presetID="1" presetClass="entr" presetSubtype="0" fill="hold" nodeType="clickEffect">
+                                  <p:stCondLst>
+                                    <p:cond delay="0"/>
+                                  </p:stCondLst>
+                                  <p:childTnLst>
+                                    <p:set>
+                                      <p:cBhvr>
+                                        <p:cTn id="6" dur="1" fill="hold">
+                                          <p:stCondLst>
+                                            <p:cond delay="0"/>
+                                          </p:stCondLst>
+                                        </p:cTn>
+                                        <p:tgtEl>
+                                          <p:spTgt spid="3">
+                                            <p:txEl>
+                                              <p:pRg st="0" end="0"/>
+                                            </p:txEl>
+                                          </p:spTgt>
+                                        </p:tgtEl>
+                                        <p:attrNameLst>
+                                          <p:attrName>style.visibility</p:attrName>
+                                        </p:attrNameLst>
+                                      </p:cBhvr>
+                                      <p:to>
+                                        <p:strVal val="visible"/>
+                                      </p:to>
+                                    </p:set>
+                                  </p:childTnLst>
+                                </p:cTn>
+                              </p:par>
+                            </p:childTnLst>
+                          </p:cTn>
+                        </p:par>
+                      </p:childTnLst>
+                    </p:cTn>
+                  </p:par>
+                  <p:par>
+                    <p:cTn id="7" fill="hold">
+                      <p:stCondLst>
+                        <p:cond delay="indefinite"/>
+                      </p:stCondLst>
+                      <p:childTnLst>
+                        <p:par>
+                          <p:cTn id="8" fill="hold">
+                            <p:stCondLst>
+                              <p:cond delay="0"/>
+                            </p:stCondLst>
+                            <p:childTnLst>
+                              <p:par>
+                                <p:cTn id="9" presetID="1" presetClass="entr" presetSubtype="0" fill="hold" nodeType="clickEffect">
+                                  <p:stCondLst>
+                                    <p:cond delay="0"/>
+                                  </p:stCondLst>
+                                  <p:childTnLst>
+                                    <p:set>
+                                      <p:cBhvr>
+                                        <p:cTn id="10" dur="1" fill="hold">
+                                          <p:stCondLst>
+                                            <p:cond delay="0"/>
+                                          </p:stCondLst>
+                                        </p:cTn>
+                                        <p:tgtEl>
+                                          <p:spTgt spid="3">
+                                            <p:txEl>
+                                              <p:pRg st="1" end="1"/>
+                                            </p:txEl>
+                                          </p:spTgt>
+                                        </p:tgtEl>
+                                        <p:attrNameLst>
+                                          <p:attrName>style.visibility</p:attrName>
+                                        </p:attrNameLst>
+                                      </p:cBhvr>
+                                      <p:to>
+                                        <p:strVal val="visible"/>
+                                      </p:to>
+                                    </p:set>
+                                  </p:childTnLst>
+                                </p:cTn>
+                              </p:par>
+                            </p:childTnLst>
+                          </p:cTn>
+                        </p:par>
+                      </p:childTnLst>
+                    </p:cTn>
+                  </p:par>
+                  <p:par>
+                    <p:cTn id="11" fill="hold">
+                      <p:stCondLst>
+                        <p:cond delay="indefinite"/>
+                      </p:stCondLst>
+                      <p:childTnLst>
+                        <p:par>
+                          <p:cTn id="12" fill="hold">
+                            <p:stCondLst>
+                              <p:cond delay="0"/>
+                            </p:stCondLst>
+                            <p:childTnLst>
+                              <p:par>
+                                <p:cTn id="13" presetID="1" presetClass="entr" presetSubtype="0" fill="hold" nodeType="clickEffect">
+                                  <p:stCondLst>
+                                    <p:cond delay="0"/>
+                                  </p:stCondLst>
+                                  <p:childTnLst>
+                                    <p:set>
+                                      <p:cBhvr>
+                                        <p:cTn id="14" dur="1" fill="hold">
+                                          <p:stCondLst>
+                                            <p:cond delay="0"/>
+                                          </p:stCondLst>
+                                        </p:cTn>
+                                        <p:tgtEl>
+                                          <p:spTgt spid="3">
+                                            <p:txEl>
+                                              <p:pRg st="2" end="2"/>
+                                            </p:txEl>
+                                          </p:spTgt>
+                                        </p:tgtEl>
+                                        <p:attrNameLst>
+                                          <p:attrName>style.visibility</p:attrName>
+                                        </p:attrNameLst>
+                                      </p:cBhvr>
+                                      <p:to>
+                                        <p:strVal val="visible"/>
+                                      </p:to>
+                                    </p:set>
+                                  </p:childTnLst>
+                                </p:cTn>
+                              </p:par>
+                            </p:childTnLst>
+                          </p:cTn>
+                        </p:par>
+                      </p:childTnLst>
+                    </p:cTn>
+                  </p:par>
+                  <p:par>
+                    <p:cTn id="15" fill="hold">
+                      <p:stCondLst>
+                        <p:cond delay="indefinite"/>
+                      </p:stCondLst>
+                      <p:childTnLst>
+                        <p:par>
+                          <p:cTn id="16" fill="hold">
+                            <p:stCondLst>
+                              <p:cond delay="0"/>
+                            </p:stCondLst>
+                            <p:childTnLst>
+                              <p:par>
+                                <p:cTn id="17" presetID="1" presetClass="entr" presetSubtype="0" fill="hold" nodeType="clickEffect">
+                                  <p:stCondLst>
+                                    <p:cond delay="0"/>
+                                  </p:stCondLst>
+                                  <p:childTnLst>
+                                    <p:set>
+                                      <p:cBhvr>
+                                        <p:cTn id="18" dur="1" fill="hold">
+                                          <p:stCondLst>
+                                            <p:cond delay="0"/>
+                                          </p:stCondLst>
+                                        </p:cTn>
+                                        <p:tgtEl>
+                                          <p:spTgt spid="3">
+                                            <p:txEl>
+                                              <p:pRg st="3" end="3"/>
+                                            </p:txEl>
+                                          </p:spTgt>
+                                        </p:tgtEl>
+                                        <p:attrNameLst>
+                                          <p:attrName>style.visibility</p:attrName>
+                                        </p:attrNameLst>
+                                      </p:cBhvr>
+                                      <p:to>
+                                        <p:strVal val="visible"/>
+                                      </p:to>
+                                    </p:set>
+                                  </p:childTnLst>
+                                </p:cTn>
+                              </p:par>
+                            </p:childTnLst>
+                          </p:cTn>
+                        </p:par>
+                      </p:childTnLst>
+                    </p:cTn>
+                  </p:par>
+                  <p:par>
+                    <p:cTn id="19" fill="hold">
+                      <p:stCondLst>
+                        <p:cond delay="indefinite"/>
+                      </p:stCondLst>
+                      <p:childTnLst>
+                        <p:par>
+                          <p:cTn id="20" fill="hold">
+                            <p:stCondLst>
+                              <p:cond delay="0"/>
+                            </p:stCondLst>
+                            <p:childTnLst>
+                              <p:par>
+                                <p:cTn id="21" presetID="1" presetClass="entr" presetSubtype="0" fill="hold" nodeType="clickEffect">
+                                  <p:stCondLst>
+                                    <p:cond delay="0"/>
+                                  </p:stCondLst>
+                                  <p:childTnLst>
+                                    <p:set>
+                                      <p:cBhvr>
+                                        <p:cTn id="22" dur="1" fill="hold">
+                                          <p:stCondLst>
+                                            <p:cond delay="0"/>
+                                          </p:stCondLst>
+                                        </p:cTn>
+                                        <p:tgtEl>
+                                          <p:spTgt spid="3">
+                                            <p:txEl>
+                                              <p:pRg st="4" end="4"/>
+                                            </p:txEl>
+                                          </p:spTgt>
+                                        </p:tgtEl>
+                                        <p:attrNameLst>
+                                          <p:attrName>style.visibility</p:attrName>
+                                        </p:attrNameLst>
+                                      </p:cBhvr>
+                                      <p:to>
+                                        <p:strVal val="visible"/>
+                                      </p:to>
+                                    </p:set>
+                                  </p:childTnLst>
+                                </p:cTn>
+                              </p:par>
+                            </p:childTnLst>
+                          </p:cTn>
+                        </p:par>
+                      </p:childTnLst>
+                    </p:cTn>
+                  </p:par>
+                </p:childTnLst>
+              </p:cTn>
+              <p:prevCondLst>
+                <p:cond evt="onPrev" delay="0">
+                  <p:tgtEl>
+                    <p:sldTgt/>
+                  </p:tgtEl>
+                </p:cond>
+              </p:prevCondLst>
+              <p:nextCondLst>
+                <p:cond evt="onNext" delay="0">
+                  <p:tgtEl>
+                    <p:sldTgt/>
+                  </p:tgtEl>
+                </p:cond>
+              </p:nextCondLst>
+            </p:seq>
+          </p:childTnLst>
+        </p:cTn>
+      </p:par>
+    </p:tnLst>
+  </p:timing>
+</p:sld>
+</file>
+
+<file path=ppt/slides/slide34.xml><?xml version="1.0" encoding="utf-8"?>
+<p:sld xmlns:a="http://schemas.openxmlformats.org/drawingml/2006/main" xmlns:r="http://schemas.openxmlformats.org/officeDocument/2006/relationships" xmlns:p="http://schemas.openxmlformats.org/presentationml/2006/main">
+  <p:cSld>
+    <p:spTree>
+      <p:nvGrpSpPr>
+        <p:cNvPr id="1" name=""/>
+        <p:cNvGrpSpPr/>
+        <p:nvPr/>
+      </p:nvGrpSpPr>
+      <p:grpSpPr>
+        <a:xfrm>
+          <a:off x="0" y="0"/>
+          <a:ext cx="0" cy="0"/>
+          <a:chOff x="0" y="0"/>
+          <a:chExt cx="0" cy="0"/>
+        </a:xfrm>
+      </p:grpSpPr>
+      <p:sp>
+        <p:nvSpPr>
+          <p:cNvPr id="2" name="标题 1"/>
+          <p:cNvSpPr>
+            <a:spLocks noGrp="1"/>
+          </p:cNvSpPr>
+          <p:nvPr>
+            <p:ph type="title"/>
+          </p:nvPr>
+        </p:nvSpPr>
+        <p:spPr/>
+        <p:txBody>
+          <a:bodyPr/>
+          <a:lstStyle/>
+          <a:p>
+            <a:endParaRPr lang="en-US"/>
+          </a:p>
+        </p:txBody>
+      </p:sp>
+      <p:sp>
+        <p:nvSpPr>
+          <p:cNvPr id="3" name="内容占位符 2"/>
+          <p:cNvSpPr>
+            <a:spLocks noGrp="1"/>
+          </p:cNvSpPr>
+          <p:nvPr>
+            <p:ph idx="1"/>
+          </p:nvPr>
+        </p:nvSpPr>
+        <p:spPr/>
+        <p:txBody>
+          <a:bodyPr/>
+          <a:lstStyle/>
+          <a:p>
+            <a:r>
+              <a:rPr lang="en-US" dirty="0" err="1"/>
+              <a:t>e</a:t>
+            </a:r>
+            <a:r>
+              <a:rPr lang="en-US" dirty="0" err="1" smtClean="0"/>
+              <a:t>xec函数</a:t>
+            </a:r>
+            <a:endParaRPr lang="en-US" dirty="0"/>
+          </a:p>
+        </p:txBody>
+      </p:sp>
+    </p:spTree>
+  </p:cSld>
+  <p:clrMapOvr>
+    <a:masterClrMapping/>
+  </p:clrMapOvr>
+  <p:timing>
+    <p:tnLst>
+      <p:par>
+        <p:cTn id="1" dur="indefinite" restart="never" nodeType="tmRoot"/>
+      </p:par>
+    </p:tnLst>
+  </p:timing>
+</p:sld>
+</file>
+
+<file path=ppt/slides/slide35.xml><?xml version="1.0" encoding="utf-8"?>
+<p:sld xmlns:a="http://schemas.openxmlformats.org/drawingml/2006/main" xmlns:r="http://schemas.openxmlformats.org/officeDocument/2006/relationships" xmlns:p="http://schemas.openxmlformats.org/presentationml/2006/main">
+  <p:cSld>
+    <p:spTree>
+      <p:nvGrpSpPr>
+        <p:cNvPr id="1" name=""/>
+        <p:cNvGrpSpPr/>
+        <p:nvPr/>
+      </p:nvGrpSpPr>
+      <p:grpSpPr>
+        <a:xfrm>
+          <a:off x="0" y="0"/>
+          <a:ext cx="0" cy="0"/>
+          <a:chOff x="0" y="0"/>
+          <a:chExt cx="0" cy="0"/>
+        </a:xfrm>
+      </p:grpSpPr>
+      <p:sp>
+        <p:nvSpPr>
+          <p:cNvPr id="2" name="标题 1"/>
+          <p:cNvSpPr>
+            <a:spLocks noGrp="1"/>
+          </p:cNvSpPr>
+          <p:nvPr>
+            <p:ph type="title"/>
+          </p:nvPr>
+        </p:nvSpPr>
+        <p:spPr/>
+        <p:txBody>
+          <a:bodyPr/>
+          <a:lstStyle/>
+          <a:p>
+            <a:endParaRPr lang="en-US"/>
+          </a:p>
+        </p:txBody>
+      </p:sp>
+      <p:sp>
+        <p:nvSpPr>
+          <p:cNvPr id="3" name="内容占位符 2"/>
+          <p:cNvSpPr>
+            <a:spLocks noGrp="1"/>
+          </p:cNvSpPr>
+          <p:nvPr>
+            <p:ph idx="1"/>
+          </p:nvPr>
+        </p:nvSpPr>
+        <p:spPr/>
+        <p:txBody>
+          <a:bodyPr/>
+          <a:lstStyle/>
+          <a:p>
+            <a:r>
+              <a:rPr lang="en-US" dirty="0" smtClean="0"/>
+              <a:t>IPC</a:t>
+            </a:r>
+            <a:endParaRPr lang="en-US" dirty="0"/>
+          </a:p>
+        </p:txBody>
+      </p:sp>
+    </p:spTree>
+  </p:cSld>
+  <p:clrMapOvr>
+    <a:masterClrMapping/>
+  </p:clrMapOvr>
+  <p:timing>
+    <p:tnLst>
+      <p:par>
+        <p:cTn id="1" dur="indefinite" restart="never" nodeType="tmRoot"/>
+      </p:par>
+    </p:tnLst>
+  </p:timing>
+</p:sld>
+</file>
+
+<file path=ppt/slides/slide36.xml><?xml version="1.0" encoding="utf-8"?>
+<p:sld xmlns:a="http://schemas.openxmlformats.org/drawingml/2006/main" xmlns:r="http://schemas.openxmlformats.org/officeDocument/2006/relationships" xmlns:p="http://schemas.openxmlformats.org/presentationml/2006/main">
+  <p:cSld>
+    <p:spTree>
+      <p:nvGrpSpPr>
+        <p:cNvPr id="1" name=""/>
+        <p:cNvGrpSpPr/>
+        <p:nvPr/>
+      </p:nvGrpSpPr>
+      <p:grpSpPr>
+        <a:xfrm>
+          <a:off x="0" y="0"/>
+          <a:ext cx="0" cy="0"/>
+          <a:chOff x="0" y="0"/>
+          <a:chExt cx="0" cy="0"/>
+        </a:xfrm>
+      </p:grpSpPr>
+      <p:sp>
+        <p:nvSpPr>
+          <p:cNvPr id="2" name="标题 1"/>
+          <p:cNvSpPr>
+            <a:spLocks noGrp="1"/>
+          </p:cNvSpPr>
+          <p:nvPr>
+            <p:ph type="title"/>
+          </p:nvPr>
+        </p:nvSpPr>
+        <p:spPr/>
+        <p:txBody>
+          <a:bodyPr/>
+          <a:lstStyle/>
+          <a:p>
+            <a:endParaRPr lang="en-US"/>
+          </a:p>
+        </p:txBody>
+      </p:sp>
+      <p:sp>
+        <p:nvSpPr>
+          <p:cNvPr id="3" name="内容占位符 2"/>
+          <p:cNvSpPr>
+            <a:spLocks noGrp="1"/>
+          </p:cNvSpPr>
+          <p:nvPr>
+            <p:ph idx="1"/>
+          </p:nvPr>
+        </p:nvSpPr>
+        <p:spPr/>
+        <p:txBody>
+          <a:bodyPr/>
+          <a:lstStyle/>
+          <a:p>
+            <a:r>
+              <a:rPr lang="en-US" dirty="0" err="1" smtClean="0"/>
+              <a:t>简单的socket编程</a:t>
+            </a:r>
+            <a:endParaRPr lang="en-US" dirty="0" smtClean="0"/>
+          </a:p>
+          <a:p>
+            <a:r>
+              <a:rPr lang="en-US" dirty="0" smtClean="0"/>
+              <a:t>socket</a:t>
+            </a:r>
+          </a:p>
+          <a:p>
+            <a:r>
+              <a:rPr lang="en-US" dirty="0"/>
+              <a:t>b</a:t>
+            </a:r>
+            <a:r>
+              <a:rPr lang="en-US" dirty="0" smtClean="0"/>
+              <a:t>ind </a:t>
+            </a:r>
+          </a:p>
+          <a:p>
+            <a:r>
+              <a:rPr lang="en-US" dirty="0" smtClean="0"/>
+              <a:t>listen</a:t>
+            </a:r>
+          </a:p>
+          <a:p>
+            <a:r>
+              <a:rPr lang="en-US" dirty="0" smtClean="0"/>
+              <a:t>accept </a:t>
+            </a:r>
+          </a:p>
+          <a:p>
+            <a:endParaRPr lang="en-US" dirty="0"/>
+          </a:p>
+        </p:txBody>
+      </p:sp>
+    </p:spTree>
+  </p:cSld>
+  <p:clrMapOvr>
+    <a:masterClrMapping/>
+  </p:clrMapOvr>
+  <p:timing>
+    <p:tnLst>
+      <p:par>
+        <p:cTn id="1" dur="indefinite" restart="never" nodeType="tmRoot"/>
+      </p:par>
+    </p:tnLst>
+  </p:timing>
+</p:sld>
+</file>
+
 <file path=ppt/slides/slide4.xml><?xml version="1.0" encoding="utf-8"?>
 <p:sld xmlns:a="http://schemas.openxmlformats.org/drawingml/2006/main" xmlns:r="http://schemas.openxmlformats.org/officeDocument/2006/relationships" xmlns:p="http://schemas.openxmlformats.org/presentationml/2006/main">
   <p:cSld>
@@ -8613,7 +15472,6 @@
               <a:rPr lang="en-US" dirty="0" smtClean="0"/>
               <a:t>an 3 open</a:t>
             </a:r>
-            <a:endParaRPr lang="en-US" dirty="0" smtClean="0"/>
           </a:p>
           <a:p>
             <a:r>
@@ -8700,7 +15558,6 @@
               <a:rPr lang="en-US" dirty="0" err="1" smtClean="0"/>
               <a:t>rrno标识</a:t>
             </a:r>
-            <a:endParaRPr lang="en-US" dirty="0" err="1" smtClean="0"/>
           </a:p>
           <a:p>
             <a:r>
@@ -9033,7 +15890,6 @@
               <a:rPr lang="en-US" dirty="0" smtClean="0"/>
               <a:t>  FILE</a:t>
             </a:r>
-            <a:endParaRPr lang="en-US" dirty="0" smtClean="0"/>
           </a:p>
           <a:p>
             <a:pPr marL="0" indent="0">
@@ -9054,28 +15910,24 @@
               <a:rPr lang="x-none" altLang="en-US" dirty="0" err="1" smtClean="0"/>
               <a:t>#include &lt;unistd.h&gt;</a:t>
             </a:r>
-            <a:endParaRPr lang="x-none" altLang="en-US" dirty="0" err="1" smtClean="0"/>
           </a:p>
           <a:p>
             <a:r>
               <a:rPr lang="x-none" altLang="en-US" dirty="0" smtClean="0"/>
               <a:t>STDIN_FILENO</a:t>
             </a:r>
-            <a:endParaRPr lang="x-none" altLang="en-US" dirty="0" smtClean="0"/>
           </a:p>
           <a:p>
             <a:r>
               <a:rPr lang="x-none" altLang="en-US" dirty="0" smtClean="0"/>
               <a:t>STDOUT_FILENO</a:t>
             </a:r>
-            <a:endParaRPr lang="x-none" altLang="en-US" dirty="0" smtClean="0"/>
           </a:p>
           <a:p>
             <a:r>
               <a:rPr lang="x-none" altLang="en-US" dirty="0" smtClean="0"/>
               <a:t>STDERR_FILENO</a:t>
             </a:r>
-            <a:endParaRPr lang="x-none" altLang="en-US" dirty="0" smtClean="0"/>
           </a:p>
           <a:p>
             <a:pPr marL="0" indent="0">
@@ -9088,7 +15940,6 @@
               <a:rPr lang="x-none" altLang="en-US" dirty="0" smtClean="0"/>
               <a:t>fd.c</a:t>
             </a:r>
-            <a:endParaRPr lang="x-none" altLang="en-US" dirty="0" smtClean="0"/>
           </a:p>
           <a:p>
             <a:endParaRPr lang="en-US" dirty="0" smtClean="0"/>
@@ -9382,7 +16233,14 @@
         <p:cNvGrpSpPr/>
         <p:nvPr/>
       </p:nvGrpSpPr>
-      <p:grpSpPr/>
+      <p:grpSpPr>
+        <a:xfrm>
+          <a:off x="0" y="0"/>
+          <a:ext cx="0" cy="0"/>
+          <a:chOff x="0" y="0"/>
+          <a:chExt cx="0" cy="0"/>
+        </a:xfrm>
+      </p:grpSpPr>
       <p:sp>
         <p:nvSpPr>
           <p:cNvPr id="2" name="Title 1"/>
@@ -9396,6 +16254,7 @@
         <p:spPr/>
         <p:txBody>
           <a:bodyPr/>
+          <a:lstStyle/>
           <a:p>
             <a:endParaRPr lang="en-US"/>
           </a:p>
@@ -9414,6 +16273,7 @@
         <p:spPr/>
         <p:txBody>
           <a:bodyPr/>
+          <a:lstStyle/>
           <a:p>
             <a:r>
               <a:rPr lang="en-US" dirty="0" err="1" smtClean="0">
@@ -9436,12 +16296,9 @@
               </a:rPr>
               <a:t>系统调用和库函数</a:t>
             </a:r>
-            <a:endParaRPr lang="x-none" altLang="en-US" dirty="0" smtClean="0">
-              <a:sym typeface="+mn-ea"/>
-            </a:endParaRPr>
-          </a:p>
-          <a:p>
-            <a:endParaRPr lang="en-US"/>
+          </a:p>
+          <a:p>
+            <a:endParaRPr lang="en-US" dirty="0"/>
           </a:p>
         </p:txBody>
       </p:sp>
@@ -9454,7 +16311,7 @@
           <p:nvPr/>
         </p:nvPicPr>
         <p:blipFill>
-          <a:blip r:embed="rId1"/>
+          <a:blip r:embed="rId3"/>
           <a:stretch>
             <a:fillRect/>
           </a:stretch>
@@ -9474,6 +16331,13 @@
   <p:clrMapOvr>
     <a:masterClrMapping/>
   </p:clrMapOvr>
+  <p:timing>
+    <p:tnLst>
+      <p:par>
+        <p:cTn id="1" dur="indefinite" restart="never" nodeType="tmRoot"/>
+      </p:par>
+    </p:tnLst>
+  </p:timing>
 </p:sld>
 </file>
 
@@ -9565,14 +16429,12 @@
               <a:rPr lang="en-US" dirty="0"/>
               <a:t>, ...);</a:t>
             </a:r>
-            <a:endParaRPr lang="en-US" dirty="0"/>
           </a:p>
           <a:p>
             <a:r>
               <a:rPr lang="en-US" dirty="0" smtClean="0"/>
               <a:t>打开一个文件，成功返回文件描述符，否则-1，并设置errno</a:t>
             </a:r>
-            <a:endParaRPr lang="en-US" dirty="0" smtClean="0"/>
           </a:p>
           <a:p>
             <a:r>
@@ -9617,7 +16479,6 @@
               <a:rPr lang="x-none" altLang="en-US" dirty="0" smtClean="0"/>
               <a:t>内核选择的文件描述符总是尽可能最小</a:t>
             </a:r>
-            <a:endParaRPr lang="x-none" altLang="en-US" dirty="0" smtClean="0"/>
           </a:p>
           <a:p>
             <a:r>
@@ -9882,7 +16743,6 @@
               <a:rPr lang="fr-FR" dirty="0" smtClean="0"/>
               <a:t> mode);</a:t>
             </a:r>
-            <a:endParaRPr lang="fr-FR" dirty="0" smtClean="0"/>
           </a:p>
           <a:p>
             <a:pPr marL="0" indent="0">
@@ -9896,7 +16756,7 @@
             </a:pPr>
             <a:r>
               <a:rPr lang="en-US" dirty="0" smtClean="0"/>
-              <a:t>S_IRUSR S_IWUSR </a:t>
+              <a:t>S_IRUSR  S_IWUSR  </a:t>
             </a:r>
             <a:r>
               <a:rPr lang="en-US" dirty="0" err="1" smtClean="0"/>
@@ -9912,7 +16772,6 @@
               <a:rPr lang="en-US" dirty="0" smtClean="0"/>
               <a:t>S_IRGRP …</a:t>
             </a:r>
-            <a:endParaRPr lang="en-US" dirty="0" smtClean="0"/>
           </a:p>
           <a:p>
             <a:pPr marL="0" indent="0">
@@ -9922,7 +16781,6 @@
               <a:rPr lang="en-US" dirty="0" smtClean="0"/>
               <a:t>S_IROTH …</a:t>
             </a:r>
-            <a:endParaRPr lang="en-US" dirty="0" smtClean="0"/>
           </a:p>
           <a:p>
             <a:pPr marL="0" indent="0">
@@ -10329,7 +17187,7 @@
   <a:extraClrSchemeLst/>
   <a:extLst>
     <a:ext uri="{05A4C25C-085E-4340-85A3-A5531E510DB2}">
-      <thm15:themeFamily xmlns:thm15="http://schemas.microsoft.com/office/thememl/2012/main" name="Office Theme" id="{62F939B6-93AF-4DB8-9C6B-D6C7DFDC589F}" vid="{4A3C46E8-61CC-4603-A589-7422A47A8E4A}"/>
+      <thm15:themeFamily xmlns:thm15="http://schemas.microsoft.com/office/thememl/2012/main" xmlns="" name="Office Theme" id="{62F939B6-93AF-4DB8-9C6B-D6C7DFDC589F}" vid="{4A3C46E8-61CC-4603-A589-7422A47A8E4A}"/>
     </a:ext>
   </a:extLst>
 </a:theme>
@@ -10619,7 +17477,7 @@
   <a:extraClrSchemeLst/>
   <a:extLst>
     <a:ext uri="{05A4C25C-085E-4340-85A3-A5531E510DB2}">
-      <thm15:themeFamily xmlns:thm15="http://schemas.microsoft.com/office/thememl/2012/main" name="Office Theme" id="{62F939B6-93AF-4DB8-9C6B-D6C7DFDC589F}" vid="{4A3C46E8-61CC-4603-A589-7422A47A8E4A}"/>
+      <thm15:themeFamily xmlns:thm15="http://schemas.microsoft.com/office/thememl/2012/main" xmlns="" name="Office Theme" id="{62F939B6-93AF-4DB8-9C6B-D6C7DFDC589F}" vid="{4A3C46E8-61CC-4603-A589-7422A47A8E4A}"/>
     </a:ext>
   </a:extLst>
 </a:theme>
